--- a/forest_fires/ApresentaçãoModelo0812.pptx
+++ b/forest_fires/ApresentaçãoModelo0812.pptx
@@ -3150,7 +3150,7 @@
           <a:p>
             <a:fld id="{69BDF94E-9595-4903-9DDC-FDADCBF39DEC}" type="datetimeFigureOut">
               <a:rPr lang="pt-BR" smtClean="0"/>
-              <a:t>06/12/2020</a:t>
+              <a:t>07/12/2020</a:t>
             </a:fld>
             <a:endParaRPr lang="pt-BR"/>
           </a:p>
@@ -3327,7 +3327,7 @@
           <a:p>
             <a:fld id="{4982EF54-A1F6-4E34-830B-86C7368B97CA}" type="datetimeFigureOut">
               <a:rPr lang="pt-BR" noProof="0" smtClean="0"/>
-              <a:t>06/12/2020</a:t>
+              <a:t>07/12/2020</a:t>
             </a:fld>
             <a:endParaRPr lang="pt-BR" noProof="0"/>
           </a:p>
@@ -4367,15 +4367,6 @@
             </a:r>
           </a:p>
           <a:p>
-            <a:endParaRPr lang="pt-BR" b="0" i="0" dirty="0">
-              <a:solidFill>
-                <a:srgbClr val="596374"/>
-              </a:solidFill>
-              <a:effectLst/>
-              <a:latin typeface="questrial"/>
-            </a:endParaRPr>
-          </a:p>
-          <a:p>
             <a:r>
               <a:rPr lang="pt-BR" b="0" i="0" dirty="0">
                 <a:solidFill>
@@ -4385,6 +4376,38 @@
                 <a:latin typeface="questrial"/>
               </a:rPr>
               <a:t>Por exemplo, a quantidade vendida  de sorvete em fevereiro pode estar relacionada à quantidade vendida em janeiro, que por sua vez pode estar relacionada com a de dezembro e assim por diante.</a:t>
+            </a:r>
+          </a:p>
+          <a:p>
+            <a:r>
+              <a:rPr lang="pt-BR" b="0" i="0" dirty="0">
+                <a:solidFill>
+                  <a:srgbClr val="596374"/>
+                </a:solidFill>
+                <a:effectLst/>
+                <a:latin typeface="questrial"/>
+              </a:rPr>
+              <a:t>Criar um </a:t>
+            </a:r>
+            <a:r>
+              <a:rPr lang="pt-BR" b="0" i="0" dirty="0" err="1">
+                <a:solidFill>
+                  <a:srgbClr val="596374"/>
+                </a:solidFill>
+                <a:effectLst/>
+                <a:latin typeface="questrial"/>
+              </a:rPr>
+              <a:t>dataset</a:t>
+            </a:r>
+            <a:r>
+              <a:rPr lang="pt-BR" b="0" i="0" dirty="0">
+                <a:solidFill>
+                  <a:srgbClr val="596374"/>
+                </a:solidFill>
+                <a:effectLst/>
+                <a:latin typeface="questrial"/>
+              </a:rPr>
+              <a:t> que irá usar os últimos 6 meses de cada ponto para prever a série</a:t>
             </a:r>
             <a:endParaRPr lang="pt-BR" dirty="0"/>
           </a:p>
@@ -4497,7 +4520,38 @@
                 <a:effectLst/>
                 <a:latin typeface="inherit"/>
               </a:rPr>
-              <a:t>O tamanho do lote na descida gradiente iterativa é o número de padrões mostrados à rede antes que os pesos sejam atualizados. É também uma otimização no treinamento da rede, definindo quantos padrões ler por vez e manter na memória. O número de épocas é o número de vezes que todo o conjunto de dados de treinamento é mostrado à rede durante o treinamento. Algumas redes são sensíveis ao tamanho do lote, como redes neurais recorrentes LSTM e redes neurais convolucionais.</a:t>
+              <a:t>O tamanho do lote na descida gradiente iterativa é o número de padrões mostrados à rede antes que os pesos sejam atualizados. É também uma otimização no treinamento da rede, definindo quantos padrões ler por vez e manter na memória. </a:t>
+            </a:r>
+          </a:p>
+          <a:p>
+            <a:pPr marL="0" marR="0" lvl="0" indent="0" algn="l" defTabSz="914400" rtl="0" eaLnBrk="0" fontAlgn="base" latinLnBrk="0" hangingPunct="0">
+              <a:lnSpc>
+                <a:spcPct val="100000"/>
+              </a:lnSpc>
+              <a:spcBef>
+                <a:spcPct val="0"/>
+              </a:spcBef>
+              <a:spcAft>
+                <a:spcPct val="0"/>
+              </a:spcAft>
+              <a:buClrTx/>
+              <a:buSzTx/>
+              <a:buFontTx/>
+              <a:buNone/>
+              <a:tabLst/>
+            </a:pPr>
+            <a:r>
+              <a:rPr kumimoji="0" lang="pt-PT" altLang="pt-BR" sz="1200" b="0" i="0" u="none" strike="noStrike" cap="none" normalizeH="0" baseline="0" dirty="0">
+                <a:ln>
+                  <a:noFill/>
+                </a:ln>
+                <a:solidFill>
+                  <a:srgbClr val="222222"/>
+                </a:solidFill>
+                <a:effectLst/>
+                <a:latin typeface="inherit"/>
+              </a:rPr>
+              <a:t>O número de épocas é o número de vezes que todo o conjunto de dados de treinamento é mostrado à rede durante o treinamento. Algumas redes são sensíveis ao tamanho do lote, como redes neurais recorrentes LSTM e redes neurais convolucionais.</a:t>
             </a:r>
             <a:r>
               <a:rPr kumimoji="0" lang="pt-PT" altLang="pt-BR" sz="300" b="0" i="0" u="none" strike="noStrike" cap="none" normalizeH="0" baseline="0" dirty="0">
@@ -4747,6 +4801,37 @@
               </a:rPr>
               <a:t>, que dá nome à rede.</a:t>
             </a:r>
+          </a:p>
+          <a:p>
+            <a:pPr marL="0" marR="0" lvl="0" indent="0" algn="l" defTabSz="914400" rtl="0" eaLnBrk="0" fontAlgn="base" latinLnBrk="0" hangingPunct="0">
+              <a:lnSpc>
+                <a:spcPct val="100000"/>
+              </a:lnSpc>
+              <a:spcBef>
+                <a:spcPct val="0"/>
+              </a:spcBef>
+              <a:spcAft>
+                <a:spcPct val="0"/>
+              </a:spcAft>
+              <a:buClrTx/>
+              <a:buSzTx/>
+              <a:buFontTx/>
+              <a:buNone/>
+              <a:tabLst/>
+            </a:pPr>
+            <a:r>
+              <a:rPr kumimoji="0" lang="pt-BR" altLang="pt-BR" sz="1400" b="0" i="0" u="none" strike="noStrike" cap="none" normalizeH="0" baseline="0" dirty="0">
+                <a:ln>
+                  <a:noFill/>
+                </a:ln>
+                <a:solidFill>
+                  <a:srgbClr val="292929"/>
+                </a:solidFill>
+                <a:effectLst/>
+                <a:latin typeface="charter"/>
+              </a:rPr>
+              <a:t>Cada filtro funciona como um extrator de características. Quanto mais filtros mais complexo ela é</a:t>
+            </a:r>
             <a:endParaRPr kumimoji="0" lang="pt-PT" altLang="pt-BR" sz="1050" b="0" i="0" u="none" strike="noStrike" cap="none" normalizeH="0" baseline="0" dirty="0">
               <a:ln>
                 <a:noFill/>
@@ -4851,7 +4936,25 @@
                 </a:solidFill>
                 <a:latin typeface="SFRM1200"/>
               </a:rPr>
-              <a:t>A camada de agrupamento reduz progressivamente o tamanho espacial da representação,</a:t>
+              <a:t>A camada de </a:t>
+            </a:r>
+            <a:r>
+              <a:rPr lang="pt-BR" sz="1800" b="0" i="0" u="none" strike="noStrike" baseline="0" dirty="0" err="1">
+                <a:solidFill>
+                  <a:srgbClr val="000000"/>
+                </a:solidFill>
+                <a:latin typeface="SFRM1200"/>
+              </a:rPr>
+              <a:t>pooling</a:t>
+            </a:r>
+            <a:r>
+              <a:rPr lang="pt-BR" sz="1800" b="0" i="0" u="none" strike="noStrike" baseline="0" dirty="0">
+                <a:solidFill>
+                  <a:srgbClr val="000000"/>
+                </a:solidFill>
+                <a:latin typeface="SFRM1200"/>
+              </a:rPr>
+              <a:t> reduz progressivamente o tamanho espacial da representação,</a:t>
             </a:r>
           </a:p>
           <a:p>
@@ -5196,7 +5299,7 @@
             <a:pPr rtl="0"/>
             <a:fld id="{09234CA2-9F5E-48FA-843C-0B2031554A67}" type="datetime1">
               <a:rPr lang="pt-BR" noProof="0" smtClean="0"/>
-              <a:t>06/12/2020</a:t>
+              <a:t>07/12/2020</a:t>
             </a:fld>
             <a:endParaRPr lang="pt-BR" noProof="0"/>
           </a:p>
@@ -5461,7 +5564,7 @@
             <a:pPr rtl="0"/>
             <a:fld id="{631BE170-2D6A-4F23-959F-F3FDD7EE17C8}" type="datetime1">
               <a:rPr lang="pt-BR" noProof="0" smtClean="0"/>
-              <a:t>06/12/2020</a:t>
+              <a:t>07/12/2020</a:t>
             </a:fld>
             <a:endParaRPr lang="pt-BR" noProof="0"/>
           </a:p>
@@ -5699,7 +5802,7 @@
             <a:pPr rtl="0"/>
             <a:fld id="{CCF2502B-DA48-44EE-974F-4401E37897C2}" type="datetime1">
               <a:rPr lang="pt-BR" noProof="0" smtClean="0"/>
-              <a:t>06/12/2020</a:t>
+              <a:t>07/12/2020</a:t>
             </a:fld>
             <a:endParaRPr lang="pt-BR" noProof="0"/>
           </a:p>
@@ -5942,7 +6045,7 @@
             <a:pPr rtl="0"/>
             <a:fld id="{A7B1F27E-7DAF-45D3-90B3-991C8DB57655}" type="datetime1">
               <a:rPr lang="pt-BR" noProof="0" smtClean="0"/>
-              <a:t>06/12/2020</a:t>
+              <a:t>07/12/2020</a:t>
             </a:fld>
             <a:endParaRPr lang="pt-BR" noProof="0"/>
           </a:p>
@@ -6253,7 +6356,7 @@
             <a:pPr rtl="0"/>
             <a:fld id="{9C84BDBB-7383-475F-BEA4-6DEA016CA495}" type="datetime1">
               <a:rPr lang="pt-BR" noProof="0" smtClean="0"/>
-              <a:t>06/12/2020</a:t>
+              <a:t>07/12/2020</a:t>
             </a:fld>
             <a:endParaRPr lang="pt-BR" noProof="0"/>
           </a:p>
@@ -6557,7 +6660,7 @@
             <a:pPr rtl="0"/>
             <a:fld id="{F0F057F5-8FF5-4D8D-8D1D-AB2EA718C0A8}" type="datetime1">
               <a:rPr lang="pt-BR" noProof="0" smtClean="0"/>
-              <a:t>06/12/2020</a:t>
+              <a:t>07/12/2020</a:t>
             </a:fld>
             <a:endParaRPr lang="pt-BR" noProof="0"/>
           </a:p>
@@ -6981,7 +7084,7 @@
             <a:pPr rtl="0"/>
             <a:fld id="{7A6DEE47-7D13-43F4-ABED-3A5080F68646}" type="datetime1">
               <a:rPr lang="pt-BR" noProof="0" smtClean="0"/>
-              <a:t>06/12/2020</a:t>
+              <a:t>07/12/2020</a:t>
             </a:fld>
             <a:endParaRPr lang="pt-BR" noProof="0"/>
           </a:p>
@@ -7080,7 +7183,7 @@
             <a:pPr rtl="0"/>
             <a:fld id="{BE973E3D-DBBF-4A29-999A-7303C12DCD81}" type="datetime1">
               <a:rPr lang="pt-BR" noProof="0" smtClean="0"/>
-              <a:t>06/12/2020</a:t>
+              <a:t>07/12/2020</a:t>
             </a:fld>
             <a:endParaRPr lang="pt-BR" noProof="0"/>
           </a:p>
@@ -7246,7 +7349,7 @@
             <a:pPr rtl="0"/>
             <a:fld id="{174E23CD-D9DA-4A76-9BB0-7BEF6E78EC36}" type="datetime1">
               <a:rPr lang="pt-BR" noProof="0" smtClean="0"/>
-              <a:t>06/12/2020</a:t>
+              <a:t>07/12/2020</a:t>
             </a:fld>
             <a:endParaRPr lang="pt-BR" noProof="0"/>
           </a:p>
@@ -7627,7 +7730,7 @@
             <a:pPr rtl="0"/>
             <a:fld id="{E782A511-DCA3-4DB1-B232-6DE9BF3E093E}" type="datetime1">
               <a:rPr lang="pt-BR" noProof="0" smtClean="0"/>
-              <a:t>06/12/2020</a:t>
+              <a:t>07/12/2020</a:t>
             </a:fld>
             <a:endParaRPr lang="pt-BR" noProof="0"/>
           </a:p>
@@ -7920,7 +8023,7 @@
             <a:pPr rtl="0"/>
             <a:fld id="{01A46BD8-7B90-4F0C-B77B-34482E71BE4B}" type="datetime1">
               <a:rPr lang="pt-BR" noProof="0" smtClean="0"/>
-              <a:t>06/12/2020</a:t>
+              <a:t>07/12/2020</a:t>
             </a:fld>
             <a:endParaRPr lang="pt-BR" noProof="0"/>
           </a:p>
@@ -8134,7 +8237,7 @@
             <a:pPr rtl="0"/>
             <a:fld id="{0D110607-227D-4A11-B3D0-0B2B6E648C32}" type="datetime1">
               <a:rPr lang="pt-BR" noProof="0" smtClean="0"/>
-              <a:t>06/12/2020</a:t>
+              <a:t>07/12/2020</a:t>
             </a:fld>
             <a:endParaRPr lang="pt-BR" noProof="0"/>
           </a:p>
@@ -9406,7 +9509,7 @@
                 </a:solidFill>
                 <a:latin typeface="inherit"/>
               </a:rPr>
-              <a:t> escolhido = 6 meses</a:t>
+              <a:t> escolhido = 6 meses </a:t>
             </a:r>
           </a:p>
           <a:p>
@@ -12701,14 +12804,14 @@
           <p:nvPr>
             <p:extLst>
               <p:ext uri="{D42A27DB-BD31-4B8C-83A1-F6EECF244321}">
-                <p14:modId xmlns:p14="http://schemas.microsoft.com/office/powerpoint/2010/main" val="1858447769"/>
+                <p14:modId xmlns:p14="http://schemas.microsoft.com/office/powerpoint/2010/main" val="1542817412"/>
               </p:ext>
             </p:extLst>
           </p:nvPr>
         </p:nvGraphicFramePr>
         <p:xfrm>
-          <a:off x="581193" y="2641409"/>
-          <a:ext cx="5092859" cy="1120140"/>
+          <a:off x="581191" y="3008439"/>
+          <a:ext cx="5092859" cy="998220"/>
         </p:xfrm>
         <a:graphic>
           <a:graphicData uri="http://schemas.openxmlformats.org/drawingml/2006/table">
@@ -12746,7 +12849,7 @@
                     <a:lstStyle/>
                     <a:p>
                       <a:pPr algn="ctr" fontAlgn="ctr"/>
-                      <a:endParaRPr lang="pt-BR" sz="2400" b="0" i="0" u="none" strike="noStrike" dirty="0">
+                      <a:endParaRPr lang="pt-BR" sz="1600" b="0" i="0" u="none" strike="noStrike" dirty="0">
                         <a:solidFill>
                           <a:srgbClr val="000000"/>
                         </a:solidFill>
@@ -12875,16 +12978,18 @@
                     <a:bodyPr/>
                     <a:lstStyle/>
                     <a:p>
-                      <a:pPr algn="r" fontAlgn="ctr"/>
+                      <a:pPr marL="0" algn="r" defTabSz="457200" rtl="0" eaLnBrk="1" fontAlgn="ctr" latinLnBrk="0" hangingPunct="1"/>
                       <a:r>
-                        <a:rPr lang="pt-BR" sz="1600" b="0" i="0" u="none" strike="noStrike" dirty="0">
+                        <a:rPr lang="pt-BR" sz="1600" u="none" strike="noStrike" kern="1200" dirty="0">
                           <a:solidFill>
-                            <a:srgbClr val="000000"/>
+                            <a:schemeClr val="dk1"/>
                           </a:solidFill>
                           <a:effectLst/>
-                          <a:latin typeface="Calibri" panose="020F0502020204030204" pitchFamily="34" charset="0"/>
+                          <a:latin typeface="+mn-lt"/>
+                          <a:ea typeface="+mn-ea"/>
+                          <a:cs typeface="+mn-cs"/>
                         </a:rPr>
-                        <a:t>Neurônios, filtros</a:t>
+                        <a:t>Filtros</a:t>
                       </a:r>
                     </a:p>
                   </a:txBody>
@@ -12950,20 +13055,19 @@
                     <a:bodyPr/>
                     <a:lstStyle/>
                     <a:p>
-                      <a:pPr algn="ctr" fontAlgn="ctr"/>
+                      <a:pPr marL="0" algn="ctr" defTabSz="457200" rtl="0" eaLnBrk="1" fontAlgn="ctr" latinLnBrk="0" hangingPunct="1"/>
                       <a:r>
-                        <a:rPr lang="pt-BR" sz="2400" u="none" strike="noStrike" dirty="0">
+                        <a:rPr lang="pt-BR" sz="2400" u="none" strike="noStrike" kern="1200" dirty="0">
+                          <a:solidFill>
+                            <a:schemeClr val="dk1"/>
+                          </a:solidFill>
                           <a:effectLst/>
+                          <a:latin typeface="+mn-lt"/>
+                          <a:ea typeface="+mn-ea"/>
+                          <a:cs typeface="+mn-cs"/>
                         </a:rPr>
-                        <a:t>dense1_Input</a:t>
+                        <a:t>conv1D</a:t>
                       </a:r>
-                      <a:endParaRPr lang="pt-BR" sz="2400" b="0" i="0" u="none" strike="noStrike" dirty="0">
-                        <a:solidFill>
-                          <a:srgbClr val="000000"/>
-                        </a:solidFill>
-                        <a:effectLst/>
-                        <a:latin typeface="Calibri" panose="020F0502020204030204" pitchFamily="34" charset="0"/>
-                      </a:endParaRPr>
                     </a:p>
                   </a:txBody>
                   <a:tcPr marL="7620" marR="7620" marT="7620" marB="0" anchor="ctr">
@@ -13028,13 +13132,6 @@
                         </a:rPr>
                         <a:t>input</a:t>
                       </a:r>
-                      <a:endParaRPr lang="pt-BR" sz="2400" b="0" i="0" u="none" strike="noStrike" dirty="0">
-                        <a:solidFill>
-                          <a:srgbClr val="000000"/>
-                        </a:solidFill>
-                        <a:effectLst/>
-                        <a:latin typeface="Calibri" panose="020F0502020204030204" pitchFamily="34" charset="0"/>
-                      </a:endParaRPr>
                     </a:p>
                   </a:txBody>
                   <a:tcPr marL="7620" marR="7620" marT="7620" marB="0" anchor="ctr">
@@ -13097,7 +13194,7 @@
                         <a:rPr lang="pt-BR" sz="2400" u="none" strike="noStrike" dirty="0">
                           <a:effectLst/>
                         </a:rPr>
-                        <a:t>36</a:t>
+                        <a:t>24</a:t>
                       </a:r>
                       <a:endParaRPr lang="pt-BR" sz="2400" b="0" i="0" u="none" strike="noStrike" dirty="0">
                         <a:solidFill>
@@ -13164,36 +13261,100 @@
                   </a:ext>
                 </a:extLst>
               </a:tr>
-              <a:tr h="182880">
+              <a:tr h="190500">
                 <a:tc vMerge="1">
                   <a:txBody>
                     <a:bodyPr/>
                     <a:lstStyle/>
                     <a:p>
-                      <a:endParaRPr lang="pt-BR"/>
+                      <a:pPr algn="ctr" fontAlgn="ctr"/>
+                      <a:endParaRPr lang="pt-BR" sz="2400" b="0" i="0" u="none" strike="noStrike" dirty="0">
+                        <a:solidFill>
+                          <a:srgbClr val="000000"/>
+                        </a:solidFill>
+                        <a:effectLst/>
+                        <a:latin typeface="Calibri" panose="020F0502020204030204" pitchFamily="34" charset="0"/>
+                      </a:endParaRPr>
                     </a:p>
                   </a:txBody>
-                  <a:tcPr/>
+                  <a:tcPr marL="7620" marR="7620" marT="7620" marB="0" anchor="ctr">
+                    <a:lnL w="12700" cap="flat" cmpd="sng" algn="ctr">
+                      <a:solidFill>
+                        <a:schemeClr val="tx1"/>
+                      </a:solidFill>
+                      <a:prstDash val="solid"/>
+                      <a:round/>
+                      <a:headEnd type="none" w="med" len="med"/>
+                      <a:tailEnd type="none" w="med" len="med"/>
+                    </a:lnL>
+                    <a:lnR w="12700" cap="flat" cmpd="sng" algn="ctr">
+                      <a:solidFill>
+                        <a:schemeClr val="tx1"/>
+                      </a:solidFill>
+                      <a:prstDash val="solid"/>
+                      <a:round/>
+                      <a:headEnd type="none" w="med" len="med"/>
+                      <a:tailEnd type="none" w="med" len="med"/>
+                    </a:lnR>
+                    <a:lnT w="12700" cap="flat" cmpd="sng" algn="ctr">
+                      <a:solidFill>
+                        <a:schemeClr val="tx1"/>
+                      </a:solidFill>
+                      <a:prstDash val="solid"/>
+                      <a:round/>
+                      <a:headEnd type="none" w="med" len="med"/>
+                      <a:tailEnd type="none" w="med" len="med"/>
+                    </a:lnT>
+                    <a:lnB w="12700" cap="flat" cmpd="sng" algn="ctr">
+                      <a:solidFill>
+                        <a:schemeClr val="tx1"/>
+                      </a:solidFill>
+                      <a:prstDash val="solid"/>
+                      <a:round/>
+                      <a:headEnd type="none" w="med" len="med"/>
+                      <a:tailEnd type="none" w="med" len="med"/>
+                    </a:lnB>
+                    <a:lnTlToBr w="12700" cmpd="sng">
+                      <a:noFill/>
+                      <a:prstDash val="solid"/>
+                    </a:lnTlToBr>
+                    <a:lnBlToTr w="12700" cmpd="sng">
+                      <a:noFill/>
+                      <a:prstDash val="solid"/>
+                    </a:lnBlToTr>
+                    <a:solidFill>
+                      <a:schemeClr val="bg1"/>
+                    </a:solidFill>
+                  </a:tcPr>
                 </a:tc>
                 <a:tc>
                   <a:txBody>
                     <a:bodyPr/>
                     <a:lstStyle/>
                     <a:p>
-                      <a:pPr algn="l" fontAlgn="ctr"/>
+                      <a:pPr marL="0" marR="0" lvl="0" indent="0" algn="l" defTabSz="457200" rtl="0" eaLnBrk="1" fontAlgn="ctr" latinLnBrk="0" hangingPunct="1">
+                        <a:lnSpc>
+                          <a:spcPct val="100000"/>
+                        </a:lnSpc>
+                        <a:spcBef>
+                          <a:spcPts val="0"/>
+                        </a:spcBef>
+                        <a:spcAft>
+                          <a:spcPts val="0"/>
+                        </a:spcAft>
+                        <a:buClrTx/>
+                        <a:buSzTx/>
+                        <a:buFontTx/>
+                        <a:buNone/>
+                        <a:tabLst/>
+                        <a:defRPr/>
+                      </a:pPr>
                       <a:r>
-                        <a:rPr lang="pt-BR" sz="2400" u="none" strike="noStrike">
+                        <a:rPr lang="pt-BR" sz="2400" u="none" strike="noStrike" dirty="0">
                           <a:effectLst/>
                         </a:rPr>
                         <a:t>output</a:t>
                       </a:r>
-                      <a:endParaRPr lang="pt-BR" sz="2400" b="0" i="0" u="none" strike="noStrike">
-                        <a:solidFill>
-                          <a:srgbClr val="000000"/>
-                        </a:solidFill>
-                        <a:effectLst/>
-                        <a:latin typeface="Calibri" panose="020F0502020204030204" pitchFamily="34" charset="0"/>
-                      </a:endParaRPr>
                     </a:p>
                   </a:txBody>
                   <a:tcPr marL="7620" marR="7620" marT="7620" marB="0" anchor="ctr">
@@ -13253,18 +13414,15 @@
                     <a:p>
                       <a:pPr algn="r" fontAlgn="ctr"/>
                       <a:r>
-                        <a:rPr lang="pt-BR" sz="2400" u="none" strike="noStrike" dirty="0">
+                        <a:rPr lang="pt-BR" sz="2400" b="0" i="0" u="none" strike="noStrike" dirty="0">
+                          <a:solidFill>
+                            <a:srgbClr val="000000"/>
+                          </a:solidFill>
                           <a:effectLst/>
+                          <a:latin typeface="Calibri" panose="020F0502020204030204" pitchFamily="34" charset="0"/>
                         </a:rPr>
-                        <a:t>36</a:t>
+                        <a:t>24</a:t>
                       </a:r>
-                      <a:endParaRPr lang="pt-BR" sz="2400" b="0" i="0" u="none" strike="noStrike" dirty="0">
-                        <a:solidFill>
-                          <a:srgbClr val="000000"/>
-                        </a:solidFill>
-                        <a:effectLst/>
-                        <a:latin typeface="Calibri" panose="020F0502020204030204" pitchFamily="34" charset="0"/>
-                      </a:endParaRPr>
                     </a:p>
                   </a:txBody>
                   <a:tcPr marL="7620" marR="7620" marT="7620" marB="0" anchor="ctr">
@@ -13342,14 +13500,14 @@
           <p:nvPr>
             <p:extLst>
               <p:ext uri="{D42A27DB-BD31-4B8C-83A1-F6EECF244321}">
-                <p14:modId xmlns:p14="http://schemas.microsoft.com/office/powerpoint/2010/main" val="876796408"/>
+                <p14:modId xmlns:p14="http://schemas.microsoft.com/office/powerpoint/2010/main" val="289708585"/>
               </p:ext>
             </p:extLst>
           </p:nvPr>
         </p:nvGraphicFramePr>
         <p:xfrm>
-          <a:off x="601884" y="4977642"/>
-          <a:ext cx="5092859" cy="746760"/>
+          <a:off x="581192" y="4311922"/>
+          <a:ext cx="5092859" cy="1120140"/>
         </p:xfrm>
         <a:graphic>
           <a:graphicData uri="http://schemas.openxmlformats.org/drawingml/2006/table">
@@ -13381,6 +13539,178 @@
                 </a:gridCol>
               </a:tblGrid>
               <a:tr h="182880">
+                <a:tc gridSpan="2">
+                  <a:txBody>
+                    <a:bodyPr/>
+                    <a:lstStyle/>
+                    <a:p>
+                      <a:pPr algn="ctr" fontAlgn="ctr"/>
+                      <a:endParaRPr lang="pt-BR" sz="2400" u="none" strike="noStrike" dirty="0">
+                        <a:effectLst/>
+                      </a:endParaRPr>
+                    </a:p>
+                  </a:txBody>
+                  <a:tcPr marL="7620" marR="7620" marT="7620" marB="0" anchor="ctr">
+                    <a:lnL w="12700" cap="flat" cmpd="sng" algn="ctr">
+                      <a:solidFill>
+                        <a:schemeClr val="tx1"/>
+                      </a:solidFill>
+                      <a:prstDash val="solid"/>
+                      <a:round/>
+                      <a:headEnd type="none" w="med" len="med"/>
+                      <a:tailEnd type="none" w="med" len="med"/>
+                    </a:lnL>
+                    <a:lnR w="12700" cap="flat" cmpd="sng" algn="ctr">
+                      <a:solidFill>
+                        <a:schemeClr val="tx1"/>
+                      </a:solidFill>
+                      <a:prstDash val="solid"/>
+                      <a:round/>
+                      <a:headEnd type="none" w="med" len="med"/>
+                      <a:tailEnd type="none" w="med" len="med"/>
+                    </a:lnR>
+                    <a:lnT w="12700" cap="flat" cmpd="sng" algn="ctr">
+                      <a:solidFill>
+                        <a:schemeClr val="tx1"/>
+                      </a:solidFill>
+                      <a:prstDash val="solid"/>
+                      <a:round/>
+                      <a:headEnd type="none" w="med" len="med"/>
+                      <a:tailEnd type="none" w="med" len="med"/>
+                    </a:lnT>
+                    <a:lnB w="12700" cap="flat" cmpd="sng" algn="ctr">
+                      <a:solidFill>
+                        <a:schemeClr val="tx1"/>
+                      </a:solidFill>
+                      <a:prstDash val="solid"/>
+                      <a:round/>
+                      <a:headEnd type="none" w="med" len="med"/>
+                      <a:tailEnd type="none" w="med" len="med"/>
+                    </a:lnB>
+                    <a:solidFill>
+                      <a:schemeClr val="bg1"/>
+                    </a:solidFill>
+                  </a:tcPr>
+                </a:tc>
+                <a:tc hMerge="1">
+                  <a:txBody>
+                    <a:bodyPr/>
+                    <a:lstStyle/>
+                    <a:p>
+                      <a:pPr algn="l" fontAlgn="ctr"/>
+                      <a:endParaRPr lang="pt-BR" sz="2400" u="none" strike="noStrike" dirty="0">
+                        <a:effectLst/>
+                      </a:endParaRPr>
+                    </a:p>
+                  </a:txBody>
+                  <a:tcPr marL="7620" marR="7620" marT="7620" marB="0" anchor="ctr">
+                    <a:lnL w="12700" cap="flat" cmpd="sng" algn="ctr">
+                      <a:solidFill>
+                        <a:schemeClr val="tx1"/>
+                      </a:solidFill>
+                      <a:prstDash val="solid"/>
+                      <a:round/>
+                      <a:headEnd type="none" w="med" len="med"/>
+                      <a:tailEnd type="none" w="med" len="med"/>
+                    </a:lnL>
+                    <a:lnR w="12700" cap="flat" cmpd="sng" algn="ctr">
+                      <a:solidFill>
+                        <a:schemeClr val="tx1"/>
+                      </a:solidFill>
+                      <a:prstDash val="solid"/>
+                      <a:round/>
+                      <a:headEnd type="none" w="med" len="med"/>
+                      <a:tailEnd type="none" w="med" len="med"/>
+                    </a:lnR>
+                    <a:lnT w="12700" cap="flat" cmpd="sng" algn="ctr">
+                      <a:solidFill>
+                        <a:schemeClr val="tx1"/>
+                      </a:solidFill>
+                      <a:prstDash val="solid"/>
+                      <a:round/>
+                      <a:headEnd type="none" w="med" len="med"/>
+                      <a:tailEnd type="none" w="med" len="med"/>
+                    </a:lnT>
+                    <a:lnB w="12700" cap="flat" cmpd="sng" algn="ctr">
+                      <a:solidFill>
+                        <a:schemeClr val="tx1"/>
+                      </a:solidFill>
+                      <a:prstDash val="solid"/>
+                      <a:round/>
+                      <a:headEnd type="none" w="med" len="med"/>
+                      <a:tailEnd type="none" w="med" len="med"/>
+                    </a:lnB>
+                    <a:solidFill>
+                      <a:schemeClr val="bg1"/>
+                    </a:solidFill>
+                  </a:tcPr>
+                </a:tc>
+                <a:tc>
+                  <a:txBody>
+                    <a:bodyPr/>
+                    <a:lstStyle/>
+                    <a:p>
+                      <a:pPr algn="r" fontAlgn="ctr"/>
+                      <a:r>
+                        <a:rPr lang="pt-BR" sz="1800" u="none" strike="noStrike" dirty="0">
+                          <a:effectLst/>
+                        </a:rPr>
+                        <a:t>Neurônios</a:t>
+                      </a:r>
+                      <a:endParaRPr lang="pt-BR" sz="2400" u="none" strike="noStrike" dirty="0">
+                        <a:effectLst/>
+                      </a:endParaRPr>
+                    </a:p>
+                  </a:txBody>
+                  <a:tcPr marL="7620" marR="7620" marT="7620" marB="0" anchor="ctr">
+                    <a:lnL w="12700" cap="flat" cmpd="sng" algn="ctr">
+                      <a:solidFill>
+                        <a:schemeClr val="tx1"/>
+                      </a:solidFill>
+                      <a:prstDash val="solid"/>
+                      <a:round/>
+                      <a:headEnd type="none" w="med" len="med"/>
+                      <a:tailEnd type="none" w="med" len="med"/>
+                    </a:lnL>
+                    <a:lnR w="12700" cap="flat" cmpd="sng" algn="ctr">
+                      <a:solidFill>
+                        <a:schemeClr val="tx1"/>
+                      </a:solidFill>
+                      <a:prstDash val="solid"/>
+                      <a:round/>
+                      <a:headEnd type="none" w="med" len="med"/>
+                      <a:tailEnd type="none" w="med" len="med"/>
+                    </a:lnR>
+                    <a:lnT w="12700" cap="flat" cmpd="sng" algn="ctr">
+                      <a:solidFill>
+                        <a:schemeClr val="tx1"/>
+                      </a:solidFill>
+                      <a:prstDash val="solid"/>
+                      <a:round/>
+                      <a:headEnd type="none" w="med" len="med"/>
+                      <a:tailEnd type="none" w="med" len="med"/>
+                    </a:lnT>
+                    <a:lnB w="12700" cap="flat" cmpd="sng" algn="ctr">
+                      <a:solidFill>
+                        <a:schemeClr val="tx1"/>
+                      </a:solidFill>
+                      <a:prstDash val="solid"/>
+                      <a:round/>
+                      <a:headEnd type="none" w="med" len="med"/>
+                      <a:tailEnd type="none" w="med" len="med"/>
+                    </a:lnB>
+                    <a:solidFill>
+                      <a:schemeClr val="bg1"/>
+                    </a:solidFill>
+                  </a:tcPr>
+                </a:tc>
+                <a:extLst>
+                  <a:ext uri="{0D108BD9-81ED-4DB2-BD59-A6C34878D82A}">
+                    <a16:rowId xmlns:a16="http://schemas.microsoft.com/office/drawing/2014/main" val="2670087606"/>
+                  </a:ext>
+                </a:extLst>
+              </a:tr>
+              <a:tr h="182880">
                 <a:tc rowSpan="2">
                   <a:txBody>
                     <a:bodyPr/>
@@ -13393,13 +13723,6 @@
                         </a:rPr>
                         <a:t>dense_1</a:t>
                       </a:r>
-                      <a:endParaRPr lang="pt-BR" sz="2400" b="0" i="0" u="none" strike="noStrike" dirty="0">
-                        <a:solidFill>
-                          <a:srgbClr val="000000"/>
-                        </a:solidFill>
-                        <a:effectLst/>
-                        <a:latin typeface="Calibri" panose="020F0502020204030204" pitchFamily="34" charset="0"/>
-                      </a:endParaRPr>
                     </a:p>
                   </a:txBody>
                   <a:tcPr marL="7620" marR="7620" marT="7620" marB="0" anchor="ctr">
@@ -13456,13 +13779,6 @@
                         </a:rPr>
                         <a:t>input</a:t>
                       </a:r>
-                      <a:endParaRPr lang="pt-BR" sz="2400" b="0" i="0" u="none" strike="noStrike" dirty="0">
-                        <a:solidFill>
-                          <a:srgbClr val="000000"/>
-                        </a:solidFill>
-                        <a:effectLst/>
-                        <a:latin typeface="Calibri" panose="020F0502020204030204" pitchFamily="34" charset="0"/>
-                      </a:endParaRPr>
                     </a:p>
                   </a:txBody>
                   <a:tcPr marL="7620" marR="7620" marT="7620" marB="0" anchor="ctr">
@@ -13517,15 +13833,8 @@
                         <a:rPr lang="pt-BR" sz="2400" u="none" strike="noStrike" dirty="0">
                           <a:effectLst/>
                         </a:rPr>
-                        <a:t>36, 24</a:t>
+                        <a:t>36</a:t>
                       </a:r>
-                      <a:endParaRPr lang="pt-BR" sz="2400" b="0" i="0" u="none" strike="noStrike" dirty="0">
-                        <a:solidFill>
-                          <a:srgbClr val="000000"/>
-                        </a:solidFill>
-                        <a:effectLst/>
-                        <a:latin typeface="Calibri" panose="020F0502020204030204" pitchFamily="34" charset="0"/>
-                      </a:endParaRPr>
                     </a:p>
                   </a:txBody>
                   <a:tcPr marL="7620" marR="7620" marT="7620" marB="0" anchor="ctr">
@@ -13594,12 +13903,12 @@
                     <a:p>
                       <a:pPr algn="l" fontAlgn="ctr"/>
                       <a:r>
-                        <a:rPr lang="pt-BR" sz="2400" u="none" strike="noStrike">
+                        <a:rPr lang="pt-BR" sz="2400" u="none" strike="noStrike" dirty="0">
                           <a:effectLst/>
                         </a:rPr>
                         <a:t>output</a:t>
                       </a:r>
-                      <a:endParaRPr lang="pt-BR" sz="2400" b="0" i="0" u="none" strike="noStrike">
+                      <a:endParaRPr lang="pt-BR" sz="2400" b="0" i="0" u="none" strike="noStrike" dirty="0">
                         <a:solidFill>
                           <a:srgbClr val="000000"/>
                         </a:solidFill>
@@ -13738,13 +14047,13 @@
           <p:nvPr>
             <p:extLst>
               <p:ext uri="{D42A27DB-BD31-4B8C-83A1-F6EECF244321}">
-                <p14:modId xmlns:p14="http://schemas.microsoft.com/office/powerpoint/2010/main" val="1382990408"/>
+                <p14:modId xmlns:p14="http://schemas.microsoft.com/office/powerpoint/2010/main" val="2434854782"/>
               </p:ext>
             </p:extLst>
           </p:nvPr>
         </p:nvGraphicFramePr>
         <p:xfrm>
-          <a:off x="601885" y="5978066"/>
+          <a:off x="581191" y="5754962"/>
           <a:ext cx="5092859" cy="746760"/>
         </p:xfrm>
         <a:graphic>
@@ -13784,12 +14093,12 @@
                     <a:p>
                       <a:pPr algn="ctr" fontAlgn="ctr"/>
                       <a:r>
-                        <a:rPr lang="pt-BR" sz="2400" u="none" strike="noStrike">
+                        <a:rPr lang="pt-BR" sz="2400" u="none" strike="noStrike" dirty="0">
                           <a:effectLst/>
                         </a:rPr>
                         <a:t>dense_2</a:t>
                       </a:r>
-                      <a:endParaRPr lang="pt-BR" sz="2400" b="0" i="0" u="none" strike="noStrike">
+                      <a:endParaRPr lang="pt-BR" sz="2400" b="0" i="0" u="none" strike="noStrike" dirty="0">
                         <a:solidFill>
                           <a:srgbClr val="000000"/>
                         </a:solidFill>
@@ -13852,12 +14161,8 @@
                         </a:rPr>
                         <a:t>input</a:t>
                       </a:r>
-                      <a:endParaRPr lang="pt-BR" sz="2400" b="0" i="0" u="none" strike="noStrike">
-                        <a:solidFill>
-                          <a:srgbClr val="000000"/>
-                        </a:solidFill>
+                      <a:endParaRPr lang="pt-BR" sz="2400" u="none" strike="noStrike" dirty="0">
                         <a:effectLst/>
-                        <a:latin typeface="Calibri" panose="020F0502020204030204" pitchFamily="34" charset="0"/>
                       </a:endParaRPr>
                     </a:p>
                   </a:txBody>
@@ -13915,13 +14220,6 @@
                         </a:rPr>
                         <a:t>36</a:t>
                       </a:r>
-                      <a:endParaRPr lang="pt-BR" sz="2400" b="0" i="0" u="none" strike="noStrike" dirty="0">
-                        <a:solidFill>
-                          <a:srgbClr val="000000"/>
-                        </a:solidFill>
-                        <a:effectLst/>
-                        <a:latin typeface="Calibri" panose="020F0502020204030204" pitchFamily="34" charset="0"/>
-                      </a:endParaRPr>
                     </a:p>
                   </a:txBody>
                   <a:tcPr marL="7620" marR="7620" marT="7620" marB="0" anchor="ctr">
@@ -13990,12 +14288,12 @@
                     <a:p>
                       <a:pPr algn="l" fontAlgn="ctr"/>
                       <a:r>
-                        <a:rPr lang="pt-BR" sz="2400" u="none" strike="noStrike">
+                        <a:rPr lang="pt-BR" sz="2400" u="none" strike="noStrike" dirty="0">
                           <a:effectLst/>
                         </a:rPr>
                         <a:t>output</a:t>
                       </a:r>
-                      <a:endParaRPr lang="pt-BR" sz="2400" b="0" i="0" u="none" strike="noStrike">
+                      <a:endParaRPr lang="pt-BR" sz="2400" b="0" i="0" u="none" strike="noStrike" dirty="0">
                         <a:solidFill>
                           <a:srgbClr val="000000"/>
                         </a:solidFill>
@@ -14059,6 +14357,2386 @@
                         <a:t>1</a:t>
                       </a:r>
                       <a:endParaRPr lang="pt-BR" sz="2400" b="0" i="0" u="none" strike="noStrike" dirty="0">
+                        <a:solidFill>
+                          <a:srgbClr val="000000"/>
+                        </a:solidFill>
+                        <a:effectLst/>
+                        <a:latin typeface="Calibri" panose="020F0502020204030204" pitchFamily="34" charset="0"/>
+                      </a:endParaRPr>
+                    </a:p>
+                  </a:txBody>
+                  <a:tcPr marL="7620" marR="7620" marT="7620" marB="0" anchor="ctr">
+                    <a:lnL w="12700" cap="flat" cmpd="sng" algn="ctr">
+                      <a:solidFill>
+                        <a:schemeClr val="tx1"/>
+                      </a:solidFill>
+                      <a:prstDash val="solid"/>
+                      <a:round/>
+                      <a:headEnd type="none" w="med" len="med"/>
+                      <a:tailEnd type="none" w="med" len="med"/>
+                    </a:lnL>
+                    <a:lnR w="12700" cap="flat" cmpd="sng" algn="ctr">
+                      <a:solidFill>
+                        <a:schemeClr val="tx1"/>
+                      </a:solidFill>
+                      <a:prstDash val="solid"/>
+                      <a:round/>
+                      <a:headEnd type="none" w="med" len="med"/>
+                      <a:tailEnd type="none" w="med" len="med"/>
+                    </a:lnR>
+                    <a:lnT w="12700" cap="flat" cmpd="sng" algn="ctr">
+                      <a:solidFill>
+                        <a:schemeClr val="tx1"/>
+                      </a:solidFill>
+                      <a:prstDash val="solid"/>
+                      <a:round/>
+                      <a:headEnd type="none" w="med" len="med"/>
+                      <a:tailEnd type="none" w="med" len="med"/>
+                    </a:lnT>
+                    <a:lnB w="12700" cap="flat" cmpd="sng" algn="ctr">
+                      <a:solidFill>
+                        <a:schemeClr val="tx1"/>
+                      </a:solidFill>
+                      <a:prstDash val="solid"/>
+                      <a:round/>
+                      <a:headEnd type="none" w="med" len="med"/>
+                      <a:tailEnd type="none" w="med" len="med"/>
+                    </a:lnB>
+                    <a:solidFill>
+                      <a:schemeClr val="bg1"/>
+                    </a:solidFill>
+                  </a:tcPr>
+                </a:tc>
+                <a:extLst>
+                  <a:ext uri="{0D108BD9-81ED-4DB2-BD59-A6C34878D82A}">
+                    <a16:rowId xmlns:a16="http://schemas.microsoft.com/office/drawing/2014/main" val="1347425560"/>
+                  </a:ext>
+                </a:extLst>
+              </a:tr>
+            </a:tbl>
+          </a:graphicData>
+        </a:graphic>
+      </p:graphicFrame>
+      <p:sp>
+        <p:nvSpPr>
+          <p:cNvPr id="20" name="Espaço Reservado para Conteúdo 3">
+            <a:extLst>
+              <a:ext uri="{FF2B5EF4-FFF2-40B4-BE49-F238E27FC236}">
+                <a16:creationId xmlns:a16="http://schemas.microsoft.com/office/drawing/2014/main" id="{40EB15B5-83D7-473E-8C4C-099C28ED2694}"/>
+              </a:ext>
+            </a:extLst>
+          </p:cNvPr>
+          <p:cNvSpPr txBox="1">
+            <a:spLocks/>
+          </p:cNvSpPr>
+          <p:nvPr/>
+        </p:nvSpPr>
+        <p:spPr>
+          <a:xfrm>
+            <a:off x="6857781" y="2719395"/>
+            <a:ext cx="5422392" cy="3633047"/>
+          </a:xfrm>
+          <a:prstGeom prst="rect">
+            <a:avLst/>
+          </a:prstGeom>
+        </p:spPr>
+        <p:txBody>
+          <a:bodyPr vert="horz" lIns="91440" tIns="45720" rIns="91440" bIns="45720" rtlCol="0" anchor="ctr">
+            <a:normAutofit/>
+          </a:bodyPr>
+          <a:lstStyle>
+            <a:lvl1pPr marL="306000" indent="-306000" algn="l" defTabSz="457200" rtl="0" eaLnBrk="1" latinLnBrk="0" hangingPunct="1">
+              <a:spcBef>
+                <a:spcPct val="20000"/>
+              </a:spcBef>
+              <a:spcAft>
+                <a:spcPts val="600"/>
+              </a:spcAft>
+              <a:buClr>
+                <a:schemeClr val="accent2"/>
+              </a:buClr>
+              <a:buSzPct val="92000"/>
+              <a:buFont typeface="Wingdings 2" panose="05020102010507070707" pitchFamily="18" charset="2"/>
+              <a:buChar char=""/>
+              <a:defRPr sz="1800" kern="1200">
+                <a:solidFill>
+                  <a:schemeClr val="tx2"/>
+                </a:solidFill>
+                <a:latin typeface="+mn-lt"/>
+                <a:ea typeface="+mn-ea"/>
+                <a:cs typeface="+mn-cs"/>
+              </a:defRPr>
+            </a:lvl1pPr>
+            <a:lvl2pPr marL="630000" indent="-306000" algn="l" defTabSz="457200" rtl="0" eaLnBrk="1" latinLnBrk="0" hangingPunct="1">
+              <a:spcBef>
+                <a:spcPct val="20000"/>
+              </a:spcBef>
+              <a:spcAft>
+                <a:spcPts val="600"/>
+              </a:spcAft>
+              <a:buClr>
+                <a:schemeClr val="accent2"/>
+              </a:buClr>
+              <a:buSzPct val="92000"/>
+              <a:buFont typeface="Wingdings 2" panose="05020102010507070707" pitchFamily="18" charset="2"/>
+              <a:buChar char=""/>
+              <a:defRPr sz="1600" kern="1200">
+                <a:solidFill>
+                  <a:schemeClr val="tx2"/>
+                </a:solidFill>
+                <a:latin typeface="+mn-lt"/>
+                <a:ea typeface="+mn-ea"/>
+                <a:cs typeface="+mn-cs"/>
+              </a:defRPr>
+            </a:lvl2pPr>
+            <a:lvl3pPr marL="900000" indent="-270000" algn="l" defTabSz="457200" rtl="0" eaLnBrk="1" latinLnBrk="0" hangingPunct="1">
+              <a:spcBef>
+                <a:spcPct val="20000"/>
+              </a:spcBef>
+              <a:spcAft>
+                <a:spcPts val="600"/>
+              </a:spcAft>
+              <a:buClr>
+                <a:schemeClr val="accent2"/>
+              </a:buClr>
+              <a:buSzPct val="92000"/>
+              <a:buFont typeface="Wingdings 2" panose="05020102010507070707" pitchFamily="18" charset="2"/>
+              <a:buChar char=""/>
+              <a:defRPr sz="1400" kern="1200">
+                <a:solidFill>
+                  <a:schemeClr val="tx2"/>
+                </a:solidFill>
+                <a:latin typeface="+mn-lt"/>
+                <a:ea typeface="+mn-ea"/>
+                <a:cs typeface="+mn-cs"/>
+              </a:defRPr>
+            </a:lvl3pPr>
+            <a:lvl4pPr marL="1242000" indent="-234000" algn="l" defTabSz="457200" rtl="0" eaLnBrk="1" latinLnBrk="0" hangingPunct="1">
+              <a:spcBef>
+                <a:spcPct val="20000"/>
+              </a:spcBef>
+              <a:spcAft>
+                <a:spcPts val="600"/>
+              </a:spcAft>
+              <a:buClr>
+                <a:schemeClr val="accent2"/>
+              </a:buClr>
+              <a:buSzPct val="92000"/>
+              <a:buFont typeface="Wingdings 2" panose="05020102010507070707" pitchFamily="18" charset="2"/>
+              <a:buChar char=""/>
+              <a:defRPr sz="1200" kern="1200">
+                <a:solidFill>
+                  <a:schemeClr val="tx2"/>
+                </a:solidFill>
+                <a:latin typeface="+mn-lt"/>
+                <a:ea typeface="+mn-ea"/>
+                <a:cs typeface="+mn-cs"/>
+              </a:defRPr>
+            </a:lvl4pPr>
+            <a:lvl5pPr marL="1602000" indent="-234000" algn="l" defTabSz="457200" rtl="0" eaLnBrk="1" latinLnBrk="0" hangingPunct="1">
+              <a:spcBef>
+                <a:spcPct val="20000"/>
+              </a:spcBef>
+              <a:spcAft>
+                <a:spcPts val="600"/>
+              </a:spcAft>
+              <a:buClr>
+                <a:schemeClr val="accent2"/>
+              </a:buClr>
+              <a:buSzPct val="92000"/>
+              <a:buFont typeface="Wingdings 2" panose="05020102010507070707" pitchFamily="18" charset="2"/>
+              <a:buChar char=""/>
+              <a:defRPr sz="1200" kern="1200">
+                <a:solidFill>
+                  <a:schemeClr val="tx2"/>
+                </a:solidFill>
+                <a:latin typeface="+mn-lt"/>
+                <a:ea typeface="+mn-ea"/>
+                <a:cs typeface="+mn-cs"/>
+              </a:defRPr>
+            </a:lvl5pPr>
+            <a:lvl6pPr marL="1900000" indent="-228600" algn="l" defTabSz="457200" rtl="0" eaLnBrk="1" latinLnBrk="0" hangingPunct="1">
+              <a:spcBef>
+                <a:spcPct val="20000"/>
+              </a:spcBef>
+              <a:spcAft>
+                <a:spcPts val="600"/>
+              </a:spcAft>
+              <a:buClr>
+                <a:schemeClr val="accent2"/>
+              </a:buClr>
+              <a:buSzPct val="92000"/>
+              <a:buFont typeface="Wingdings 2" panose="05020102010507070707" pitchFamily="18" charset="2"/>
+              <a:buChar char=""/>
+              <a:defRPr sz="1200" kern="1200">
+                <a:solidFill>
+                  <a:schemeClr val="tx2"/>
+                </a:solidFill>
+                <a:latin typeface="+mn-lt"/>
+                <a:ea typeface="+mn-ea"/>
+                <a:cs typeface="+mn-cs"/>
+              </a:defRPr>
+            </a:lvl6pPr>
+            <a:lvl7pPr marL="2200000" indent="-228600" algn="l" defTabSz="457200" rtl="0" eaLnBrk="1" latinLnBrk="0" hangingPunct="1">
+              <a:spcBef>
+                <a:spcPct val="20000"/>
+              </a:spcBef>
+              <a:spcAft>
+                <a:spcPts val="600"/>
+              </a:spcAft>
+              <a:buClr>
+                <a:schemeClr val="accent2"/>
+              </a:buClr>
+              <a:buSzPct val="92000"/>
+              <a:buFont typeface="Wingdings 2" panose="05020102010507070707" pitchFamily="18" charset="2"/>
+              <a:buChar char=""/>
+              <a:defRPr sz="1200" kern="1200">
+                <a:solidFill>
+                  <a:schemeClr val="tx2"/>
+                </a:solidFill>
+                <a:latin typeface="+mn-lt"/>
+                <a:ea typeface="+mn-ea"/>
+                <a:cs typeface="+mn-cs"/>
+              </a:defRPr>
+            </a:lvl7pPr>
+            <a:lvl8pPr marL="2500000" indent="-228600" algn="l" defTabSz="457200" rtl="0" eaLnBrk="1" latinLnBrk="0" hangingPunct="1">
+              <a:spcBef>
+                <a:spcPct val="20000"/>
+              </a:spcBef>
+              <a:spcAft>
+                <a:spcPts val="600"/>
+              </a:spcAft>
+              <a:buClr>
+                <a:schemeClr val="accent2"/>
+              </a:buClr>
+              <a:buSzPct val="92000"/>
+              <a:buFont typeface="Wingdings 2" panose="05020102010507070707" pitchFamily="18" charset="2"/>
+              <a:buChar char=""/>
+              <a:defRPr sz="1200" kern="1200">
+                <a:solidFill>
+                  <a:schemeClr val="tx2"/>
+                </a:solidFill>
+                <a:latin typeface="+mn-lt"/>
+                <a:ea typeface="+mn-ea"/>
+                <a:cs typeface="+mn-cs"/>
+              </a:defRPr>
+            </a:lvl8pPr>
+            <a:lvl9pPr marL="2800000" indent="-228600" algn="l" defTabSz="457200" rtl="0" eaLnBrk="1" latinLnBrk="0" hangingPunct="1">
+              <a:spcBef>
+                <a:spcPct val="20000"/>
+              </a:spcBef>
+              <a:spcAft>
+                <a:spcPts val="600"/>
+              </a:spcAft>
+              <a:buClr>
+                <a:schemeClr val="accent2"/>
+              </a:buClr>
+              <a:buSzPct val="92000"/>
+              <a:buFont typeface="Wingdings 2" panose="05020102010507070707" pitchFamily="18" charset="2"/>
+              <a:buChar char=""/>
+              <a:defRPr sz="1200" kern="1200">
+                <a:solidFill>
+                  <a:schemeClr val="tx2"/>
+                </a:solidFill>
+                <a:latin typeface="+mn-lt"/>
+                <a:ea typeface="+mn-ea"/>
+                <a:cs typeface="+mn-cs"/>
+              </a:defRPr>
+            </a:lvl9pPr>
+          </a:lstStyle>
+          <a:p>
+            <a:r>
+              <a:rPr lang="pt-BR" b="1" dirty="0"/>
+              <a:t>Parâmetros otimizados</a:t>
+            </a:r>
+          </a:p>
+          <a:p>
+            <a:pPr lvl="1"/>
+            <a:r>
+              <a:rPr lang="en-US" sz="1800" dirty="0" err="1"/>
+              <a:t>dropout_rate</a:t>
+            </a:r>
+            <a:r>
+              <a:rPr lang="en-US" sz="1800" dirty="0"/>
+              <a:t> = [0.4]</a:t>
+            </a:r>
+            <a:endParaRPr lang="pt-BR" sz="1800" dirty="0"/>
+          </a:p>
+          <a:p>
+            <a:pPr lvl="1"/>
+            <a:r>
+              <a:rPr lang="pt-BR" sz="1800" dirty="0" err="1"/>
+              <a:t>optimizer</a:t>
+            </a:r>
+            <a:r>
+              <a:rPr lang="pt-BR" sz="1800" dirty="0"/>
+              <a:t> = [ SGD]</a:t>
+            </a:r>
+          </a:p>
+          <a:p>
+            <a:pPr lvl="1"/>
+            <a:r>
+              <a:rPr lang="pt-BR" sz="1800" dirty="0" err="1"/>
+              <a:t>activation</a:t>
+            </a:r>
+            <a:r>
+              <a:rPr lang="pt-BR" sz="1800" dirty="0"/>
+              <a:t> =  [‘linear']</a:t>
+            </a:r>
+          </a:p>
+          <a:p>
+            <a:pPr lvl="1"/>
+            <a:r>
+              <a:rPr lang="pt-BR" sz="1800" dirty="0"/>
+              <a:t>neurônios = [36]</a:t>
+            </a:r>
+          </a:p>
+          <a:p>
+            <a:pPr lvl="1"/>
+            <a:r>
+              <a:rPr lang="pt-BR" sz="1800" dirty="0" err="1"/>
+              <a:t>filters</a:t>
+            </a:r>
+            <a:r>
+              <a:rPr lang="pt-BR" sz="1800" dirty="0"/>
+              <a:t> = [24]</a:t>
+            </a:r>
+          </a:p>
+          <a:p>
+            <a:pPr marL="0" indent="0">
+              <a:buNone/>
+            </a:pPr>
+            <a:endParaRPr lang="pt-BR" dirty="0"/>
+          </a:p>
+          <a:p>
+            <a:endParaRPr lang="pt-BR" dirty="0"/>
+          </a:p>
+          <a:p>
+            <a:endParaRPr lang="pt-BR" dirty="0"/>
+          </a:p>
+        </p:txBody>
+      </p:sp>
+      <p:sp>
+        <p:nvSpPr>
+          <p:cNvPr id="22" name="Espaço Reservado para Conteúdo 3">
+            <a:extLst>
+              <a:ext uri="{FF2B5EF4-FFF2-40B4-BE49-F238E27FC236}">
+                <a16:creationId xmlns:a16="http://schemas.microsoft.com/office/drawing/2014/main" id="{2F9F4166-008C-494E-A5E9-2389DC3A6B1A}"/>
+              </a:ext>
+            </a:extLst>
+          </p:cNvPr>
+          <p:cNvSpPr txBox="1">
+            <a:spLocks/>
+          </p:cNvSpPr>
+          <p:nvPr/>
+        </p:nvSpPr>
+        <p:spPr>
+          <a:xfrm>
+            <a:off x="581193" y="2091036"/>
+            <a:ext cx="6276588" cy="663739"/>
+          </a:xfrm>
+          <a:prstGeom prst="rect">
+            <a:avLst/>
+          </a:prstGeom>
+        </p:spPr>
+        <p:txBody>
+          <a:bodyPr vert="horz" lIns="91440" tIns="45720" rIns="91440" bIns="45720" rtlCol="0" anchor="ctr">
+            <a:normAutofit fontScale="92500"/>
+          </a:bodyPr>
+          <a:lstStyle>
+            <a:lvl1pPr marL="306000" indent="-306000" algn="l" defTabSz="457200" rtl="0" eaLnBrk="1" latinLnBrk="0" hangingPunct="1">
+              <a:spcBef>
+                <a:spcPct val="20000"/>
+              </a:spcBef>
+              <a:spcAft>
+                <a:spcPts val="600"/>
+              </a:spcAft>
+              <a:buClr>
+                <a:schemeClr val="accent2"/>
+              </a:buClr>
+              <a:buSzPct val="92000"/>
+              <a:buFont typeface="Wingdings 2" panose="05020102010507070707" pitchFamily="18" charset="2"/>
+              <a:buChar char=""/>
+              <a:defRPr sz="1800" kern="1200">
+                <a:solidFill>
+                  <a:schemeClr val="tx2"/>
+                </a:solidFill>
+                <a:latin typeface="+mn-lt"/>
+                <a:ea typeface="+mn-ea"/>
+                <a:cs typeface="+mn-cs"/>
+              </a:defRPr>
+            </a:lvl1pPr>
+            <a:lvl2pPr marL="630000" indent="-306000" algn="l" defTabSz="457200" rtl="0" eaLnBrk="1" latinLnBrk="0" hangingPunct="1">
+              <a:spcBef>
+                <a:spcPct val="20000"/>
+              </a:spcBef>
+              <a:spcAft>
+                <a:spcPts val="600"/>
+              </a:spcAft>
+              <a:buClr>
+                <a:schemeClr val="accent2"/>
+              </a:buClr>
+              <a:buSzPct val="92000"/>
+              <a:buFont typeface="Wingdings 2" panose="05020102010507070707" pitchFamily="18" charset="2"/>
+              <a:buChar char=""/>
+              <a:defRPr sz="1600" kern="1200">
+                <a:solidFill>
+                  <a:schemeClr val="tx2"/>
+                </a:solidFill>
+                <a:latin typeface="+mn-lt"/>
+                <a:ea typeface="+mn-ea"/>
+                <a:cs typeface="+mn-cs"/>
+              </a:defRPr>
+            </a:lvl2pPr>
+            <a:lvl3pPr marL="900000" indent="-270000" algn="l" defTabSz="457200" rtl="0" eaLnBrk="1" latinLnBrk="0" hangingPunct="1">
+              <a:spcBef>
+                <a:spcPct val="20000"/>
+              </a:spcBef>
+              <a:spcAft>
+                <a:spcPts val="600"/>
+              </a:spcAft>
+              <a:buClr>
+                <a:schemeClr val="accent2"/>
+              </a:buClr>
+              <a:buSzPct val="92000"/>
+              <a:buFont typeface="Wingdings 2" panose="05020102010507070707" pitchFamily="18" charset="2"/>
+              <a:buChar char=""/>
+              <a:defRPr sz="1400" kern="1200">
+                <a:solidFill>
+                  <a:schemeClr val="tx2"/>
+                </a:solidFill>
+                <a:latin typeface="+mn-lt"/>
+                <a:ea typeface="+mn-ea"/>
+                <a:cs typeface="+mn-cs"/>
+              </a:defRPr>
+            </a:lvl3pPr>
+            <a:lvl4pPr marL="1242000" indent="-234000" algn="l" defTabSz="457200" rtl="0" eaLnBrk="1" latinLnBrk="0" hangingPunct="1">
+              <a:spcBef>
+                <a:spcPct val="20000"/>
+              </a:spcBef>
+              <a:spcAft>
+                <a:spcPts val="600"/>
+              </a:spcAft>
+              <a:buClr>
+                <a:schemeClr val="accent2"/>
+              </a:buClr>
+              <a:buSzPct val="92000"/>
+              <a:buFont typeface="Wingdings 2" panose="05020102010507070707" pitchFamily="18" charset="2"/>
+              <a:buChar char=""/>
+              <a:defRPr sz="1200" kern="1200">
+                <a:solidFill>
+                  <a:schemeClr val="tx2"/>
+                </a:solidFill>
+                <a:latin typeface="+mn-lt"/>
+                <a:ea typeface="+mn-ea"/>
+                <a:cs typeface="+mn-cs"/>
+              </a:defRPr>
+            </a:lvl4pPr>
+            <a:lvl5pPr marL="1602000" indent="-234000" algn="l" defTabSz="457200" rtl="0" eaLnBrk="1" latinLnBrk="0" hangingPunct="1">
+              <a:spcBef>
+                <a:spcPct val="20000"/>
+              </a:spcBef>
+              <a:spcAft>
+                <a:spcPts val="600"/>
+              </a:spcAft>
+              <a:buClr>
+                <a:schemeClr val="accent2"/>
+              </a:buClr>
+              <a:buSzPct val="92000"/>
+              <a:buFont typeface="Wingdings 2" panose="05020102010507070707" pitchFamily="18" charset="2"/>
+              <a:buChar char=""/>
+              <a:defRPr sz="1200" kern="1200">
+                <a:solidFill>
+                  <a:schemeClr val="tx2"/>
+                </a:solidFill>
+                <a:latin typeface="+mn-lt"/>
+                <a:ea typeface="+mn-ea"/>
+                <a:cs typeface="+mn-cs"/>
+              </a:defRPr>
+            </a:lvl5pPr>
+            <a:lvl6pPr marL="1900000" indent="-228600" algn="l" defTabSz="457200" rtl="0" eaLnBrk="1" latinLnBrk="0" hangingPunct="1">
+              <a:spcBef>
+                <a:spcPct val="20000"/>
+              </a:spcBef>
+              <a:spcAft>
+                <a:spcPts val="600"/>
+              </a:spcAft>
+              <a:buClr>
+                <a:schemeClr val="accent2"/>
+              </a:buClr>
+              <a:buSzPct val="92000"/>
+              <a:buFont typeface="Wingdings 2" panose="05020102010507070707" pitchFamily="18" charset="2"/>
+              <a:buChar char=""/>
+              <a:defRPr sz="1200" kern="1200">
+                <a:solidFill>
+                  <a:schemeClr val="tx2"/>
+                </a:solidFill>
+                <a:latin typeface="+mn-lt"/>
+                <a:ea typeface="+mn-ea"/>
+                <a:cs typeface="+mn-cs"/>
+              </a:defRPr>
+            </a:lvl6pPr>
+            <a:lvl7pPr marL="2200000" indent="-228600" algn="l" defTabSz="457200" rtl="0" eaLnBrk="1" latinLnBrk="0" hangingPunct="1">
+              <a:spcBef>
+                <a:spcPct val="20000"/>
+              </a:spcBef>
+              <a:spcAft>
+                <a:spcPts val="600"/>
+              </a:spcAft>
+              <a:buClr>
+                <a:schemeClr val="accent2"/>
+              </a:buClr>
+              <a:buSzPct val="92000"/>
+              <a:buFont typeface="Wingdings 2" panose="05020102010507070707" pitchFamily="18" charset="2"/>
+              <a:buChar char=""/>
+              <a:defRPr sz="1200" kern="1200">
+                <a:solidFill>
+                  <a:schemeClr val="tx2"/>
+                </a:solidFill>
+                <a:latin typeface="+mn-lt"/>
+                <a:ea typeface="+mn-ea"/>
+                <a:cs typeface="+mn-cs"/>
+              </a:defRPr>
+            </a:lvl7pPr>
+            <a:lvl8pPr marL="2500000" indent="-228600" algn="l" defTabSz="457200" rtl="0" eaLnBrk="1" latinLnBrk="0" hangingPunct="1">
+              <a:spcBef>
+                <a:spcPct val="20000"/>
+              </a:spcBef>
+              <a:spcAft>
+                <a:spcPts val="600"/>
+              </a:spcAft>
+              <a:buClr>
+                <a:schemeClr val="accent2"/>
+              </a:buClr>
+              <a:buSzPct val="92000"/>
+              <a:buFont typeface="Wingdings 2" panose="05020102010507070707" pitchFamily="18" charset="2"/>
+              <a:buChar char=""/>
+              <a:defRPr sz="1200" kern="1200">
+                <a:solidFill>
+                  <a:schemeClr val="tx2"/>
+                </a:solidFill>
+                <a:latin typeface="+mn-lt"/>
+                <a:ea typeface="+mn-ea"/>
+                <a:cs typeface="+mn-cs"/>
+              </a:defRPr>
+            </a:lvl8pPr>
+            <a:lvl9pPr marL="2800000" indent="-228600" algn="l" defTabSz="457200" rtl="0" eaLnBrk="1" latinLnBrk="0" hangingPunct="1">
+              <a:spcBef>
+                <a:spcPct val="20000"/>
+              </a:spcBef>
+              <a:spcAft>
+                <a:spcPts val="600"/>
+              </a:spcAft>
+              <a:buClr>
+                <a:schemeClr val="accent2"/>
+              </a:buClr>
+              <a:buSzPct val="92000"/>
+              <a:buFont typeface="Wingdings 2" panose="05020102010507070707" pitchFamily="18" charset="2"/>
+              <a:buChar char=""/>
+              <a:defRPr sz="1200" kern="1200">
+                <a:solidFill>
+                  <a:schemeClr val="tx2"/>
+                </a:solidFill>
+                <a:latin typeface="+mn-lt"/>
+                <a:ea typeface="+mn-ea"/>
+                <a:cs typeface="+mn-cs"/>
+              </a:defRPr>
+            </a:lvl9pPr>
+          </a:lstStyle>
+          <a:p>
+            <a:r>
+              <a:rPr lang="pt-BR" sz="2200" dirty="0"/>
+              <a:t>Arquitetura da rede neural </a:t>
+            </a:r>
+            <a:r>
+              <a:rPr lang="pt-BR" sz="2200" dirty="0" err="1"/>
+              <a:t>convolucional</a:t>
+            </a:r>
+            <a:r>
+              <a:rPr lang="pt-BR" sz="2200" dirty="0"/>
+              <a:t> sem </a:t>
+            </a:r>
+            <a:r>
+              <a:rPr lang="pt-BR" sz="2200" dirty="0" err="1"/>
+              <a:t>pooling</a:t>
+            </a:r>
+            <a:endParaRPr lang="pt-BR" sz="2200" dirty="0"/>
+          </a:p>
+        </p:txBody>
+      </p:sp>
+    </p:spTree>
+    <p:extLst>
+      <p:ext uri="{BB962C8B-B14F-4D97-AF65-F5344CB8AC3E}">
+        <p14:creationId xmlns:p14="http://schemas.microsoft.com/office/powerpoint/2010/main" val="3280707265"/>
+      </p:ext>
+    </p:extLst>
+  </p:cSld>
+  <p:clrMapOvr>
+    <a:masterClrMapping/>
+  </p:clrMapOvr>
+</p:sld>
+</file>
+
+<file path=ppt/slides/slide17.xml><?xml version="1.0" encoding="utf-8"?>
+<p:sld xmlns:a="http://schemas.openxmlformats.org/drawingml/2006/main" xmlns:r="http://schemas.openxmlformats.org/officeDocument/2006/relationships" xmlns:p="http://schemas.openxmlformats.org/presentationml/2006/main">
+  <p:cSld>
+    <p:spTree>
+      <p:nvGrpSpPr>
+        <p:cNvPr id="1" name=""/>
+        <p:cNvGrpSpPr/>
+        <p:nvPr/>
+      </p:nvGrpSpPr>
+      <p:grpSpPr>
+        <a:xfrm>
+          <a:off x="0" y="0"/>
+          <a:ext cx="0" cy="0"/>
+          <a:chOff x="0" y="0"/>
+          <a:chExt cx="0" cy="0"/>
+        </a:xfrm>
+      </p:grpSpPr>
+      <p:sp>
+        <p:nvSpPr>
+          <p:cNvPr id="2" name="Título 1">
+            <a:extLst>
+              <a:ext uri="{FF2B5EF4-FFF2-40B4-BE49-F238E27FC236}">
+                <a16:creationId xmlns:a16="http://schemas.microsoft.com/office/drawing/2014/main" id="{0B83B335-4EF5-4D04-831B-B3A624A54A92}"/>
+              </a:ext>
+            </a:extLst>
+          </p:cNvPr>
+          <p:cNvSpPr>
+            <a:spLocks noGrp="1"/>
+          </p:cNvSpPr>
+          <p:nvPr>
+            <p:ph type="title"/>
+          </p:nvPr>
+        </p:nvSpPr>
+        <p:spPr/>
+        <p:txBody>
+          <a:bodyPr/>
+          <a:lstStyle/>
+          <a:p>
+            <a:r>
+              <a:rPr lang="pt-BR" dirty="0"/>
+              <a:t>Modelagem dos dados - NPCNN</a:t>
+            </a:r>
+          </a:p>
+        </p:txBody>
+      </p:sp>
+      <p:sp>
+        <p:nvSpPr>
+          <p:cNvPr id="4" name="Espaço Reservado para Conteúdo 3">
+            <a:extLst>
+              <a:ext uri="{FF2B5EF4-FFF2-40B4-BE49-F238E27FC236}">
+                <a16:creationId xmlns:a16="http://schemas.microsoft.com/office/drawing/2014/main" id="{57E42BC7-4896-4EDD-B13F-5F7F8E81F112}"/>
+              </a:ext>
+            </a:extLst>
+          </p:cNvPr>
+          <p:cNvSpPr>
+            <a:spLocks noGrp="1"/>
+          </p:cNvSpPr>
+          <p:nvPr>
+            <p:ph sz="half" idx="2"/>
+          </p:nvPr>
+        </p:nvSpPr>
+        <p:spPr>
+          <a:xfrm>
+            <a:off x="8445481" y="2228002"/>
+            <a:ext cx="5422392" cy="3633047"/>
+          </a:xfrm>
+        </p:spPr>
+        <p:txBody>
+          <a:bodyPr>
+            <a:normAutofit/>
+          </a:bodyPr>
+          <a:lstStyle/>
+          <a:p>
+            <a:r>
+              <a:rPr lang="pt-BR" sz="2800" dirty="0"/>
+              <a:t>Teste</a:t>
+            </a:r>
+          </a:p>
+          <a:p>
+            <a:pPr lvl="1"/>
+            <a:r>
+              <a:rPr lang="pt-BR" sz="2600" dirty="0"/>
+              <a:t>R-</a:t>
+            </a:r>
+            <a:r>
+              <a:rPr lang="pt-BR" sz="2600" dirty="0" err="1"/>
+              <a:t>squared</a:t>
+            </a:r>
+            <a:r>
+              <a:rPr lang="pt-BR" sz="2600" dirty="0"/>
+              <a:t> = 0,98</a:t>
+            </a:r>
+          </a:p>
+        </p:txBody>
+      </p:sp>
+      <p:pic>
+        <p:nvPicPr>
+          <p:cNvPr id="3" name="Imagem 2">
+            <a:extLst>
+              <a:ext uri="{FF2B5EF4-FFF2-40B4-BE49-F238E27FC236}">
+                <a16:creationId xmlns:a16="http://schemas.microsoft.com/office/drawing/2014/main" id="{C32FF1C6-DF1B-4A26-816E-5EBC7C210DF9}"/>
+              </a:ext>
+            </a:extLst>
+          </p:cNvPr>
+          <p:cNvPicPr>
+            <a:picLocks noChangeAspect="1"/>
+          </p:cNvPicPr>
+          <p:nvPr/>
+        </p:nvPicPr>
+        <p:blipFill>
+          <a:blip r:embed="rId2"/>
+          <a:stretch>
+            <a:fillRect/>
+          </a:stretch>
+        </p:blipFill>
+        <p:spPr>
+          <a:xfrm>
+            <a:off x="581193" y="2005584"/>
+            <a:ext cx="7430973" cy="4320060"/>
+          </a:xfrm>
+          <a:prstGeom prst="rect">
+            <a:avLst/>
+          </a:prstGeom>
+        </p:spPr>
+      </p:pic>
+    </p:spTree>
+    <p:extLst>
+      <p:ext uri="{BB962C8B-B14F-4D97-AF65-F5344CB8AC3E}">
+        <p14:creationId xmlns:p14="http://schemas.microsoft.com/office/powerpoint/2010/main" val="978260202"/>
+      </p:ext>
+    </p:extLst>
+  </p:cSld>
+  <p:clrMapOvr>
+    <a:masterClrMapping/>
+  </p:clrMapOvr>
+</p:sld>
+</file>
+
+<file path=ppt/slides/slide18.xml><?xml version="1.0" encoding="utf-8"?>
+<p:sld xmlns:a="http://schemas.openxmlformats.org/drawingml/2006/main" xmlns:r="http://schemas.openxmlformats.org/officeDocument/2006/relationships" xmlns:p="http://schemas.openxmlformats.org/presentationml/2006/main">
+  <p:cSld>
+    <p:spTree>
+      <p:nvGrpSpPr>
+        <p:cNvPr id="1" name=""/>
+        <p:cNvGrpSpPr/>
+        <p:nvPr/>
+      </p:nvGrpSpPr>
+      <p:grpSpPr>
+        <a:xfrm>
+          <a:off x="0" y="0"/>
+          <a:ext cx="0" cy="0"/>
+          <a:chOff x="0" y="0"/>
+          <a:chExt cx="0" cy="0"/>
+        </a:xfrm>
+      </p:grpSpPr>
+      <p:sp>
+        <p:nvSpPr>
+          <p:cNvPr id="2" name="Título 1">
+            <a:extLst>
+              <a:ext uri="{FF2B5EF4-FFF2-40B4-BE49-F238E27FC236}">
+                <a16:creationId xmlns:a16="http://schemas.microsoft.com/office/drawing/2014/main" id="{393F912F-D1F0-492B-9CEC-155F7E310980}"/>
+              </a:ext>
+            </a:extLst>
+          </p:cNvPr>
+          <p:cNvSpPr>
+            <a:spLocks noGrp="1"/>
+          </p:cNvSpPr>
+          <p:nvPr>
+            <p:ph type="title"/>
+          </p:nvPr>
+        </p:nvSpPr>
+        <p:spPr/>
+        <p:txBody>
+          <a:bodyPr/>
+          <a:lstStyle/>
+          <a:p>
+            <a:r>
+              <a:rPr lang="pt-BR" dirty="0"/>
+              <a:t>Modelagem dos dados – </a:t>
+            </a:r>
+            <a:r>
+              <a:rPr lang="pt-BR" dirty="0" err="1"/>
+              <a:t>cNN</a:t>
+            </a:r>
+            <a:r>
+              <a:rPr lang="pt-BR" dirty="0"/>
+              <a:t> </a:t>
+            </a:r>
+          </a:p>
+        </p:txBody>
+      </p:sp>
+      <p:graphicFrame>
+        <p:nvGraphicFramePr>
+          <p:cNvPr id="7" name="Tabela 6">
+            <a:extLst>
+              <a:ext uri="{FF2B5EF4-FFF2-40B4-BE49-F238E27FC236}">
+                <a16:creationId xmlns:a16="http://schemas.microsoft.com/office/drawing/2014/main" id="{121A3AA0-063F-4AFB-BA3A-96AC49C9DA17}"/>
+              </a:ext>
+            </a:extLst>
+          </p:cNvPr>
+          <p:cNvGraphicFramePr>
+            <a:graphicFrameLocks noGrp="1"/>
+          </p:cNvGraphicFramePr>
+          <p:nvPr>
+            <p:extLst>
+              <p:ext uri="{D42A27DB-BD31-4B8C-83A1-F6EECF244321}">
+                <p14:modId xmlns:p14="http://schemas.microsoft.com/office/powerpoint/2010/main" val="3852635489"/>
+              </p:ext>
+            </p:extLst>
+          </p:nvPr>
+        </p:nvGraphicFramePr>
+        <p:xfrm>
+          <a:off x="581193" y="2895409"/>
+          <a:ext cx="5092859" cy="845820"/>
+        </p:xfrm>
+        <a:graphic>
+          <a:graphicData uri="http://schemas.openxmlformats.org/drawingml/2006/table">
+            <a:tbl>
+              <a:tblPr>
+                <a:tableStyleId>{5C22544A-7EE6-4342-B048-85BDC9FD1C3A}</a:tableStyleId>
+              </a:tblPr>
+              <a:tblGrid>
+                <a:gridCol w="2056123">
+                  <a:extLst>
+                    <a:ext uri="{9D8B030D-6E8A-4147-A177-3AD203B41FA5}">
+                      <a16:colId xmlns:a16="http://schemas.microsoft.com/office/drawing/2014/main" val="378260509"/>
+                    </a:ext>
+                  </a:extLst>
+                </a:gridCol>
+                <a:gridCol w="1518368">
+                  <a:extLst>
+                    <a:ext uri="{9D8B030D-6E8A-4147-A177-3AD203B41FA5}">
+                      <a16:colId xmlns:a16="http://schemas.microsoft.com/office/drawing/2014/main" val="2475124851"/>
+                    </a:ext>
+                  </a:extLst>
+                </a:gridCol>
+                <a:gridCol w="1518368">
+                  <a:extLst>
+                    <a:ext uri="{9D8B030D-6E8A-4147-A177-3AD203B41FA5}">
+                      <a16:colId xmlns:a16="http://schemas.microsoft.com/office/drawing/2014/main" val="311985919"/>
+                    </a:ext>
+                  </a:extLst>
+                </a:gridCol>
+              </a:tblGrid>
+              <a:tr h="182880">
+                <a:tc gridSpan="2">
+                  <a:txBody>
+                    <a:bodyPr/>
+                    <a:lstStyle/>
+                    <a:p>
+                      <a:pPr marL="0" algn="r" defTabSz="457200" rtl="0" eaLnBrk="1" fontAlgn="ctr" latinLnBrk="0" hangingPunct="1"/>
+                      <a:endParaRPr lang="pt-BR" sz="1800" u="none" strike="noStrike" kern="1200" dirty="0">
+                        <a:solidFill>
+                          <a:schemeClr val="dk1"/>
+                        </a:solidFill>
+                        <a:effectLst/>
+                        <a:latin typeface="+mn-lt"/>
+                        <a:ea typeface="+mn-ea"/>
+                        <a:cs typeface="+mn-cs"/>
+                      </a:endParaRPr>
+                    </a:p>
+                  </a:txBody>
+                  <a:tcPr marL="7620" marR="7620" marT="7620" marB="0" anchor="ctr">
+                    <a:lnL w="12700" cap="flat" cmpd="sng" algn="ctr">
+                      <a:solidFill>
+                        <a:schemeClr val="tx1"/>
+                      </a:solidFill>
+                      <a:prstDash val="solid"/>
+                      <a:round/>
+                      <a:headEnd type="none" w="med" len="med"/>
+                      <a:tailEnd type="none" w="med" len="med"/>
+                    </a:lnL>
+                    <a:lnR w="12700" cap="flat" cmpd="sng" algn="ctr">
+                      <a:solidFill>
+                        <a:schemeClr val="tx1"/>
+                      </a:solidFill>
+                      <a:prstDash val="solid"/>
+                      <a:round/>
+                      <a:headEnd type="none" w="med" len="med"/>
+                      <a:tailEnd type="none" w="med" len="med"/>
+                    </a:lnR>
+                    <a:lnT w="12700" cap="flat" cmpd="sng" algn="ctr">
+                      <a:solidFill>
+                        <a:schemeClr val="tx1"/>
+                      </a:solidFill>
+                      <a:prstDash val="solid"/>
+                      <a:round/>
+                      <a:headEnd type="none" w="med" len="med"/>
+                      <a:tailEnd type="none" w="med" len="med"/>
+                    </a:lnT>
+                    <a:lnB w="12700" cap="flat" cmpd="sng" algn="ctr">
+                      <a:solidFill>
+                        <a:schemeClr val="tx1"/>
+                      </a:solidFill>
+                      <a:prstDash val="solid"/>
+                      <a:round/>
+                      <a:headEnd type="none" w="med" len="med"/>
+                      <a:tailEnd type="none" w="med" len="med"/>
+                    </a:lnB>
+                    <a:lnTlToBr w="12700" cmpd="sng">
+                      <a:noFill/>
+                      <a:prstDash val="solid"/>
+                    </a:lnTlToBr>
+                    <a:lnBlToTr w="12700" cmpd="sng">
+                      <a:noFill/>
+                      <a:prstDash val="solid"/>
+                    </a:lnBlToTr>
+                    <a:solidFill>
+                      <a:schemeClr val="bg1"/>
+                    </a:solidFill>
+                  </a:tcPr>
+                </a:tc>
+                <a:tc hMerge="1">
+                  <a:txBody>
+                    <a:bodyPr/>
+                    <a:lstStyle/>
+                    <a:p>
+                      <a:pPr algn="l" fontAlgn="ctr"/>
+                      <a:endParaRPr lang="pt-BR" sz="2400" b="0" i="0" u="none" strike="noStrike" dirty="0">
+                        <a:solidFill>
+                          <a:srgbClr val="000000"/>
+                        </a:solidFill>
+                        <a:effectLst/>
+                        <a:latin typeface="Calibri" panose="020F0502020204030204" pitchFamily="34" charset="0"/>
+                      </a:endParaRPr>
+                    </a:p>
+                  </a:txBody>
+                  <a:tcPr marL="7620" marR="7620" marT="7620" marB="0" anchor="ctr">
+                    <a:lnL w="12700" cap="flat" cmpd="sng" algn="ctr">
+                      <a:solidFill>
+                        <a:schemeClr val="tx1"/>
+                      </a:solidFill>
+                      <a:prstDash val="solid"/>
+                      <a:round/>
+                      <a:headEnd type="none" w="med" len="med"/>
+                      <a:tailEnd type="none" w="med" len="med"/>
+                    </a:lnL>
+                    <a:lnR w="12700" cap="flat" cmpd="sng" algn="ctr">
+                      <a:solidFill>
+                        <a:schemeClr val="tx1"/>
+                      </a:solidFill>
+                      <a:prstDash val="solid"/>
+                      <a:round/>
+                      <a:headEnd type="none" w="med" len="med"/>
+                      <a:tailEnd type="none" w="med" len="med"/>
+                    </a:lnR>
+                    <a:lnT w="12700" cap="flat" cmpd="sng" algn="ctr">
+                      <a:solidFill>
+                        <a:schemeClr val="tx1"/>
+                      </a:solidFill>
+                      <a:prstDash val="solid"/>
+                      <a:round/>
+                      <a:headEnd type="none" w="med" len="med"/>
+                      <a:tailEnd type="none" w="med" len="med"/>
+                    </a:lnT>
+                    <a:lnB w="12700" cap="flat" cmpd="sng" algn="ctr">
+                      <a:solidFill>
+                        <a:schemeClr val="tx1"/>
+                      </a:solidFill>
+                      <a:prstDash val="solid"/>
+                      <a:round/>
+                      <a:headEnd type="none" w="med" len="med"/>
+                      <a:tailEnd type="none" w="med" len="med"/>
+                    </a:lnB>
+                    <a:lnTlToBr w="12700" cmpd="sng">
+                      <a:noFill/>
+                      <a:prstDash val="solid"/>
+                    </a:lnTlToBr>
+                    <a:lnBlToTr w="12700" cmpd="sng">
+                      <a:noFill/>
+                      <a:prstDash val="solid"/>
+                    </a:lnBlToTr>
+                    <a:solidFill>
+                      <a:schemeClr val="bg1"/>
+                    </a:solidFill>
+                  </a:tcPr>
+                </a:tc>
+                <a:tc>
+                  <a:txBody>
+                    <a:bodyPr/>
+                    <a:lstStyle/>
+                    <a:p>
+                      <a:pPr marL="0" algn="r" defTabSz="457200" rtl="0" eaLnBrk="1" fontAlgn="ctr" latinLnBrk="0" hangingPunct="1"/>
+                      <a:r>
+                        <a:rPr lang="pt-BR" sz="1600" u="none" strike="noStrike" kern="1200" dirty="0">
+                          <a:solidFill>
+                            <a:schemeClr val="dk1"/>
+                          </a:solidFill>
+                          <a:effectLst/>
+                          <a:latin typeface="+mn-lt"/>
+                          <a:ea typeface="+mn-ea"/>
+                          <a:cs typeface="+mn-cs"/>
+                        </a:rPr>
+                        <a:t>Filtros</a:t>
+                      </a:r>
+                    </a:p>
+                  </a:txBody>
+                  <a:tcPr marL="7620" marR="7620" marT="7620" marB="0" anchor="ctr">
+                    <a:lnL w="12700" cap="flat" cmpd="sng" algn="ctr">
+                      <a:solidFill>
+                        <a:schemeClr val="tx1"/>
+                      </a:solidFill>
+                      <a:prstDash val="solid"/>
+                      <a:round/>
+                      <a:headEnd type="none" w="med" len="med"/>
+                      <a:tailEnd type="none" w="med" len="med"/>
+                    </a:lnL>
+                    <a:lnR w="12700" cap="flat" cmpd="sng" algn="ctr">
+                      <a:solidFill>
+                        <a:schemeClr val="tx1"/>
+                      </a:solidFill>
+                      <a:prstDash val="solid"/>
+                      <a:round/>
+                      <a:headEnd type="none" w="med" len="med"/>
+                      <a:tailEnd type="none" w="med" len="med"/>
+                    </a:lnR>
+                    <a:lnT w="12700" cap="flat" cmpd="sng" algn="ctr">
+                      <a:solidFill>
+                        <a:schemeClr val="tx1"/>
+                      </a:solidFill>
+                      <a:prstDash val="solid"/>
+                      <a:round/>
+                      <a:headEnd type="none" w="med" len="med"/>
+                      <a:tailEnd type="none" w="med" len="med"/>
+                    </a:lnT>
+                    <a:lnB w="12700" cap="flat" cmpd="sng" algn="ctr">
+                      <a:solidFill>
+                        <a:schemeClr val="tx1"/>
+                      </a:solidFill>
+                      <a:prstDash val="solid"/>
+                      <a:round/>
+                      <a:headEnd type="none" w="med" len="med"/>
+                      <a:tailEnd type="none" w="med" len="med"/>
+                    </a:lnB>
+                    <a:lnTlToBr w="12700" cmpd="sng">
+                      <a:noFill/>
+                      <a:prstDash val="solid"/>
+                    </a:lnTlToBr>
+                    <a:lnBlToTr w="12700" cmpd="sng">
+                      <a:noFill/>
+                      <a:prstDash val="solid"/>
+                    </a:lnBlToTr>
+                    <a:solidFill>
+                      <a:schemeClr val="bg1"/>
+                    </a:solidFill>
+                  </a:tcPr>
+                </a:tc>
+                <a:extLst>
+                  <a:ext uri="{0D108BD9-81ED-4DB2-BD59-A6C34878D82A}">
+                    <a16:rowId xmlns:a16="http://schemas.microsoft.com/office/drawing/2014/main" val="3393166872"/>
+                  </a:ext>
+                </a:extLst>
+              </a:tr>
+              <a:tr h="182880">
+                <a:tc rowSpan="2">
+                  <a:txBody>
+                    <a:bodyPr/>
+                    <a:lstStyle/>
+                    <a:p>
+                      <a:pPr marL="0" marR="0" lvl="0" indent="0" algn="ctr" defTabSz="457200" rtl="0" eaLnBrk="1" fontAlgn="ctr" latinLnBrk="0" hangingPunct="1">
+                        <a:lnSpc>
+                          <a:spcPct val="100000"/>
+                        </a:lnSpc>
+                        <a:spcBef>
+                          <a:spcPts val="0"/>
+                        </a:spcBef>
+                        <a:spcAft>
+                          <a:spcPts val="0"/>
+                        </a:spcAft>
+                        <a:buClrTx/>
+                        <a:buSzTx/>
+                        <a:buFontTx/>
+                        <a:buNone/>
+                        <a:tabLst/>
+                        <a:defRPr/>
+                      </a:pPr>
+                      <a:r>
+                        <a:rPr lang="pt-BR" sz="1800" u="none" strike="noStrike" kern="1200" dirty="0">
+                          <a:solidFill>
+                            <a:schemeClr val="dk1"/>
+                          </a:solidFill>
+                          <a:effectLst/>
+                          <a:latin typeface="+mn-lt"/>
+                          <a:ea typeface="+mn-ea"/>
+                          <a:cs typeface="+mn-cs"/>
+                        </a:rPr>
+                        <a:t>conv1D</a:t>
+                      </a:r>
+                    </a:p>
+                  </a:txBody>
+                  <a:tcPr marL="7620" marR="7620" marT="7620" marB="0" anchor="ctr">
+                    <a:lnL w="12700" cap="flat" cmpd="sng" algn="ctr">
+                      <a:solidFill>
+                        <a:schemeClr val="tx1"/>
+                      </a:solidFill>
+                      <a:prstDash val="solid"/>
+                      <a:round/>
+                      <a:headEnd type="none" w="med" len="med"/>
+                      <a:tailEnd type="none" w="med" len="med"/>
+                    </a:lnL>
+                    <a:lnR w="12700" cap="flat" cmpd="sng" algn="ctr">
+                      <a:solidFill>
+                        <a:schemeClr val="tx1"/>
+                      </a:solidFill>
+                      <a:prstDash val="solid"/>
+                      <a:round/>
+                      <a:headEnd type="none" w="med" len="med"/>
+                      <a:tailEnd type="none" w="med" len="med"/>
+                    </a:lnR>
+                    <a:lnT w="12700" cap="flat" cmpd="sng" algn="ctr">
+                      <a:solidFill>
+                        <a:schemeClr val="tx1"/>
+                      </a:solidFill>
+                      <a:prstDash val="solid"/>
+                      <a:round/>
+                      <a:headEnd type="none" w="med" len="med"/>
+                      <a:tailEnd type="none" w="med" len="med"/>
+                    </a:lnT>
+                    <a:lnB w="12700" cap="flat" cmpd="sng" algn="ctr">
+                      <a:solidFill>
+                        <a:schemeClr val="tx1"/>
+                      </a:solidFill>
+                      <a:prstDash val="solid"/>
+                      <a:round/>
+                      <a:headEnd type="none" w="med" len="med"/>
+                      <a:tailEnd type="none" w="med" len="med"/>
+                    </a:lnB>
+                    <a:lnTlToBr w="12700" cmpd="sng">
+                      <a:noFill/>
+                      <a:prstDash val="solid"/>
+                    </a:lnTlToBr>
+                    <a:lnBlToTr w="12700" cmpd="sng">
+                      <a:noFill/>
+                      <a:prstDash val="solid"/>
+                    </a:lnBlToTr>
+                    <a:solidFill>
+                      <a:schemeClr val="bg1"/>
+                    </a:solidFill>
+                  </a:tcPr>
+                </a:tc>
+                <a:tc>
+                  <a:txBody>
+                    <a:bodyPr/>
+                    <a:lstStyle/>
+                    <a:p>
+                      <a:pPr marL="0" algn="l" defTabSz="457200" rtl="0" eaLnBrk="1" fontAlgn="ctr" latinLnBrk="0" hangingPunct="1"/>
+                      <a:r>
+                        <a:rPr lang="pt-BR" sz="1800" u="none" strike="noStrike" kern="1200" dirty="0">
+                          <a:solidFill>
+                            <a:schemeClr val="dk1"/>
+                          </a:solidFill>
+                          <a:effectLst/>
+                          <a:latin typeface="+mn-lt"/>
+                          <a:ea typeface="+mn-ea"/>
+                          <a:cs typeface="+mn-cs"/>
+                        </a:rPr>
+                        <a:t>input</a:t>
+                      </a:r>
+                    </a:p>
+                  </a:txBody>
+                  <a:tcPr marL="7620" marR="7620" marT="7620" marB="0" anchor="ctr">
+                    <a:lnL w="12700" cap="flat" cmpd="sng" algn="ctr">
+                      <a:solidFill>
+                        <a:schemeClr val="tx1"/>
+                      </a:solidFill>
+                      <a:prstDash val="solid"/>
+                      <a:round/>
+                      <a:headEnd type="none" w="med" len="med"/>
+                      <a:tailEnd type="none" w="med" len="med"/>
+                    </a:lnL>
+                    <a:lnR w="12700" cap="flat" cmpd="sng" algn="ctr">
+                      <a:solidFill>
+                        <a:schemeClr val="tx1"/>
+                      </a:solidFill>
+                      <a:prstDash val="solid"/>
+                      <a:round/>
+                      <a:headEnd type="none" w="med" len="med"/>
+                      <a:tailEnd type="none" w="med" len="med"/>
+                    </a:lnR>
+                    <a:lnT w="12700" cap="flat" cmpd="sng" algn="ctr">
+                      <a:solidFill>
+                        <a:schemeClr val="tx1"/>
+                      </a:solidFill>
+                      <a:prstDash val="solid"/>
+                      <a:round/>
+                      <a:headEnd type="none" w="med" len="med"/>
+                      <a:tailEnd type="none" w="med" len="med"/>
+                    </a:lnT>
+                    <a:lnB w="12700" cap="flat" cmpd="sng" algn="ctr">
+                      <a:solidFill>
+                        <a:schemeClr val="tx1"/>
+                      </a:solidFill>
+                      <a:prstDash val="solid"/>
+                      <a:round/>
+                      <a:headEnd type="none" w="med" len="med"/>
+                      <a:tailEnd type="none" w="med" len="med"/>
+                    </a:lnB>
+                    <a:lnTlToBr w="12700" cmpd="sng">
+                      <a:noFill/>
+                      <a:prstDash val="solid"/>
+                    </a:lnTlToBr>
+                    <a:lnBlToTr w="12700" cmpd="sng">
+                      <a:noFill/>
+                      <a:prstDash val="solid"/>
+                    </a:lnBlToTr>
+                    <a:solidFill>
+                      <a:schemeClr val="bg1"/>
+                    </a:solidFill>
+                  </a:tcPr>
+                </a:tc>
+                <a:tc>
+                  <a:txBody>
+                    <a:bodyPr/>
+                    <a:lstStyle/>
+                    <a:p>
+                      <a:pPr marL="0" algn="r" defTabSz="457200" rtl="0" eaLnBrk="1" fontAlgn="ctr" latinLnBrk="0" hangingPunct="1"/>
+                      <a:r>
+                        <a:rPr lang="pt-BR" sz="1800" u="none" strike="noStrike" kern="1200" dirty="0">
+                          <a:solidFill>
+                            <a:schemeClr val="dk1"/>
+                          </a:solidFill>
+                          <a:effectLst/>
+                          <a:latin typeface="+mn-lt"/>
+                          <a:ea typeface="+mn-ea"/>
+                          <a:cs typeface="+mn-cs"/>
+                        </a:rPr>
+                        <a:t>24</a:t>
+                      </a:r>
+                    </a:p>
+                  </a:txBody>
+                  <a:tcPr marL="7620" marR="7620" marT="7620" marB="0" anchor="ctr">
+                    <a:lnL w="12700" cap="flat" cmpd="sng" algn="ctr">
+                      <a:solidFill>
+                        <a:schemeClr val="tx1"/>
+                      </a:solidFill>
+                      <a:prstDash val="solid"/>
+                      <a:round/>
+                      <a:headEnd type="none" w="med" len="med"/>
+                      <a:tailEnd type="none" w="med" len="med"/>
+                    </a:lnL>
+                    <a:lnR w="12700" cap="flat" cmpd="sng" algn="ctr">
+                      <a:solidFill>
+                        <a:schemeClr val="tx1"/>
+                      </a:solidFill>
+                      <a:prstDash val="solid"/>
+                      <a:round/>
+                      <a:headEnd type="none" w="med" len="med"/>
+                      <a:tailEnd type="none" w="med" len="med"/>
+                    </a:lnR>
+                    <a:lnT w="12700" cap="flat" cmpd="sng" algn="ctr">
+                      <a:solidFill>
+                        <a:schemeClr val="tx1"/>
+                      </a:solidFill>
+                      <a:prstDash val="solid"/>
+                      <a:round/>
+                      <a:headEnd type="none" w="med" len="med"/>
+                      <a:tailEnd type="none" w="med" len="med"/>
+                    </a:lnT>
+                    <a:lnB w="12700" cap="flat" cmpd="sng" algn="ctr">
+                      <a:solidFill>
+                        <a:schemeClr val="tx1"/>
+                      </a:solidFill>
+                      <a:prstDash val="solid"/>
+                      <a:round/>
+                      <a:headEnd type="none" w="med" len="med"/>
+                      <a:tailEnd type="none" w="med" len="med"/>
+                    </a:lnB>
+                    <a:lnTlToBr w="12700" cmpd="sng">
+                      <a:noFill/>
+                      <a:prstDash val="solid"/>
+                    </a:lnTlToBr>
+                    <a:lnBlToTr w="12700" cmpd="sng">
+                      <a:noFill/>
+                      <a:prstDash val="solid"/>
+                    </a:lnBlToTr>
+                    <a:solidFill>
+                      <a:schemeClr val="bg1"/>
+                    </a:solidFill>
+                  </a:tcPr>
+                </a:tc>
+                <a:extLst>
+                  <a:ext uri="{0D108BD9-81ED-4DB2-BD59-A6C34878D82A}">
+                    <a16:rowId xmlns:a16="http://schemas.microsoft.com/office/drawing/2014/main" val="1251263919"/>
+                  </a:ext>
+                </a:extLst>
+              </a:tr>
+              <a:tr h="182880">
+                <a:tc vMerge="1">
+                  <a:txBody>
+                    <a:bodyPr/>
+                    <a:lstStyle/>
+                    <a:p>
+                      <a:endParaRPr lang="pt-BR"/>
+                    </a:p>
+                  </a:txBody>
+                  <a:tcPr/>
+                </a:tc>
+                <a:tc>
+                  <a:txBody>
+                    <a:bodyPr/>
+                    <a:lstStyle/>
+                    <a:p>
+                      <a:pPr marL="0" algn="l" defTabSz="457200" rtl="0" eaLnBrk="1" fontAlgn="ctr" latinLnBrk="0" hangingPunct="1"/>
+                      <a:r>
+                        <a:rPr lang="pt-BR" sz="1800" u="none" strike="noStrike" kern="1200" dirty="0">
+                          <a:solidFill>
+                            <a:schemeClr val="dk1"/>
+                          </a:solidFill>
+                          <a:effectLst/>
+                          <a:latin typeface="+mn-lt"/>
+                          <a:ea typeface="+mn-ea"/>
+                          <a:cs typeface="+mn-cs"/>
+                        </a:rPr>
+                        <a:t>output</a:t>
+                      </a:r>
+                    </a:p>
+                  </a:txBody>
+                  <a:tcPr marL="7620" marR="7620" marT="7620" marB="0" anchor="ctr">
+                    <a:lnL w="12700" cap="flat" cmpd="sng" algn="ctr">
+                      <a:solidFill>
+                        <a:schemeClr val="tx1"/>
+                      </a:solidFill>
+                      <a:prstDash val="solid"/>
+                      <a:round/>
+                      <a:headEnd type="none" w="med" len="med"/>
+                      <a:tailEnd type="none" w="med" len="med"/>
+                    </a:lnL>
+                    <a:lnR w="12700" cap="flat" cmpd="sng" algn="ctr">
+                      <a:solidFill>
+                        <a:schemeClr val="tx1"/>
+                      </a:solidFill>
+                      <a:prstDash val="solid"/>
+                      <a:round/>
+                      <a:headEnd type="none" w="med" len="med"/>
+                      <a:tailEnd type="none" w="med" len="med"/>
+                    </a:lnR>
+                    <a:lnT w="12700" cap="flat" cmpd="sng" algn="ctr">
+                      <a:solidFill>
+                        <a:schemeClr val="tx1"/>
+                      </a:solidFill>
+                      <a:prstDash val="solid"/>
+                      <a:round/>
+                      <a:headEnd type="none" w="med" len="med"/>
+                      <a:tailEnd type="none" w="med" len="med"/>
+                    </a:lnT>
+                    <a:lnB w="12700" cap="flat" cmpd="sng" algn="ctr">
+                      <a:solidFill>
+                        <a:schemeClr val="tx1"/>
+                      </a:solidFill>
+                      <a:prstDash val="solid"/>
+                      <a:round/>
+                      <a:headEnd type="none" w="med" len="med"/>
+                      <a:tailEnd type="none" w="med" len="med"/>
+                    </a:lnB>
+                    <a:lnTlToBr w="12700" cmpd="sng">
+                      <a:noFill/>
+                      <a:prstDash val="solid"/>
+                    </a:lnTlToBr>
+                    <a:lnBlToTr w="12700" cmpd="sng">
+                      <a:noFill/>
+                      <a:prstDash val="solid"/>
+                    </a:lnBlToTr>
+                    <a:solidFill>
+                      <a:schemeClr val="bg1"/>
+                    </a:solidFill>
+                  </a:tcPr>
+                </a:tc>
+                <a:tc>
+                  <a:txBody>
+                    <a:bodyPr/>
+                    <a:lstStyle/>
+                    <a:p>
+                      <a:pPr marL="0" algn="r" defTabSz="457200" rtl="0" eaLnBrk="1" fontAlgn="ctr" latinLnBrk="0" hangingPunct="1"/>
+                      <a:r>
+                        <a:rPr lang="pt-BR" sz="1800" u="none" strike="noStrike" kern="1200" dirty="0">
+                          <a:solidFill>
+                            <a:schemeClr val="dk1"/>
+                          </a:solidFill>
+                          <a:effectLst/>
+                          <a:latin typeface="+mn-lt"/>
+                          <a:ea typeface="+mn-ea"/>
+                          <a:cs typeface="+mn-cs"/>
+                        </a:rPr>
+                        <a:t>24</a:t>
+                      </a:r>
+                    </a:p>
+                  </a:txBody>
+                  <a:tcPr marL="7620" marR="7620" marT="7620" marB="0" anchor="ctr">
+                    <a:lnL w="12700" cap="flat" cmpd="sng" algn="ctr">
+                      <a:solidFill>
+                        <a:schemeClr val="tx1"/>
+                      </a:solidFill>
+                      <a:prstDash val="solid"/>
+                      <a:round/>
+                      <a:headEnd type="none" w="med" len="med"/>
+                      <a:tailEnd type="none" w="med" len="med"/>
+                    </a:lnL>
+                    <a:lnR w="12700" cap="flat" cmpd="sng" algn="ctr">
+                      <a:solidFill>
+                        <a:schemeClr val="tx1"/>
+                      </a:solidFill>
+                      <a:prstDash val="solid"/>
+                      <a:round/>
+                      <a:headEnd type="none" w="med" len="med"/>
+                      <a:tailEnd type="none" w="med" len="med"/>
+                    </a:lnR>
+                    <a:lnT w="12700" cap="flat" cmpd="sng" algn="ctr">
+                      <a:solidFill>
+                        <a:schemeClr val="tx1"/>
+                      </a:solidFill>
+                      <a:prstDash val="solid"/>
+                      <a:round/>
+                      <a:headEnd type="none" w="med" len="med"/>
+                      <a:tailEnd type="none" w="med" len="med"/>
+                    </a:lnT>
+                    <a:lnB w="12700" cap="flat" cmpd="sng" algn="ctr">
+                      <a:solidFill>
+                        <a:schemeClr val="tx1"/>
+                      </a:solidFill>
+                      <a:prstDash val="solid"/>
+                      <a:round/>
+                      <a:headEnd type="none" w="med" len="med"/>
+                      <a:tailEnd type="none" w="med" len="med"/>
+                    </a:lnB>
+                    <a:lnTlToBr w="12700" cmpd="sng">
+                      <a:noFill/>
+                      <a:prstDash val="solid"/>
+                    </a:lnTlToBr>
+                    <a:lnBlToTr w="12700" cmpd="sng">
+                      <a:noFill/>
+                      <a:prstDash val="solid"/>
+                    </a:lnBlToTr>
+                    <a:solidFill>
+                      <a:schemeClr val="bg1"/>
+                    </a:solidFill>
+                  </a:tcPr>
+                </a:tc>
+                <a:extLst>
+                  <a:ext uri="{0D108BD9-81ED-4DB2-BD59-A6C34878D82A}">
+                    <a16:rowId xmlns:a16="http://schemas.microsoft.com/office/drawing/2014/main" val="494127702"/>
+                  </a:ext>
+                </a:extLst>
+              </a:tr>
+            </a:tbl>
+          </a:graphicData>
+        </a:graphic>
+      </p:graphicFrame>
+      <p:graphicFrame>
+        <p:nvGraphicFramePr>
+          <p:cNvPr id="8" name="Tabela 7">
+            <a:extLst>
+              <a:ext uri="{FF2B5EF4-FFF2-40B4-BE49-F238E27FC236}">
+                <a16:creationId xmlns:a16="http://schemas.microsoft.com/office/drawing/2014/main" id="{C1D8B014-EDC5-43D2-9586-1B6F7FEE7AE4}"/>
+              </a:ext>
+            </a:extLst>
+          </p:cNvPr>
+          <p:cNvGraphicFramePr>
+            <a:graphicFrameLocks noGrp="1"/>
+          </p:cNvGraphicFramePr>
+          <p:nvPr>
+            <p:extLst>
+              <p:ext uri="{D42A27DB-BD31-4B8C-83A1-F6EECF244321}">
+                <p14:modId xmlns:p14="http://schemas.microsoft.com/office/powerpoint/2010/main" val="1049368480"/>
+              </p:ext>
+            </p:extLst>
+          </p:nvPr>
+        </p:nvGraphicFramePr>
+        <p:xfrm>
+          <a:off x="581188" y="4788412"/>
+          <a:ext cx="5092859" cy="845820"/>
+        </p:xfrm>
+        <a:graphic>
+          <a:graphicData uri="http://schemas.openxmlformats.org/drawingml/2006/table">
+            <a:tbl>
+              <a:tblPr>
+                <a:tableStyleId>{5C22544A-7EE6-4342-B048-85BDC9FD1C3A}</a:tableStyleId>
+              </a:tblPr>
+              <a:tblGrid>
+                <a:gridCol w="2056123">
+                  <a:extLst>
+                    <a:ext uri="{9D8B030D-6E8A-4147-A177-3AD203B41FA5}">
+                      <a16:colId xmlns:a16="http://schemas.microsoft.com/office/drawing/2014/main" val="2802041606"/>
+                    </a:ext>
+                  </a:extLst>
+                </a:gridCol>
+                <a:gridCol w="1518368">
+                  <a:extLst>
+                    <a:ext uri="{9D8B030D-6E8A-4147-A177-3AD203B41FA5}">
+                      <a16:colId xmlns:a16="http://schemas.microsoft.com/office/drawing/2014/main" val="4064233686"/>
+                    </a:ext>
+                  </a:extLst>
+                </a:gridCol>
+                <a:gridCol w="1518368">
+                  <a:extLst>
+                    <a:ext uri="{9D8B030D-6E8A-4147-A177-3AD203B41FA5}">
+                      <a16:colId xmlns:a16="http://schemas.microsoft.com/office/drawing/2014/main" val="3728321191"/>
+                    </a:ext>
+                  </a:extLst>
+                </a:gridCol>
+              </a:tblGrid>
+              <a:tr h="182880">
+                <a:tc gridSpan="2">
+                  <a:txBody>
+                    <a:bodyPr/>
+                    <a:lstStyle/>
+                    <a:p>
+                      <a:pPr algn="ctr" fontAlgn="ctr"/>
+                      <a:endParaRPr lang="pt-BR" sz="1800" b="0" i="0" u="none" strike="noStrike" dirty="0">
+                        <a:solidFill>
+                          <a:srgbClr val="000000"/>
+                        </a:solidFill>
+                        <a:effectLst/>
+                        <a:latin typeface="Calibri" panose="020F0502020204030204" pitchFamily="34" charset="0"/>
+                      </a:endParaRPr>
+                    </a:p>
+                  </a:txBody>
+                  <a:tcPr marL="7620" marR="7620" marT="7620" marB="0" anchor="ctr">
+                    <a:lnL w="12700" cap="flat" cmpd="sng" algn="ctr">
+                      <a:solidFill>
+                        <a:schemeClr val="tx1"/>
+                      </a:solidFill>
+                      <a:prstDash val="solid"/>
+                      <a:round/>
+                      <a:headEnd type="none" w="med" len="med"/>
+                      <a:tailEnd type="none" w="med" len="med"/>
+                    </a:lnL>
+                    <a:lnR w="12700" cap="flat" cmpd="sng" algn="ctr">
+                      <a:solidFill>
+                        <a:schemeClr val="tx1"/>
+                      </a:solidFill>
+                      <a:prstDash val="solid"/>
+                      <a:round/>
+                      <a:headEnd type="none" w="med" len="med"/>
+                      <a:tailEnd type="none" w="med" len="med"/>
+                    </a:lnR>
+                    <a:lnT w="12700" cap="flat" cmpd="sng" algn="ctr">
+                      <a:solidFill>
+                        <a:schemeClr val="tx1"/>
+                      </a:solidFill>
+                      <a:prstDash val="solid"/>
+                      <a:round/>
+                      <a:headEnd type="none" w="med" len="med"/>
+                      <a:tailEnd type="none" w="med" len="med"/>
+                    </a:lnT>
+                    <a:lnB w="12700" cap="flat" cmpd="sng" algn="ctr">
+                      <a:solidFill>
+                        <a:schemeClr val="tx1"/>
+                      </a:solidFill>
+                      <a:prstDash val="solid"/>
+                      <a:round/>
+                      <a:headEnd type="none" w="med" len="med"/>
+                      <a:tailEnd type="none" w="med" len="med"/>
+                    </a:lnB>
+                    <a:solidFill>
+                      <a:schemeClr val="bg1"/>
+                    </a:solidFill>
+                  </a:tcPr>
+                </a:tc>
+                <a:tc hMerge="1">
+                  <a:txBody>
+                    <a:bodyPr/>
+                    <a:lstStyle/>
+                    <a:p>
+                      <a:pPr algn="l" fontAlgn="ctr"/>
+                      <a:endParaRPr lang="pt-BR" sz="1800" b="0" i="0" u="none" strike="noStrike" dirty="0">
+                        <a:solidFill>
+                          <a:srgbClr val="000000"/>
+                        </a:solidFill>
+                        <a:effectLst/>
+                        <a:latin typeface="Calibri" panose="020F0502020204030204" pitchFamily="34" charset="0"/>
+                      </a:endParaRPr>
+                    </a:p>
+                  </a:txBody>
+                  <a:tcPr marL="7620" marR="7620" marT="7620" marB="0" anchor="ctr">
+                    <a:lnL w="12700" cap="flat" cmpd="sng" algn="ctr">
+                      <a:solidFill>
+                        <a:schemeClr val="tx1"/>
+                      </a:solidFill>
+                      <a:prstDash val="solid"/>
+                      <a:round/>
+                      <a:headEnd type="none" w="med" len="med"/>
+                      <a:tailEnd type="none" w="med" len="med"/>
+                    </a:lnL>
+                    <a:lnR w="12700" cap="flat" cmpd="sng" algn="ctr">
+                      <a:solidFill>
+                        <a:schemeClr val="tx1"/>
+                      </a:solidFill>
+                      <a:prstDash val="solid"/>
+                      <a:round/>
+                      <a:headEnd type="none" w="med" len="med"/>
+                      <a:tailEnd type="none" w="med" len="med"/>
+                    </a:lnR>
+                    <a:lnT w="12700" cap="flat" cmpd="sng" algn="ctr">
+                      <a:solidFill>
+                        <a:schemeClr val="tx1"/>
+                      </a:solidFill>
+                      <a:prstDash val="solid"/>
+                      <a:round/>
+                      <a:headEnd type="none" w="med" len="med"/>
+                      <a:tailEnd type="none" w="med" len="med"/>
+                    </a:lnT>
+                    <a:lnB w="12700" cap="flat" cmpd="sng" algn="ctr">
+                      <a:solidFill>
+                        <a:schemeClr val="tx1"/>
+                      </a:solidFill>
+                      <a:prstDash val="solid"/>
+                      <a:round/>
+                      <a:headEnd type="none" w="med" len="med"/>
+                      <a:tailEnd type="none" w="med" len="med"/>
+                    </a:lnB>
+                    <a:solidFill>
+                      <a:schemeClr val="bg1"/>
+                    </a:solidFill>
+                  </a:tcPr>
+                </a:tc>
+                <a:tc>
+                  <a:txBody>
+                    <a:bodyPr/>
+                    <a:lstStyle/>
+                    <a:p>
+                      <a:pPr marL="0" algn="r" defTabSz="457200" rtl="0" eaLnBrk="1" fontAlgn="ctr" latinLnBrk="0" hangingPunct="1"/>
+                      <a:r>
+                        <a:rPr lang="pt-BR" sz="1600" u="none" strike="noStrike" kern="1200" dirty="0">
+                          <a:solidFill>
+                            <a:schemeClr val="dk1"/>
+                          </a:solidFill>
+                          <a:effectLst/>
+                          <a:latin typeface="+mn-lt"/>
+                          <a:ea typeface="+mn-ea"/>
+                          <a:cs typeface="+mn-cs"/>
+                        </a:rPr>
+                        <a:t>Neurônios</a:t>
+                      </a:r>
+                    </a:p>
+                  </a:txBody>
+                  <a:tcPr marL="7620" marR="7620" marT="7620" marB="0" anchor="ctr">
+                    <a:lnL w="12700" cap="flat" cmpd="sng" algn="ctr">
+                      <a:solidFill>
+                        <a:schemeClr val="tx1"/>
+                      </a:solidFill>
+                      <a:prstDash val="solid"/>
+                      <a:round/>
+                      <a:headEnd type="none" w="med" len="med"/>
+                      <a:tailEnd type="none" w="med" len="med"/>
+                    </a:lnL>
+                    <a:lnR w="12700" cap="flat" cmpd="sng" algn="ctr">
+                      <a:solidFill>
+                        <a:schemeClr val="tx1"/>
+                      </a:solidFill>
+                      <a:prstDash val="solid"/>
+                      <a:round/>
+                      <a:headEnd type="none" w="med" len="med"/>
+                      <a:tailEnd type="none" w="med" len="med"/>
+                    </a:lnR>
+                    <a:lnT w="12700" cap="flat" cmpd="sng" algn="ctr">
+                      <a:solidFill>
+                        <a:schemeClr val="tx1"/>
+                      </a:solidFill>
+                      <a:prstDash val="solid"/>
+                      <a:round/>
+                      <a:headEnd type="none" w="med" len="med"/>
+                      <a:tailEnd type="none" w="med" len="med"/>
+                    </a:lnT>
+                    <a:lnB w="12700" cap="flat" cmpd="sng" algn="ctr">
+                      <a:solidFill>
+                        <a:schemeClr val="tx1"/>
+                      </a:solidFill>
+                      <a:prstDash val="solid"/>
+                      <a:round/>
+                      <a:headEnd type="none" w="med" len="med"/>
+                      <a:tailEnd type="none" w="med" len="med"/>
+                    </a:lnB>
+                    <a:solidFill>
+                      <a:schemeClr val="bg1"/>
+                    </a:solidFill>
+                  </a:tcPr>
+                </a:tc>
+                <a:extLst>
+                  <a:ext uri="{0D108BD9-81ED-4DB2-BD59-A6C34878D82A}">
+                    <a16:rowId xmlns:a16="http://schemas.microsoft.com/office/drawing/2014/main" val="86056211"/>
+                  </a:ext>
+                </a:extLst>
+              </a:tr>
+              <a:tr h="182880">
+                <a:tc rowSpan="2">
+                  <a:txBody>
+                    <a:bodyPr/>
+                    <a:lstStyle/>
+                    <a:p>
+                      <a:pPr algn="ctr" fontAlgn="ctr"/>
+                      <a:r>
+                        <a:rPr lang="pt-BR" sz="1800" u="none" strike="noStrike" dirty="0">
+                          <a:effectLst/>
+                        </a:rPr>
+                        <a:t>dense_1</a:t>
+                      </a:r>
+                      <a:endParaRPr lang="pt-BR" sz="1800" b="0" i="0" u="none" strike="noStrike" dirty="0">
+                        <a:solidFill>
+                          <a:srgbClr val="000000"/>
+                        </a:solidFill>
+                        <a:effectLst/>
+                        <a:latin typeface="Calibri" panose="020F0502020204030204" pitchFamily="34" charset="0"/>
+                      </a:endParaRPr>
+                    </a:p>
+                  </a:txBody>
+                  <a:tcPr marL="7620" marR="7620" marT="7620" marB="0" anchor="ctr">
+                    <a:lnL w="12700" cap="flat" cmpd="sng" algn="ctr">
+                      <a:solidFill>
+                        <a:schemeClr val="tx1"/>
+                      </a:solidFill>
+                      <a:prstDash val="solid"/>
+                      <a:round/>
+                      <a:headEnd type="none" w="med" len="med"/>
+                      <a:tailEnd type="none" w="med" len="med"/>
+                    </a:lnL>
+                    <a:lnR w="12700" cap="flat" cmpd="sng" algn="ctr">
+                      <a:solidFill>
+                        <a:schemeClr val="tx1"/>
+                      </a:solidFill>
+                      <a:prstDash val="solid"/>
+                      <a:round/>
+                      <a:headEnd type="none" w="med" len="med"/>
+                      <a:tailEnd type="none" w="med" len="med"/>
+                    </a:lnR>
+                    <a:lnT w="12700" cap="flat" cmpd="sng" algn="ctr">
+                      <a:solidFill>
+                        <a:schemeClr val="tx1"/>
+                      </a:solidFill>
+                      <a:prstDash val="solid"/>
+                      <a:round/>
+                      <a:headEnd type="none" w="med" len="med"/>
+                      <a:tailEnd type="none" w="med" len="med"/>
+                    </a:lnT>
+                    <a:lnB w="12700" cap="flat" cmpd="sng" algn="ctr">
+                      <a:solidFill>
+                        <a:schemeClr val="tx1"/>
+                      </a:solidFill>
+                      <a:prstDash val="solid"/>
+                      <a:round/>
+                      <a:headEnd type="none" w="med" len="med"/>
+                      <a:tailEnd type="none" w="med" len="med"/>
+                    </a:lnB>
+                    <a:solidFill>
+                      <a:schemeClr val="bg1"/>
+                    </a:solidFill>
+                  </a:tcPr>
+                </a:tc>
+                <a:tc>
+                  <a:txBody>
+                    <a:bodyPr/>
+                    <a:lstStyle/>
+                    <a:p>
+                      <a:pPr algn="l" fontAlgn="ctr"/>
+                      <a:r>
+                        <a:rPr lang="pt-BR" sz="1800" u="none" strike="noStrike" dirty="0">
+                          <a:effectLst/>
+                        </a:rPr>
+                        <a:t>input</a:t>
+                      </a:r>
+                      <a:endParaRPr lang="pt-BR" sz="1800" b="0" i="0" u="none" strike="noStrike" dirty="0">
+                        <a:solidFill>
+                          <a:srgbClr val="000000"/>
+                        </a:solidFill>
+                        <a:effectLst/>
+                        <a:latin typeface="Calibri" panose="020F0502020204030204" pitchFamily="34" charset="0"/>
+                      </a:endParaRPr>
+                    </a:p>
+                  </a:txBody>
+                  <a:tcPr marL="7620" marR="7620" marT="7620" marB="0" anchor="ctr">
+                    <a:lnL w="12700" cap="flat" cmpd="sng" algn="ctr">
+                      <a:solidFill>
+                        <a:schemeClr val="tx1"/>
+                      </a:solidFill>
+                      <a:prstDash val="solid"/>
+                      <a:round/>
+                      <a:headEnd type="none" w="med" len="med"/>
+                      <a:tailEnd type="none" w="med" len="med"/>
+                    </a:lnL>
+                    <a:lnR w="12700" cap="flat" cmpd="sng" algn="ctr">
+                      <a:solidFill>
+                        <a:schemeClr val="tx1"/>
+                      </a:solidFill>
+                      <a:prstDash val="solid"/>
+                      <a:round/>
+                      <a:headEnd type="none" w="med" len="med"/>
+                      <a:tailEnd type="none" w="med" len="med"/>
+                    </a:lnR>
+                    <a:lnT w="12700" cap="flat" cmpd="sng" algn="ctr">
+                      <a:solidFill>
+                        <a:schemeClr val="tx1"/>
+                      </a:solidFill>
+                      <a:prstDash val="solid"/>
+                      <a:round/>
+                      <a:headEnd type="none" w="med" len="med"/>
+                      <a:tailEnd type="none" w="med" len="med"/>
+                    </a:lnT>
+                    <a:lnB w="12700" cap="flat" cmpd="sng" algn="ctr">
+                      <a:solidFill>
+                        <a:schemeClr val="tx1"/>
+                      </a:solidFill>
+                      <a:prstDash val="solid"/>
+                      <a:round/>
+                      <a:headEnd type="none" w="med" len="med"/>
+                      <a:tailEnd type="none" w="med" len="med"/>
+                    </a:lnB>
+                    <a:solidFill>
+                      <a:schemeClr val="bg1"/>
+                    </a:solidFill>
+                  </a:tcPr>
+                </a:tc>
+                <a:tc>
+                  <a:txBody>
+                    <a:bodyPr/>
+                    <a:lstStyle/>
+                    <a:p>
+                      <a:pPr marL="0" algn="r" defTabSz="457200" rtl="0" eaLnBrk="1" fontAlgn="ctr" latinLnBrk="0" hangingPunct="1"/>
+                      <a:r>
+                        <a:rPr lang="pt-BR" sz="1800" u="none" strike="noStrike" kern="1200" dirty="0">
+                          <a:solidFill>
+                            <a:schemeClr val="dk1"/>
+                          </a:solidFill>
+                          <a:effectLst/>
+                          <a:latin typeface="+mn-lt"/>
+                          <a:ea typeface="+mn-ea"/>
+                          <a:cs typeface="+mn-cs"/>
+                        </a:rPr>
+                        <a:t>36</a:t>
+                      </a:r>
+                    </a:p>
+                  </a:txBody>
+                  <a:tcPr marL="7620" marR="7620" marT="7620" marB="0" anchor="ctr">
+                    <a:lnL w="12700" cap="flat" cmpd="sng" algn="ctr">
+                      <a:solidFill>
+                        <a:schemeClr val="tx1"/>
+                      </a:solidFill>
+                      <a:prstDash val="solid"/>
+                      <a:round/>
+                      <a:headEnd type="none" w="med" len="med"/>
+                      <a:tailEnd type="none" w="med" len="med"/>
+                    </a:lnL>
+                    <a:lnR w="12700" cap="flat" cmpd="sng" algn="ctr">
+                      <a:solidFill>
+                        <a:schemeClr val="tx1"/>
+                      </a:solidFill>
+                      <a:prstDash val="solid"/>
+                      <a:round/>
+                      <a:headEnd type="none" w="med" len="med"/>
+                      <a:tailEnd type="none" w="med" len="med"/>
+                    </a:lnR>
+                    <a:lnT w="12700" cap="flat" cmpd="sng" algn="ctr">
+                      <a:solidFill>
+                        <a:schemeClr val="tx1"/>
+                      </a:solidFill>
+                      <a:prstDash val="solid"/>
+                      <a:round/>
+                      <a:headEnd type="none" w="med" len="med"/>
+                      <a:tailEnd type="none" w="med" len="med"/>
+                    </a:lnT>
+                    <a:lnB w="12700" cap="flat" cmpd="sng" algn="ctr">
+                      <a:solidFill>
+                        <a:schemeClr val="tx1"/>
+                      </a:solidFill>
+                      <a:prstDash val="solid"/>
+                      <a:round/>
+                      <a:headEnd type="none" w="med" len="med"/>
+                      <a:tailEnd type="none" w="med" len="med"/>
+                    </a:lnB>
+                    <a:solidFill>
+                      <a:schemeClr val="bg1"/>
+                    </a:solidFill>
+                  </a:tcPr>
+                </a:tc>
+                <a:extLst>
+                  <a:ext uri="{0D108BD9-81ED-4DB2-BD59-A6C34878D82A}">
+                    <a16:rowId xmlns:a16="http://schemas.microsoft.com/office/drawing/2014/main" val="2437973058"/>
+                  </a:ext>
+                </a:extLst>
+              </a:tr>
+              <a:tr h="104473">
+                <a:tc vMerge="1">
+                  <a:txBody>
+                    <a:bodyPr/>
+                    <a:lstStyle/>
+                    <a:p>
+                      <a:endParaRPr lang="pt-BR"/>
+                    </a:p>
+                  </a:txBody>
+                  <a:tcPr/>
+                </a:tc>
+                <a:tc>
+                  <a:txBody>
+                    <a:bodyPr/>
+                    <a:lstStyle/>
+                    <a:p>
+                      <a:pPr algn="l" fontAlgn="ctr"/>
+                      <a:r>
+                        <a:rPr lang="pt-BR" sz="1800" u="none" strike="noStrike" dirty="0">
+                          <a:effectLst/>
+                        </a:rPr>
+                        <a:t>output</a:t>
+                      </a:r>
+                      <a:endParaRPr lang="pt-BR" sz="1800" b="0" i="0" u="none" strike="noStrike" dirty="0">
+                        <a:solidFill>
+                          <a:srgbClr val="000000"/>
+                        </a:solidFill>
+                        <a:effectLst/>
+                        <a:latin typeface="Calibri" panose="020F0502020204030204" pitchFamily="34" charset="0"/>
+                      </a:endParaRPr>
+                    </a:p>
+                  </a:txBody>
+                  <a:tcPr marL="7620" marR="7620" marT="7620" marB="0" anchor="ctr">
+                    <a:lnL w="12700" cap="flat" cmpd="sng" algn="ctr">
+                      <a:solidFill>
+                        <a:schemeClr val="tx1"/>
+                      </a:solidFill>
+                      <a:prstDash val="solid"/>
+                      <a:round/>
+                      <a:headEnd type="none" w="med" len="med"/>
+                      <a:tailEnd type="none" w="med" len="med"/>
+                    </a:lnL>
+                    <a:lnR w="12700" cap="flat" cmpd="sng" algn="ctr">
+                      <a:solidFill>
+                        <a:schemeClr val="tx1"/>
+                      </a:solidFill>
+                      <a:prstDash val="solid"/>
+                      <a:round/>
+                      <a:headEnd type="none" w="med" len="med"/>
+                      <a:tailEnd type="none" w="med" len="med"/>
+                    </a:lnR>
+                    <a:lnT w="12700" cap="flat" cmpd="sng" algn="ctr">
+                      <a:solidFill>
+                        <a:schemeClr val="tx1"/>
+                      </a:solidFill>
+                      <a:prstDash val="solid"/>
+                      <a:round/>
+                      <a:headEnd type="none" w="med" len="med"/>
+                      <a:tailEnd type="none" w="med" len="med"/>
+                    </a:lnT>
+                    <a:lnB w="12700" cap="flat" cmpd="sng" algn="ctr">
+                      <a:solidFill>
+                        <a:schemeClr val="tx1"/>
+                      </a:solidFill>
+                      <a:prstDash val="solid"/>
+                      <a:round/>
+                      <a:headEnd type="none" w="med" len="med"/>
+                      <a:tailEnd type="none" w="med" len="med"/>
+                    </a:lnB>
+                    <a:solidFill>
+                      <a:schemeClr val="bg1"/>
+                    </a:solidFill>
+                  </a:tcPr>
+                </a:tc>
+                <a:tc>
+                  <a:txBody>
+                    <a:bodyPr/>
+                    <a:lstStyle/>
+                    <a:p>
+                      <a:pPr marL="0" algn="r" defTabSz="457200" rtl="0" eaLnBrk="1" fontAlgn="ctr" latinLnBrk="0" hangingPunct="1"/>
+                      <a:r>
+                        <a:rPr lang="pt-BR" sz="1800" u="none" strike="noStrike" kern="1200" dirty="0">
+                          <a:solidFill>
+                            <a:schemeClr val="dk1"/>
+                          </a:solidFill>
+                          <a:effectLst/>
+                          <a:latin typeface="+mn-lt"/>
+                          <a:ea typeface="+mn-ea"/>
+                          <a:cs typeface="+mn-cs"/>
+                        </a:rPr>
+                        <a:t>36</a:t>
+                      </a:r>
+                    </a:p>
+                  </a:txBody>
+                  <a:tcPr marL="7620" marR="7620" marT="7620" marB="0" anchor="ctr">
+                    <a:lnL w="12700" cap="flat" cmpd="sng" algn="ctr">
+                      <a:solidFill>
+                        <a:schemeClr val="tx1"/>
+                      </a:solidFill>
+                      <a:prstDash val="solid"/>
+                      <a:round/>
+                      <a:headEnd type="none" w="med" len="med"/>
+                      <a:tailEnd type="none" w="med" len="med"/>
+                    </a:lnL>
+                    <a:lnR w="12700" cap="flat" cmpd="sng" algn="ctr">
+                      <a:solidFill>
+                        <a:schemeClr val="tx1"/>
+                      </a:solidFill>
+                      <a:prstDash val="solid"/>
+                      <a:round/>
+                      <a:headEnd type="none" w="med" len="med"/>
+                      <a:tailEnd type="none" w="med" len="med"/>
+                    </a:lnR>
+                    <a:lnT w="12700" cap="flat" cmpd="sng" algn="ctr">
+                      <a:solidFill>
+                        <a:schemeClr val="tx1"/>
+                      </a:solidFill>
+                      <a:prstDash val="solid"/>
+                      <a:round/>
+                      <a:headEnd type="none" w="med" len="med"/>
+                      <a:tailEnd type="none" w="med" len="med"/>
+                    </a:lnT>
+                    <a:lnB w="12700" cap="flat" cmpd="sng" algn="ctr">
+                      <a:solidFill>
+                        <a:schemeClr val="tx1"/>
+                      </a:solidFill>
+                      <a:prstDash val="solid"/>
+                      <a:round/>
+                      <a:headEnd type="none" w="med" len="med"/>
+                      <a:tailEnd type="none" w="med" len="med"/>
+                    </a:lnB>
+                    <a:solidFill>
+                      <a:schemeClr val="bg1"/>
+                    </a:solidFill>
+                  </a:tcPr>
+                </a:tc>
+                <a:extLst>
+                  <a:ext uri="{0D108BD9-81ED-4DB2-BD59-A6C34878D82A}">
+                    <a16:rowId xmlns:a16="http://schemas.microsoft.com/office/drawing/2014/main" val="2716052351"/>
+                  </a:ext>
+                </a:extLst>
+              </a:tr>
+            </a:tbl>
+          </a:graphicData>
+        </a:graphic>
+      </p:graphicFrame>
+      <p:graphicFrame>
+        <p:nvGraphicFramePr>
+          <p:cNvPr id="19" name="Tabela 18">
+            <a:extLst>
+              <a:ext uri="{FF2B5EF4-FFF2-40B4-BE49-F238E27FC236}">
+                <a16:creationId xmlns:a16="http://schemas.microsoft.com/office/drawing/2014/main" id="{717933F3-1790-4397-A08F-2ED38845598B}"/>
+              </a:ext>
+            </a:extLst>
+          </p:cNvPr>
+          <p:cNvGraphicFramePr>
+            <a:graphicFrameLocks noGrp="1"/>
+          </p:cNvGraphicFramePr>
+          <p:nvPr>
+            <p:extLst>
+              <p:ext uri="{D42A27DB-BD31-4B8C-83A1-F6EECF244321}">
+                <p14:modId xmlns:p14="http://schemas.microsoft.com/office/powerpoint/2010/main" val="3315102277"/>
+              </p:ext>
+            </p:extLst>
+          </p:nvPr>
+        </p:nvGraphicFramePr>
+        <p:xfrm>
+          <a:off x="581188" y="5878742"/>
+          <a:ext cx="5092859" cy="563880"/>
+        </p:xfrm>
+        <a:graphic>
+          <a:graphicData uri="http://schemas.openxmlformats.org/drawingml/2006/table">
+            <a:tbl>
+              <a:tblPr>
+                <a:tableStyleId>{5C22544A-7EE6-4342-B048-85BDC9FD1C3A}</a:tableStyleId>
+              </a:tblPr>
+              <a:tblGrid>
+                <a:gridCol w="2056123">
+                  <a:extLst>
+                    <a:ext uri="{9D8B030D-6E8A-4147-A177-3AD203B41FA5}">
+                      <a16:colId xmlns:a16="http://schemas.microsoft.com/office/drawing/2014/main" val="601386639"/>
+                    </a:ext>
+                  </a:extLst>
+                </a:gridCol>
+                <a:gridCol w="1518368">
+                  <a:extLst>
+                    <a:ext uri="{9D8B030D-6E8A-4147-A177-3AD203B41FA5}">
+                      <a16:colId xmlns:a16="http://schemas.microsoft.com/office/drawing/2014/main" val="2528077451"/>
+                    </a:ext>
+                  </a:extLst>
+                </a:gridCol>
+                <a:gridCol w="1518368">
+                  <a:extLst>
+                    <a:ext uri="{9D8B030D-6E8A-4147-A177-3AD203B41FA5}">
+                      <a16:colId xmlns:a16="http://schemas.microsoft.com/office/drawing/2014/main" val="1606911441"/>
+                    </a:ext>
+                  </a:extLst>
+                </a:gridCol>
+              </a:tblGrid>
+              <a:tr h="182880">
+                <a:tc rowSpan="2">
+                  <a:txBody>
+                    <a:bodyPr/>
+                    <a:lstStyle/>
+                    <a:p>
+                      <a:pPr algn="ctr" fontAlgn="ctr"/>
+                      <a:r>
+                        <a:rPr lang="pt-BR" sz="1800" u="none" strike="noStrike" dirty="0">
+                          <a:effectLst/>
+                        </a:rPr>
+                        <a:t>dense_2</a:t>
+                      </a:r>
+                      <a:endParaRPr lang="pt-BR" sz="1800" b="0" i="0" u="none" strike="noStrike" dirty="0">
+                        <a:solidFill>
+                          <a:srgbClr val="000000"/>
+                        </a:solidFill>
+                        <a:effectLst/>
+                        <a:latin typeface="Calibri" panose="020F0502020204030204" pitchFamily="34" charset="0"/>
+                      </a:endParaRPr>
+                    </a:p>
+                  </a:txBody>
+                  <a:tcPr marL="7620" marR="7620" marT="7620" marB="0" anchor="ctr">
+                    <a:lnL w="12700" cap="flat" cmpd="sng" algn="ctr">
+                      <a:solidFill>
+                        <a:schemeClr val="tx1"/>
+                      </a:solidFill>
+                      <a:prstDash val="solid"/>
+                      <a:round/>
+                      <a:headEnd type="none" w="med" len="med"/>
+                      <a:tailEnd type="none" w="med" len="med"/>
+                    </a:lnL>
+                    <a:lnR w="12700" cap="flat" cmpd="sng" algn="ctr">
+                      <a:solidFill>
+                        <a:schemeClr val="tx1"/>
+                      </a:solidFill>
+                      <a:prstDash val="solid"/>
+                      <a:round/>
+                      <a:headEnd type="none" w="med" len="med"/>
+                      <a:tailEnd type="none" w="med" len="med"/>
+                    </a:lnR>
+                    <a:lnT w="12700" cap="flat" cmpd="sng" algn="ctr">
+                      <a:solidFill>
+                        <a:schemeClr val="tx1"/>
+                      </a:solidFill>
+                      <a:prstDash val="solid"/>
+                      <a:round/>
+                      <a:headEnd type="none" w="med" len="med"/>
+                      <a:tailEnd type="none" w="med" len="med"/>
+                    </a:lnT>
+                    <a:lnB w="12700" cap="flat" cmpd="sng" algn="ctr">
+                      <a:solidFill>
+                        <a:schemeClr val="tx1"/>
+                      </a:solidFill>
+                      <a:prstDash val="solid"/>
+                      <a:round/>
+                      <a:headEnd type="none" w="med" len="med"/>
+                      <a:tailEnd type="none" w="med" len="med"/>
+                    </a:lnB>
+                    <a:solidFill>
+                      <a:schemeClr val="bg1"/>
+                    </a:solidFill>
+                  </a:tcPr>
+                </a:tc>
+                <a:tc>
+                  <a:txBody>
+                    <a:bodyPr/>
+                    <a:lstStyle/>
+                    <a:p>
+                      <a:pPr algn="l" fontAlgn="ctr"/>
+                      <a:r>
+                        <a:rPr lang="pt-BR" sz="1800" u="none" strike="noStrike">
+                          <a:effectLst/>
+                        </a:rPr>
+                        <a:t>input</a:t>
+                      </a:r>
+                      <a:endParaRPr lang="pt-BR" sz="1800" b="0" i="0" u="none" strike="noStrike">
+                        <a:solidFill>
+                          <a:srgbClr val="000000"/>
+                        </a:solidFill>
+                        <a:effectLst/>
+                        <a:latin typeface="Calibri" panose="020F0502020204030204" pitchFamily="34" charset="0"/>
+                      </a:endParaRPr>
+                    </a:p>
+                  </a:txBody>
+                  <a:tcPr marL="7620" marR="7620" marT="7620" marB="0" anchor="ctr">
+                    <a:lnL w="12700" cap="flat" cmpd="sng" algn="ctr">
+                      <a:solidFill>
+                        <a:schemeClr val="tx1"/>
+                      </a:solidFill>
+                      <a:prstDash val="solid"/>
+                      <a:round/>
+                      <a:headEnd type="none" w="med" len="med"/>
+                      <a:tailEnd type="none" w="med" len="med"/>
+                    </a:lnL>
+                    <a:lnR w="12700" cap="flat" cmpd="sng" algn="ctr">
+                      <a:solidFill>
+                        <a:schemeClr val="tx1"/>
+                      </a:solidFill>
+                      <a:prstDash val="solid"/>
+                      <a:round/>
+                      <a:headEnd type="none" w="med" len="med"/>
+                      <a:tailEnd type="none" w="med" len="med"/>
+                    </a:lnR>
+                    <a:lnT w="12700" cap="flat" cmpd="sng" algn="ctr">
+                      <a:solidFill>
+                        <a:schemeClr val="tx1"/>
+                      </a:solidFill>
+                      <a:prstDash val="solid"/>
+                      <a:round/>
+                      <a:headEnd type="none" w="med" len="med"/>
+                      <a:tailEnd type="none" w="med" len="med"/>
+                    </a:lnT>
+                    <a:lnB w="12700" cap="flat" cmpd="sng" algn="ctr">
+                      <a:solidFill>
+                        <a:schemeClr val="tx1"/>
+                      </a:solidFill>
+                      <a:prstDash val="solid"/>
+                      <a:round/>
+                      <a:headEnd type="none" w="med" len="med"/>
+                      <a:tailEnd type="none" w="med" len="med"/>
+                    </a:lnB>
+                    <a:solidFill>
+                      <a:schemeClr val="bg1"/>
+                    </a:solidFill>
+                  </a:tcPr>
+                </a:tc>
+                <a:tc>
+                  <a:txBody>
+                    <a:bodyPr/>
+                    <a:lstStyle/>
+                    <a:p>
+                      <a:pPr algn="r" fontAlgn="ctr"/>
+                      <a:r>
+                        <a:rPr lang="pt-BR" sz="1800" u="none" strike="noStrike" dirty="0">
+                          <a:effectLst/>
+                        </a:rPr>
+                        <a:t>36</a:t>
+                      </a:r>
+                      <a:endParaRPr lang="pt-BR" sz="1800" b="0" i="0" u="none" strike="noStrike" dirty="0">
+                        <a:solidFill>
+                          <a:srgbClr val="000000"/>
+                        </a:solidFill>
+                        <a:effectLst/>
+                        <a:latin typeface="Calibri" panose="020F0502020204030204" pitchFamily="34" charset="0"/>
+                      </a:endParaRPr>
+                    </a:p>
+                  </a:txBody>
+                  <a:tcPr marL="7620" marR="7620" marT="7620" marB="0" anchor="ctr">
+                    <a:lnL w="12700" cap="flat" cmpd="sng" algn="ctr">
+                      <a:solidFill>
+                        <a:schemeClr val="tx1"/>
+                      </a:solidFill>
+                      <a:prstDash val="solid"/>
+                      <a:round/>
+                      <a:headEnd type="none" w="med" len="med"/>
+                      <a:tailEnd type="none" w="med" len="med"/>
+                    </a:lnL>
+                    <a:lnR w="12700" cap="flat" cmpd="sng" algn="ctr">
+                      <a:solidFill>
+                        <a:schemeClr val="tx1"/>
+                      </a:solidFill>
+                      <a:prstDash val="solid"/>
+                      <a:round/>
+                      <a:headEnd type="none" w="med" len="med"/>
+                      <a:tailEnd type="none" w="med" len="med"/>
+                    </a:lnR>
+                    <a:lnT w="12700" cap="flat" cmpd="sng" algn="ctr">
+                      <a:solidFill>
+                        <a:schemeClr val="tx1"/>
+                      </a:solidFill>
+                      <a:prstDash val="solid"/>
+                      <a:round/>
+                      <a:headEnd type="none" w="med" len="med"/>
+                      <a:tailEnd type="none" w="med" len="med"/>
+                    </a:lnT>
+                    <a:lnB w="12700" cap="flat" cmpd="sng" algn="ctr">
+                      <a:solidFill>
+                        <a:schemeClr val="tx1"/>
+                      </a:solidFill>
+                      <a:prstDash val="solid"/>
+                      <a:round/>
+                      <a:headEnd type="none" w="med" len="med"/>
+                      <a:tailEnd type="none" w="med" len="med"/>
+                    </a:lnB>
+                    <a:solidFill>
+                      <a:schemeClr val="bg1"/>
+                    </a:solidFill>
+                  </a:tcPr>
+                </a:tc>
+                <a:extLst>
+                  <a:ext uri="{0D108BD9-81ED-4DB2-BD59-A6C34878D82A}">
+                    <a16:rowId xmlns:a16="http://schemas.microsoft.com/office/drawing/2014/main" val="3639237385"/>
+                  </a:ext>
+                </a:extLst>
+              </a:tr>
+              <a:tr h="182880">
+                <a:tc vMerge="1">
+                  <a:txBody>
+                    <a:bodyPr/>
+                    <a:lstStyle/>
+                    <a:p>
+                      <a:endParaRPr lang="pt-BR"/>
+                    </a:p>
+                  </a:txBody>
+                  <a:tcPr/>
+                </a:tc>
+                <a:tc>
+                  <a:txBody>
+                    <a:bodyPr/>
+                    <a:lstStyle/>
+                    <a:p>
+                      <a:pPr algn="l" fontAlgn="ctr"/>
+                      <a:r>
+                        <a:rPr lang="pt-BR" sz="1800" u="none" strike="noStrike">
+                          <a:effectLst/>
+                        </a:rPr>
+                        <a:t>output</a:t>
+                      </a:r>
+                      <a:endParaRPr lang="pt-BR" sz="1800" b="0" i="0" u="none" strike="noStrike">
+                        <a:solidFill>
+                          <a:srgbClr val="000000"/>
+                        </a:solidFill>
+                        <a:effectLst/>
+                        <a:latin typeface="Calibri" panose="020F0502020204030204" pitchFamily="34" charset="0"/>
+                      </a:endParaRPr>
+                    </a:p>
+                  </a:txBody>
+                  <a:tcPr marL="7620" marR="7620" marT="7620" marB="0" anchor="ctr">
+                    <a:lnL w="12700" cap="flat" cmpd="sng" algn="ctr">
+                      <a:solidFill>
+                        <a:schemeClr val="tx1"/>
+                      </a:solidFill>
+                      <a:prstDash val="solid"/>
+                      <a:round/>
+                      <a:headEnd type="none" w="med" len="med"/>
+                      <a:tailEnd type="none" w="med" len="med"/>
+                    </a:lnL>
+                    <a:lnR w="12700" cap="flat" cmpd="sng" algn="ctr">
+                      <a:solidFill>
+                        <a:schemeClr val="tx1"/>
+                      </a:solidFill>
+                      <a:prstDash val="solid"/>
+                      <a:round/>
+                      <a:headEnd type="none" w="med" len="med"/>
+                      <a:tailEnd type="none" w="med" len="med"/>
+                    </a:lnR>
+                    <a:lnT w="12700" cap="flat" cmpd="sng" algn="ctr">
+                      <a:solidFill>
+                        <a:schemeClr val="tx1"/>
+                      </a:solidFill>
+                      <a:prstDash val="solid"/>
+                      <a:round/>
+                      <a:headEnd type="none" w="med" len="med"/>
+                      <a:tailEnd type="none" w="med" len="med"/>
+                    </a:lnT>
+                    <a:lnB w="12700" cap="flat" cmpd="sng" algn="ctr">
+                      <a:solidFill>
+                        <a:schemeClr val="tx1"/>
+                      </a:solidFill>
+                      <a:prstDash val="solid"/>
+                      <a:round/>
+                      <a:headEnd type="none" w="med" len="med"/>
+                      <a:tailEnd type="none" w="med" len="med"/>
+                    </a:lnB>
+                    <a:solidFill>
+                      <a:schemeClr val="bg1"/>
+                    </a:solidFill>
+                  </a:tcPr>
+                </a:tc>
+                <a:tc>
+                  <a:txBody>
+                    <a:bodyPr/>
+                    <a:lstStyle/>
+                    <a:p>
+                      <a:pPr algn="r" fontAlgn="ctr"/>
+                      <a:r>
+                        <a:rPr lang="pt-BR" sz="1800" u="none" strike="noStrike" dirty="0">
+                          <a:effectLst/>
+                        </a:rPr>
+                        <a:t>1</a:t>
+                      </a:r>
+                      <a:endParaRPr lang="pt-BR" sz="1800" b="0" i="0" u="none" strike="noStrike" dirty="0">
                         <a:solidFill>
                           <a:srgbClr val="000000"/>
                         </a:solidFill>
@@ -14405,6 +17083,25 @@
             </a:r>
           </a:p>
           <a:p>
+            <a:pPr lvl="1"/>
+            <a:r>
+              <a:rPr lang="pt-BR" sz="1800" dirty="0" err="1">
+                <a:solidFill>
+                  <a:srgbClr val="FF0000"/>
+                </a:solidFill>
+              </a:rPr>
+              <a:t>pool_size</a:t>
+            </a:r>
+            <a:r>
+              <a:rPr lang="pt-BR" sz="1800" dirty="0">
+                <a:solidFill>
+                  <a:srgbClr val="FF0000"/>
+                </a:solidFill>
+              </a:rPr>
+              <a:t> = 2</a:t>
+            </a:r>
+          </a:p>
+          <a:p>
             <a:pPr marL="0" indent="0">
               <a:buNone/>
             </a:pPr>
@@ -14655,10 +17352,10 @@
       </p:sp>
       <p:graphicFrame>
         <p:nvGraphicFramePr>
-          <p:cNvPr id="9" name="Tabela 8">
+          <p:cNvPr id="10" name="Tabela 9">
             <a:extLst>
               <a:ext uri="{FF2B5EF4-FFF2-40B4-BE49-F238E27FC236}">
-                <a16:creationId xmlns:a16="http://schemas.microsoft.com/office/drawing/2014/main" id="{89AA3C16-A023-420D-883F-BA5DA2E9D04C}"/>
+                <a16:creationId xmlns:a16="http://schemas.microsoft.com/office/drawing/2014/main" id="{1F622ECD-561B-41EC-BF6E-39F53EE8A691}"/>
               </a:ext>
             </a:extLst>
           </p:cNvPr>
@@ -14668,2636 +17365,13 @@
           <p:nvPr>
             <p:extLst>
               <p:ext uri="{D42A27DB-BD31-4B8C-83A1-F6EECF244321}">
-                <p14:modId xmlns:p14="http://schemas.microsoft.com/office/powerpoint/2010/main" val="3639122556"/>
+                <p14:modId xmlns:p14="http://schemas.microsoft.com/office/powerpoint/2010/main" val="1382175167"/>
               </p:ext>
             </p:extLst>
           </p:nvPr>
         </p:nvGraphicFramePr>
         <p:xfrm>
-          <a:off x="601885" y="3977218"/>
-          <a:ext cx="5092859" cy="746760"/>
-        </p:xfrm>
-        <a:graphic>
-          <a:graphicData uri="http://schemas.openxmlformats.org/drawingml/2006/table">
-            <a:tbl>
-              <a:tblPr>
-                <a:tableStyleId>{5C22544A-7EE6-4342-B048-85BDC9FD1C3A}</a:tableStyleId>
-              </a:tblPr>
-              <a:tblGrid>
-                <a:gridCol w="2056123">
-                  <a:extLst>
-                    <a:ext uri="{9D8B030D-6E8A-4147-A177-3AD203B41FA5}">
-                      <a16:colId xmlns:a16="http://schemas.microsoft.com/office/drawing/2014/main" val="378260509"/>
-                    </a:ext>
-                  </a:extLst>
-                </a:gridCol>
-                <a:gridCol w="1518368">
-                  <a:extLst>
-                    <a:ext uri="{9D8B030D-6E8A-4147-A177-3AD203B41FA5}">
-                      <a16:colId xmlns:a16="http://schemas.microsoft.com/office/drawing/2014/main" val="2475124851"/>
-                    </a:ext>
-                  </a:extLst>
-                </a:gridCol>
-                <a:gridCol w="1518368">
-                  <a:extLst>
-                    <a:ext uri="{9D8B030D-6E8A-4147-A177-3AD203B41FA5}">
-                      <a16:colId xmlns:a16="http://schemas.microsoft.com/office/drawing/2014/main" val="311985919"/>
-                    </a:ext>
-                  </a:extLst>
-                </a:gridCol>
-              </a:tblGrid>
-              <a:tr h="321845">
-                <a:tc rowSpan="2">
-                  <a:txBody>
-                    <a:bodyPr/>
-                    <a:lstStyle/>
-                    <a:p>
-                      <a:pPr algn="ctr" fontAlgn="ctr"/>
-                      <a:r>
-                        <a:rPr lang="pt-BR" sz="2400" b="0" i="0" u="none" strike="noStrike" dirty="0">
-                          <a:solidFill>
-                            <a:srgbClr val="000000"/>
-                          </a:solidFill>
-                          <a:effectLst/>
-                          <a:latin typeface="Calibri" panose="020F0502020204030204" pitchFamily="34" charset="0"/>
-                        </a:rPr>
-                        <a:t>conv1D</a:t>
-                      </a:r>
-                    </a:p>
-                  </a:txBody>
-                  <a:tcPr marL="7620" marR="7620" marT="7620" marB="0" anchor="ctr">
-                    <a:lnL w="12700" cap="flat" cmpd="sng" algn="ctr">
-                      <a:solidFill>
-                        <a:schemeClr val="tx1"/>
-                      </a:solidFill>
-                      <a:prstDash val="solid"/>
-                      <a:round/>
-                      <a:headEnd type="none" w="med" len="med"/>
-                      <a:tailEnd type="none" w="med" len="med"/>
-                    </a:lnL>
-                    <a:lnR w="12700" cap="flat" cmpd="sng" algn="ctr">
-                      <a:solidFill>
-                        <a:schemeClr val="tx1"/>
-                      </a:solidFill>
-                      <a:prstDash val="solid"/>
-                      <a:round/>
-                      <a:headEnd type="none" w="med" len="med"/>
-                      <a:tailEnd type="none" w="med" len="med"/>
-                    </a:lnR>
-                    <a:lnT w="12700" cap="flat" cmpd="sng" algn="ctr">
-                      <a:solidFill>
-                        <a:schemeClr val="tx1"/>
-                      </a:solidFill>
-                      <a:prstDash val="solid"/>
-                      <a:round/>
-                      <a:headEnd type="none" w="med" len="med"/>
-                      <a:tailEnd type="none" w="med" len="med"/>
-                    </a:lnT>
-                    <a:lnB w="12700" cap="flat" cmpd="sng" algn="ctr">
-                      <a:solidFill>
-                        <a:schemeClr val="tx1"/>
-                      </a:solidFill>
-                      <a:prstDash val="solid"/>
-                      <a:round/>
-                      <a:headEnd type="none" w="med" len="med"/>
-                      <a:tailEnd type="none" w="med" len="med"/>
-                    </a:lnB>
-                    <a:lnTlToBr w="12700" cmpd="sng">
-                      <a:noFill/>
-                      <a:prstDash val="solid"/>
-                    </a:lnTlToBr>
-                    <a:lnBlToTr w="12700" cmpd="sng">
-                      <a:noFill/>
-                      <a:prstDash val="solid"/>
-                    </a:lnBlToTr>
-                    <a:solidFill>
-                      <a:schemeClr val="bg1"/>
-                    </a:solidFill>
-                  </a:tcPr>
-                </a:tc>
-                <a:tc>
-                  <a:txBody>
-                    <a:bodyPr/>
-                    <a:lstStyle/>
-                    <a:p>
-                      <a:pPr algn="l" fontAlgn="ctr"/>
-                      <a:r>
-                        <a:rPr lang="pt-BR" sz="2400" u="none" strike="noStrike" dirty="0">
-                          <a:effectLst/>
-                        </a:rPr>
-                        <a:t>input</a:t>
-                      </a:r>
-                      <a:endParaRPr lang="pt-BR" sz="2400" b="0" i="0" u="none" strike="noStrike" dirty="0">
-                        <a:solidFill>
-                          <a:srgbClr val="000000"/>
-                        </a:solidFill>
-                        <a:effectLst/>
-                        <a:latin typeface="Calibri" panose="020F0502020204030204" pitchFamily="34" charset="0"/>
-                      </a:endParaRPr>
-                    </a:p>
-                  </a:txBody>
-                  <a:tcPr marL="7620" marR="7620" marT="7620" marB="0" anchor="ctr">
-                    <a:lnL w="12700" cap="flat" cmpd="sng" algn="ctr">
-                      <a:solidFill>
-                        <a:schemeClr val="tx1"/>
-                      </a:solidFill>
-                      <a:prstDash val="solid"/>
-                      <a:round/>
-                      <a:headEnd type="none" w="med" len="med"/>
-                      <a:tailEnd type="none" w="med" len="med"/>
-                    </a:lnL>
-                    <a:lnR w="12700" cap="flat" cmpd="sng" algn="ctr">
-                      <a:solidFill>
-                        <a:schemeClr val="tx1"/>
-                      </a:solidFill>
-                      <a:prstDash val="solid"/>
-                      <a:round/>
-                      <a:headEnd type="none" w="med" len="med"/>
-                      <a:tailEnd type="none" w="med" len="med"/>
-                    </a:lnR>
-                    <a:lnT w="12700" cap="flat" cmpd="sng" algn="ctr">
-                      <a:solidFill>
-                        <a:schemeClr val="tx1"/>
-                      </a:solidFill>
-                      <a:prstDash val="solid"/>
-                      <a:round/>
-                      <a:headEnd type="none" w="med" len="med"/>
-                      <a:tailEnd type="none" w="med" len="med"/>
-                    </a:lnT>
-                    <a:lnB w="12700" cap="flat" cmpd="sng" algn="ctr">
-                      <a:solidFill>
-                        <a:schemeClr val="tx1"/>
-                      </a:solidFill>
-                      <a:prstDash val="solid"/>
-                      <a:round/>
-                      <a:headEnd type="none" w="med" len="med"/>
-                      <a:tailEnd type="none" w="med" len="med"/>
-                    </a:lnB>
-                    <a:lnTlToBr w="12700" cmpd="sng">
-                      <a:noFill/>
-                      <a:prstDash val="solid"/>
-                    </a:lnTlToBr>
-                    <a:lnBlToTr w="12700" cmpd="sng">
-                      <a:noFill/>
-                      <a:prstDash val="solid"/>
-                    </a:lnBlToTr>
-                    <a:solidFill>
-                      <a:schemeClr val="bg1"/>
-                    </a:solidFill>
-                  </a:tcPr>
-                </a:tc>
-                <a:tc>
-                  <a:txBody>
-                    <a:bodyPr/>
-                    <a:lstStyle/>
-                    <a:p>
-                      <a:pPr algn="r" fontAlgn="ctr"/>
-                      <a:r>
-                        <a:rPr lang="pt-BR" sz="2400" u="none" strike="noStrike" dirty="0">
-                          <a:effectLst/>
-                        </a:rPr>
-                        <a:t>36, 1</a:t>
-                      </a:r>
-                      <a:endParaRPr lang="pt-BR" sz="2400" b="0" i="0" u="none" strike="noStrike" dirty="0">
-                        <a:solidFill>
-                          <a:srgbClr val="000000"/>
-                        </a:solidFill>
-                        <a:effectLst/>
-                        <a:latin typeface="Calibri" panose="020F0502020204030204" pitchFamily="34" charset="0"/>
-                      </a:endParaRPr>
-                    </a:p>
-                  </a:txBody>
-                  <a:tcPr marL="7620" marR="7620" marT="7620" marB="0" anchor="ctr">
-                    <a:lnL w="12700" cap="flat" cmpd="sng" algn="ctr">
-                      <a:solidFill>
-                        <a:schemeClr val="tx1"/>
-                      </a:solidFill>
-                      <a:prstDash val="solid"/>
-                      <a:round/>
-                      <a:headEnd type="none" w="med" len="med"/>
-                      <a:tailEnd type="none" w="med" len="med"/>
-                    </a:lnL>
-                    <a:lnR w="12700" cap="flat" cmpd="sng" algn="ctr">
-                      <a:solidFill>
-                        <a:schemeClr val="tx1"/>
-                      </a:solidFill>
-                      <a:prstDash val="solid"/>
-                      <a:round/>
-                      <a:headEnd type="none" w="med" len="med"/>
-                      <a:tailEnd type="none" w="med" len="med"/>
-                    </a:lnR>
-                    <a:lnT w="12700" cap="flat" cmpd="sng" algn="ctr">
-                      <a:solidFill>
-                        <a:schemeClr val="tx1"/>
-                      </a:solidFill>
-                      <a:prstDash val="solid"/>
-                      <a:round/>
-                      <a:headEnd type="none" w="med" len="med"/>
-                      <a:tailEnd type="none" w="med" len="med"/>
-                    </a:lnT>
-                    <a:lnB w="12700" cap="flat" cmpd="sng" algn="ctr">
-                      <a:solidFill>
-                        <a:schemeClr val="tx1"/>
-                      </a:solidFill>
-                      <a:prstDash val="solid"/>
-                      <a:round/>
-                      <a:headEnd type="none" w="med" len="med"/>
-                      <a:tailEnd type="none" w="med" len="med"/>
-                    </a:lnB>
-                    <a:lnTlToBr w="12700" cmpd="sng">
-                      <a:noFill/>
-                      <a:prstDash val="solid"/>
-                    </a:lnTlToBr>
-                    <a:lnBlToTr w="12700" cmpd="sng">
-                      <a:noFill/>
-                      <a:prstDash val="solid"/>
-                    </a:lnBlToTr>
-                    <a:solidFill>
-                      <a:schemeClr val="bg1"/>
-                    </a:solidFill>
-                  </a:tcPr>
-                </a:tc>
-                <a:extLst>
-                  <a:ext uri="{0D108BD9-81ED-4DB2-BD59-A6C34878D82A}">
-                    <a16:rowId xmlns:a16="http://schemas.microsoft.com/office/drawing/2014/main" val="1251263919"/>
-                  </a:ext>
-                </a:extLst>
-              </a:tr>
-              <a:tr h="182880">
-                <a:tc vMerge="1">
-                  <a:txBody>
-                    <a:bodyPr/>
-                    <a:lstStyle/>
-                    <a:p>
-                      <a:endParaRPr lang="pt-BR"/>
-                    </a:p>
-                  </a:txBody>
-                  <a:tcPr/>
-                </a:tc>
-                <a:tc>
-                  <a:txBody>
-                    <a:bodyPr/>
-                    <a:lstStyle/>
-                    <a:p>
-                      <a:pPr algn="l" fontAlgn="ctr"/>
-                      <a:r>
-                        <a:rPr lang="pt-BR" sz="2400" u="none" strike="noStrike" dirty="0">
-                          <a:effectLst/>
-                        </a:rPr>
-                        <a:t>output</a:t>
-                      </a:r>
-                      <a:endParaRPr lang="pt-BR" sz="2400" b="0" i="0" u="none" strike="noStrike" dirty="0">
-                        <a:solidFill>
-                          <a:srgbClr val="000000"/>
-                        </a:solidFill>
-                        <a:effectLst/>
-                        <a:latin typeface="Calibri" panose="020F0502020204030204" pitchFamily="34" charset="0"/>
-                      </a:endParaRPr>
-                    </a:p>
-                  </a:txBody>
-                  <a:tcPr marL="7620" marR="7620" marT="7620" marB="0" anchor="ctr">
-                    <a:lnL w="12700" cap="flat" cmpd="sng" algn="ctr">
-                      <a:solidFill>
-                        <a:schemeClr val="tx1"/>
-                      </a:solidFill>
-                      <a:prstDash val="solid"/>
-                      <a:round/>
-                      <a:headEnd type="none" w="med" len="med"/>
-                      <a:tailEnd type="none" w="med" len="med"/>
-                    </a:lnL>
-                    <a:lnR w="12700" cap="flat" cmpd="sng" algn="ctr">
-                      <a:solidFill>
-                        <a:schemeClr val="tx1"/>
-                      </a:solidFill>
-                      <a:prstDash val="solid"/>
-                      <a:round/>
-                      <a:headEnd type="none" w="med" len="med"/>
-                      <a:tailEnd type="none" w="med" len="med"/>
-                    </a:lnR>
-                    <a:lnT w="12700" cap="flat" cmpd="sng" algn="ctr">
-                      <a:solidFill>
-                        <a:schemeClr val="tx1"/>
-                      </a:solidFill>
-                      <a:prstDash val="solid"/>
-                      <a:round/>
-                      <a:headEnd type="none" w="med" len="med"/>
-                      <a:tailEnd type="none" w="med" len="med"/>
-                    </a:lnT>
-                    <a:lnB w="12700" cap="flat" cmpd="sng" algn="ctr">
-                      <a:solidFill>
-                        <a:schemeClr val="tx1"/>
-                      </a:solidFill>
-                      <a:prstDash val="solid"/>
-                      <a:round/>
-                      <a:headEnd type="none" w="med" len="med"/>
-                      <a:tailEnd type="none" w="med" len="med"/>
-                    </a:lnB>
-                    <a:lnTlToBr w="12700" cmpd="sng">
-                      <a:noFill/>
-                      <a:prstDash val="solid"/>
-                    </a:lnTlToBr>
-                    <a:lnBlToTr w="12700" cmpd="sng">
-                      <a:noFill/>
-                      <a:prstDash val="solid"/>
-                    </a:lnBlToTr>
-                    <a:solidFill>
-                      <a:schemeClr val="bg1"/>
-                    </a:solidFill>
-                  </a:tcPr>
-                </a:tc>
-                <a:tc>
-                  <a:txBody>
-                    <a:bodyPr/>
-                    <a:lstStyle/>
-                    <a:p>
-                      <a:pPr algn="r" fontAlgn="ctr"/>
-                      <a:r>
-                        <a:rPr lang="pt-BR" sz="2400" u="none" strike="noStrike" dirty="0">
-                          <a:effectLst/>
-                        </a:rPr>
-                        <a:t>36, 24</a:t>
-                      </a:r>
-                      <a:endParaRPr lang="pt-BR" sz="2400" b="0" i="0" u="none" strike="noStrike" dirty="0">
-                        <a:solidFill>
-                          <a:srgbClr val="000000"/>
-                        </a:solidFill>
-                        <a:effectLst/>
-                        <a:latin typeface="Calibri" panose="020F0502020204030204" pitchFamily="34" charset="0"/>
-                      </a:endParaRPr>
-                    </a:p>
-                  </a:txBody>
-                  <a:tcPr marL="7620" marR="7620" marT="7620" marB="0" anchor="ctr">
-                    <a:lnL w="12700" cap="flat" cmpd="sng" algn="ctr">
-                      <a:solidFill>
-                        <a:schemeClr val="tx1"/>
-                      </a:solidFill>
-                      <a:prstDash val="solid"/>
-                      <a:round/>
-                      <a:headEnd type="none" w="med" len="med"/>
-                      <a:tailEnd type="none" w="med" len="med"/>
-                    </a:lnL>
-                    <a:lnR w="12700" cap="flat" cmpd="sng" algn="ctr">
-                      <a:solidFill>
-                        <a:schemeClr val="tx1"/>
-                      </a:solidFill>
-                      <a:prstDash val="solid"/>
-                      <a:round/>
-                      <a:headEnd type="none" w="med" len="med"/>
-                      <a:tailEnd type="none" w="med" len="med"/>
-                    </a:lnR>
-                    <a:lnT w="12700" cap="flat" cmpd="sng" algn="ctr">
-                      <a:solidFill>
-                        <a:schemeClr val="tx1"/>
-                      </a:solidFill>
-                      <a:prstDash val="solid"/>
-                      <a:round/>
-                      <a:headEnd type="none" w="med" len="med"/>
-                      <a:tailEnd type="none" w="med" len="med"/>
-                    </a:lnT>
-                    <a:lnB w="12700" cap="flat" cmpd="sng" algn="ctr">
-                      <a:solidFill>
-                        <a:schemeClr val="tx1"/>
-                      </a:solidFill>
-                      <a:prstDash val="solid"/>
-                      <a:round/>
-                      <a:headEnd type="none" w="med" len="med"/>
-                      <a:tailEnd type="none" w="med" len="med"/>
-                    </a:lnB>
-                    <a:lnTlToBr w="12700" cmpd="sng">
-                      <a:noFill/>
-                      <a:prstDash val="solid"/>
-                    </a:lnTlToBr>
-                    <a:lnBlToTr w="12700" cmpd="sng">
-                      <a:noFill/>
-                      <a:prstDash val="solid"/>
-                    </a:lnBlToTr>
-                    <a:solidFill>
-                      <a:schemeClr val="bg1"/>
-                    </a:solidFill>
-                  </a:tcPr>
-                </a:tc>
-                <a:extLst>
-                  <a:ext uri="{0D108BD9-81ED-4DB2-BD59-A6C34878D82A}">
-                    <a16:rowId xmlns:a16="http://schemas.microsoft.com/office/drawing/2014/main" val="494127702"/>
-                  </a:ext>
-                </a:extLst>
-              </a:tr>
-            </a:tbl>
-          </a:graphicData>
-        </a:graphic>
-      </p:graphicFrame>
-    </p:spTree>
-    <p:extLst>
-      <p:ext uri="{BB962C8B-B14F-4D97-AF65-F5344CB8AC3E}">
-        <p14:creationId xmlns:p14="http://schemas.microsoft.com/office/powerpoint/2010/main" val="3280707265"/>
-      </p:ext>
-    </p:extLst>
-  </p:cSld>
-  <p:clrMapOvr>
-    <a:masterClrMapping/>
-  </p:clrMapOvr>
-</p:sld>
-</file>
-
-<file path=ppt/slides/slide17.xml><?xml version="1.0" encoding="utf-8"?>
-<p:sld xmlns:a="http://schemas.openxmlformats.org/drawingml/2006/main" xmlns:r="http://schemas.openxmlformats.org/officeDocument/2006/relationships" xmlns:p="http://schemas.openxmlformats.org/presentationml/2006/main">
-  <p:cSld>
-    <p:spTree>
-      <p:nvGrpSpPr>
-        <p:cNvPr id="1" name=""/>
-        <p:cNvGrpSpPr/>
-        <p:nvPr/>
-      </p:nvGrpSpPr>
-      <p:grpSpPr>
-        <a:xfrm>
-          <a:off x="0" y="0"/>
-          <a:ext cx="0" cy="0"/>
-          <a:chOff x="0" y="0"/>
-          <a:chExt cx="0" cy="0"/>
-        </a:xfrm>
-      </p:grpSpPr>
-      <p:sp>
-        <p:nvSpPr>
-          <p:cNvPr id="2" name="Título 1">
-            <a:extLst>
-              <a:ext uri="{FF2B5EF4-FFF2-40B4-BE49-F238E27FC236}">
-                <a16:creationId xmlns:a16="http://schemas.microsoft.com/office/drawing/2014/main" id="{0B83B335-4EF5-4D04-831B-B3A624A54A92}"/>
-              </a:ext>
-            </a:extLst>
-          </p:cNvPr>
-          <p:cNvSpPr>
-            <a:spLocks noGrp="1"/>
-          </p:cNvSpPr>
-          <p:nvPr>
-            <p:ph type="title"/>
-          </p:nvPr>
-        </p:nvSpPr>
-        <p:spPr/>
-        <p:txBody>
-          <a:bodyPr/>
-          <a:lstStyle/>
-          <a:p>
-            <a:r>
-              <a:rPr lang="pt-BR" dirty="0"/>
-              <a:t>Modelagem dos dados - NPCNN</a:t>
-            </a:r>
-          </a:p>
-        </p:txBody>
-      </p:sp>
-      <p:sp>
-        <p:nvSpPr>
-          <p:cNvPr id="4" name="Espaço Reservado para Conteúdo 3">
-            <a:extLst>
-              <a:ext uri="{FF2B5EF4-FFF2-40B4-BE49-F238E27FC236}">
-                <a16:creationId xmlns:a16="http://schemas.microsoft.com/office/drawing/2014/main" id="{57E42BC7-4896-4EDD-B13F-5F7F8E81F112}"/>
-              </a:ext>
-            </a:extLst>
-          </p:cNvPr>
-          <p:cNvSpPr>
-            <a:spLocks noGrp="1"/>
-          </p:cNvSpPr>
-          <p:nvPr>
-            <p:ph sz="half" idx="2"/>
-          </p:nvPr>
-        </p:nvSpPr>
-        <p:spPr>
-          <a:xfrm>
-            <a:off x="8445481" y="2228002"/>
-            <a:ext cx="5422392" cy="3633047"/>
-          </a:xfrm>
-        </p:spPr>
-        <p:txBody>
-          <a:bodyPr>
-            <a:normAutofit/>
-          </a:bodyPr>
-          <a:lstStyle/>
-          <a:p>
-            <a:r>
-              <a:rPr lang="pt-BR" sz="2800" dirty="0"/>
-              <a:t>Teste</a:t>
-            </a:r>
-          </a:p>
-          <a:p>
-            <a:pPr lvl="1"/>
-            <a:r>
-              <a:rPr lang="pt-BR" sz="2600" dirty="0"/>
-              <a:t>R-</a:t>
-            </a:r>
-            <a:r>
-              <a:rPr lang="pt-BR" sz="2600" dirty="0" err="1"/>
-              <a:t>squared</a:t>
-            </a:r>
-            <a:r>
-              <a:rPr lang="pt-BR" sz="2600" dirty="0"/>
-              <a:t> = 0,98</a:t>
-            </a:r>
-          </a:p>
-        </p:txBody>
-      </p:sp>
-      <p:pic>
-        <p:nvPicPr>
-          <p:cNvPr id="3" name="Imagem 2">
-            <a:extLst>
-              <a:ext uri="{FF2B5EF4-FFF2-40B4-BE49-F238E27FC236}">
-                <a16:creationId xmlns:a16="http://schemas.microsoft.com/office/drawing/2014/main" id="{C32FF1C6-DF1B-4A26-816E-5EBC7C210DF9}"/>
-              </a:ext>
-            </a:extLst>
-          </p:cNvPr>
-          <p:cNvPicPr>
-            <a:picLocks noChangeAspect="1"/>
-          </p:cNvPicPr>
-          <p:nvPr/>
-        </p:nvPicPr>
-        <p:blipFill>
-          <a:blip r:embed="rId2"/>
-          <a:stretch>
-            <a:fillRect/>
-          </a:stretch>
-        </p:blipFill>
-        <p:spPr>
-          <a:xfrm>
-            <a:off x="581193" y="2005584"/>
-            <a:ext cx="7430973" cy="4320060"/>
-          </a:xfrm>
-          <a:prstGeom prst="rect">
-            <a:avLst/>
-          </a:prstGeom>
-        </p:spPr>
-      </p:pic>
-    </p:spTree>
-    <p:extLst>
-      <p:ext uri="{BB962C8B-B14F-4D97-AF65-F5344CB8AC3E}">
-        <p14:creationId xmlns:p14="http://schemas.microsoft.com/office/powerpoint/2010/main" val="978260202"/>
-      </p:ext>
-    </p:extLst>
-  </p:cSld>
-  <p:clrMapOvr>
-    <a:masterClrMapping/>
-  </p:clrMapOvr>
-</p:sld>
-</file>
-
-<file path=ppt/slides/slide18.xml><?xml version="1.0" encoding="utf-8"?>
-<p:sld xmlns:a="http://schemas.openxmlformats.org/drawingml/2006/main" xmlns:r="http://schemas.openxmlformats.org/officeDocument/2006/relationships" xmlns:p="http://schemas.openxmlformats.org/presentationml/2006/main">
-  <p:cSld>
-    <p:spTree>
-      <p:nvGrpSpPr>
-        <p:cNvPr id="1" name=""/>
-        <p:cNvGrpSpPr/>
-        <p:nvPr/>
-      </p:nvGrpSpPr>
-      <p:grpSpPr>
-        <a:xfrm>
-          <a:off x="0" y="0"/>
-          <a:ext cx="0" cy="0"/>
-          <a:chOff x="0" y="0"/>
-          <a:chExt cx="0" cy="0"/>
-        </a:xfrm>
-      </p:grpSpPr>
-      <p:sp>
-        <p:nvSpPr>
-          <p:cNvPr id="2" name="Título 1">
-            <a:extLst>
-              <a:ext uri="{FF2B5EF4-FFF2-40B4-BE49-F238E27FC236}">
-                <a16:creationId xmlns:a16="http://schemas.microsoft.com/office/drawing/2014/main" id="{393F912F-D1F0-492B-9CEC-155F7E310980}"/>
-              </a:ext>
-            </a:extLst>
-          </p:cNvPr>
-          <p:cNvSpPr>
-            <a:spLocks noGrp="1"/>
-          </p:cNvSpPr>
-          <p:nvPr>
-            <p:ph type="title"/>
-          </p:nvPr>
-        </p:nvSpPr>
-        <p:spPr/>
-        <p:txBody>
-          <a:bodyPr/>
-          <a:lstStyle/>
-          <a:p>
-            <a:r>
-              <a:rPr lang="pt-BR" dirty="0"/>
-              <a:t>Modelagem dos dados – </a:t>
-            </a:r>
-            <a:r>
-              <a:rPr lang="pt-BR" dirty="0" err="1"/>
-              <a:t>cNN</a:t>
-            </a:r>
-            <a:r>
-              <a:rPr lang="pt-BR" dirty="0"/>
-              <a:t> </a:t>
-            </a:r>
-          </a:p>
-        </p:txBody>
-      </p:sp>
-      <p:graphicFrame>
-        <p:nvGraphicFramePr>
-          <p:cNvPr id="7" name="Tabela 6">
-            <a:extLst>
-              <a:ext uri="{FF2B5EF4-FFF2-40B4-BE49-F238E27FC236}">
-                <a16:creationId xmlns:a16="http://schemas.microsoft.com/office/drawing/2014/main" id="{121A3AA0-063F-4AFB-BA3A-96AC49C9DA17}"/>
-              </a:ext>
-            </a:extLst>
-          </p:cNvPr>
-          <p:cNvGraphicFramePr>
-            <a:graphicFrameLocks noGrp="1"/>
-          </p:cNvGraphicFramePr>
-          <p:nvPr>
-            <p:extLst>
-              <p:ext uri="{D42A27DB-BD31-4B8C-83A1-F6EECF244321}">
-                <p14:modId xmlns:p14="http://schemas.microsoft.com/office/powerpoint/2010/main" val="3585295207"/>
-              </p:ext>
-            </p:extLst>
-          </p:nvPr>
-        </p:nvGraphicFramePr>
-        <p:xfrm>
-          <a:off x="581193" y="2641409"/>
-          <a:ext cx="5092859" cy="845820"/>
-        </p:xfrm>
-        <a:graphic>
-          <a:graphicData uri="http://schemas.openxmlformats.org/drawingml/2006/table">
-            <a:tbl>
-              <a:tblPr>
-                <a:tableStyleId>{5C22544A-7EE6-4342-B048-85BDC9FD1C3A}</a:tableStyleId>
-              </a:tblPr>
-              <a:tblGrid>
-                <a:gridCol w="2056123">
-                  <a:extLst>
-                    <a:ext uri="{9D8B030D-6E8A-4147-A177-3AD203B41FA5}">
-                      <a16:colId xmlns:a16="http://schemas.microsoft.com/office/drawing/2014/main" val="378260509"/>
-                    </a:ext>
-                  </a:extLst>
-                </a:gridCol>
-                <a:gridCol w="1518368">
-                  <a:extLst>
-                    <a:ext uri="{9D8B030D-6E8A-4147-A177-3AD203B41FA5}">
-                      <a16:colId xmlns:a16="http://schemas.microsoft.com/office/drawing/2014/main" val="2475124851"/>
-                    </a:ext>
-                  </a:extLst>
-                </a:gridCol>
-                <a:gridCol w="1518368">
-                  <a:extLst>
-                    <a:ext uri="{9D8B030D-6E8A-4147-A177-3AD203B41FA5}">
-                      <a16:colId xmlns:a16="http://schemas.microsoft.com/office/drawing/2014/main" val="311985919"/>
-                    </a:ext>
-                  </a:extLst>
-                </a:gridCol>
-              </a:tblGrid>
-              <a:tr h="182880">
-                <a:tc gridSpan="2">
-                  <a:txBody>
-                    <a:bodyPr/>
-                    <a:lstStyle/>
-                    <a:p>
-                      <a:pPr algn="ctr" fontAlgn="ctr"/>
-                      <a:endParaRPr lang="pt-BR" sz="1800" b="0" i="0" u="none" strike="noStrike" dirty="0">
-                        <a:solidFill>
-                          <a:srgbClr val="000000"/>
-                        </a:solidFill>
-                        <a:effectLst/>
-                        <a:latin typeface="Calibri" panose="020F0502020204030204" pitchFamily="34" charset="0"/>
-                      </a:endParaRPr>
-                    </a:p>
-                  </a:txBody>
-                  <a:tcPr marL="7620" marR="7620" marT="7620" marB="0" anchor="ctr">
-                    <a:lnL w="12700" cap="flat" cmpd="sng" algn="ctr">
-                      <a:solidFill>
-                        <a:schemeClr val="tx1"/>
-                      </a:solidFill>
-                      <a:prstDash val="solid"/>
-                      <a:round/>
-                      <a:headEnd type="none" w="med" len="med"/>
-                      <a:tailEnd type="none" w="med" len="med"/>
-                    </a:lnL>
-                    <a:lnR w="12700" cap="flat" cmpd="sng" algn="ctr">
-                      <a:solidFill>
-                        <a:schemeClr val="tx1"/>
-                      </a:solidFill>
-                      <a:prstDash val="solid"/>
-                      <a:round/>
-                      <a:headEnd type="none" w="med" len="med"/>
-                      <a:tailEnd type="none" w="med" len="med"/>
-                    </a:lnR>
-                    <a:lnT w="12700" cap="flat" cmpd="sng" algn="ctr">
-                      <a:solidFill>
-                        <a:schemeClr val="tx1"/>
-                      </a:solidFill>
-                      <a:prstDash val="solid"/>
-                      <a:round/>
-                      <a:headEnd type="none" w="med" len="med"/>
-                      <a:tailEnd type="none" w="med" len="med"/>
-                    </a:lnT>
-                    <a:lnB w="12700" cap="flat" cmpd="sng" algn="ctr">
-                      <a:solidFill>
-                        <a:schemeClr val="tx1"/>
-                      </a:solidFill>
-                      <a:prstDash val="solid"/>
-                      <a:round/>
-                      <a:headEnd type="none" w="med" len="med"/>
-                      <a:tailEnd type="none" w="med" len="med"/>
-                    </a:lnB>
-                    <a:lnTlToBr w="12700" cmpd="sng">
-                      <a:noFill/>
-                      <a:prstDash val="solid"/>
-                    </a:lnTlToBr>
-                    <a:lnBlToTr w="12700" cmpd="sng">
-                      <a:noFill/>
-                      <a:prstDash val="solid"/>
-                    </a:lnBlToTr>
-                    <a:solidFill>
-                      <a:schemeClr val="bg1"/>
-                    </a:solidFill>
-                  </a:tcPr>
-                </a:tc>
-                <a:tc hMerge="1">
-                  <a:txBody>
-                    <a:bodyPr/>
-                    <a:lstStyle/>
-                    <a:p>
-                      <a:pPr algn="l" fontAlgn="ctr"/>
-                      <a:endParaRPr lang="pt-BR" sz="2400" b="0" i="0" u="none" strike="noStrike" dirty="0">
-                        <a:solidFill>
-                          <a:srgbClr val="000000"/>
-                        </a:solidFill>
-                        <a:effectLst/>
-                        <a:latin typeface="Calibri" panose="020F0502020204030204" pitchFamily="34" charset="0"/>
-                      </a:endParaRPr>
-                    </a:p>
-                  </a:txBody>
-                  <a:tcPr marL="7620" marR="7620" marT="7620" marB="0" anchor="ctr">
-                    <a:lnL w="12700" cap="flat" cmpd="sng" algn="ctr">
-                      <a:solidFill>
-                        <a:schemeClr val="tx1"/>
-                      </a:solidFill>
-                      <a:prstDash val="solid"/>
-                      <a:round/>
-                      <a:headEnd type="none" w="med" len="med"/>
-                      <a:tailEnd type="none" w="med" len="med"/>
-                    </a:lnL>
-                    <a:lnR w="12700" cap="flat" cmpd="sng" algn="ctr">
-                      <a:solidFill>
-                        <a:schemeClr val="tx1"/>
-                      </a:solidFill>
-                      <a:prstDash val="solid"/>
-                      <a:round/>
-                      <a:headEnd type="none" w="med" len="med"/>
-                      <a:tailEnd type="none" w="med" len="med"/>
-                    </a:lnR>
-                    <a:lnT w="12700" cap="flat" cmpd="sng" algn="ctr">
-                      <a:solidFill>
-                        <a:schemeClr val="tx1"/>
-                      </a:solidFill>
-                      <a:prstDash val="solid"/>
-                      <a:round/>
-                      <a:headEnd type="none" w="med" len="med"/>
-                      <a:tailEnd type="none" w="med" len="med"/>
-                    </a:lnT>
-                    <a:lnB w="12700" cap="flat" cmpd="sng" algn="ctr">
-                      <a:solidFill>
-                        <a:schemeClr val="tx1"/>
-                      </a:solidFill>
-                      <a:prstDash val="solid"/>
-                      <a:round/>
-                      <a:headEnd type="none" w="med" len="med"/>
-                      <a:tailEnd type="none" w="med" len="med"/>
-                    </a:lnB>
-                    <a:lnTlToBr w="12700" cmpd="sng">
-                      <a:noFill/>
-                      <a:prstDash val="solid"/>
-                    </a:lnTlToBr>
-                    <a:lnBlToTr w="12700" cmpd="sng">
-                      <a:noFill/>
-                      <a:prstDash val="solid"/>
-                    </a:lnBlToTr>
-                    <a:solidFill>
-                      <a:schemeClr val="bg1"/>
-                    </a:solidFill>
-                  </a:tcPr>
-                </a:tc>
-                <a:tc>
-                  <a:txBody>
-                    <a:bodyPr/>
-                    <a:lstStyle/>
-                    <a:p>
-                      <a:pPr algn="r" fontAlgn="ctr"/>
-                      <a:r>
-                        <a:rPr lang="pt-BR" sz="1200" b="0" i="0" u="none" strike="noStrike" dirty="0">
-                          <a:solidFill>
-                            <a:srgbClr val="000000"/>
-                          </a:solidFill>
-                          <a:effectLst/>
-                          <a:latin typeface="Calibri" panose="020F0502020204030204" pitchFamily="34" charset="0"/>
-                        </a:rPr>
-                        <a:t>Neurônios, filtros</a:t>
-                      </a:r>
-                    </a:p>
-                  </a:txBody>
-                  <a:tcPr marL="7620" marR="7620" marT="7620" marB="0" anchor="ctr">
-                    <a:lnL w="12700" cap="flat" cmpd="sng" algn="ctr">
-                      <a:solidFill>
-                        <a:schemeClr val="tx1"/>
-                      </a:solidFill>
-                      <a:prstDash val="solid"/>
-                      <a:round/>
-                      <a:headEnd type="none" w="med" len="med"/>
-                      <a:tailEnd type="none" w="med" len="med"/>
-                    </a:lnL>
-                    <a:lnR w="12700" cap="flat" cmpd="sng" algn="ctr">
-                      <a:solidFill>
-                        <a:schemeClr val="tx1"/>
-                      </a:solidFill>
-                      <a:prstDash val="solid"/>
-                      <a:round/>
-                      <a:headEnd type="none" w="med" len="med"/>
-                      <a:tailEnd type="none" w="med" len="med"/>
-                    </a:lnR>
-                    <a:lnT w="12700" cap="flat" cmpd="sng" algn="ctr">
-                      <a:solidFill>
-                        <a:schemeClr val="tx1"/>
-                      </a:solidFill>
-                      <a:prstDash val="solid"/>
-                      <a:round/>
-                      <a:headEnd type="none" w="med" len="med"/>
-                      <a:tailEnd type="none" w="med" len="med"/>
-                    </a:lnT>
-                    <a:lnB w="12700" cap="flat" cmpd="sng" algn="ctr">
-                      <a:solidFill>
-                        <a:schemeClr val="tx1"/>
-                      </a:solidFill>
-                      <a:prstDash val="solid"/>
-                      <a:round/>
-                      <a:headEnd type="none" w="med" len="med"/>
-                      <a:tailEnd type="none" w="med" len="med"/>
-                    </a:lnB>
-                    <a:lnTlToBr w="12700" cmpd="sng">
-                      <a:noFill/>
-                      <a:prstDash val="solid"/>
-                    </a:lnTlToBr>
-                    <a:lnBlToTr w="12700" cmpd="sng">
-                      <a:noFill/>
-                      <a:prstDash val="solid"/>
-                    </a:lnBlToTr>
-                    <a:solidFill>
-                      <a:schemeClr val="bg1"/>
-                    </a:solidFill>
-                  </a:tcPr>
-                </a:tc>
-                <a:extLst>
-                  <a:ext uri="{0D108BD9-81ED-4DB2-BD59-A6C34878D82A}">
-                    <a16:rowId xmlns:a16="http://schemas.microsoft.com/office/drawing/2014/main" val="3393166872"/>
-                  </a:ext>
-                </a:extLst>
-              </a:tr>
-              <a:tr h="182880">
-                <a:tc rowSpan="2">
-                  <a:txBody>
-                    <a:bodyPr/>
-                    <a:lstStyle/>
-                    <a:p>
-                      <a:pPr algn="ctr" fontAlgn="ctr"/>
-                      <a:r>
-                        <a:rPr lang="pt-BR" sz="1800" u="none" strike="noStrike" dirty="0">
-                          <a:effectLst/>
-                        </a:rPr>
-                        <a:t>dense1_Input</a:t>
-                      </a:r>
-                      <a:endParaRPr lang="pt-BR" sz="1800" b="0" i="0" u="none" strike="noStrike" dirty="0">
-                        <a:solidFill>
-                          <a:srgbClr val="000000"/>
-                        </a:solidFill>
-                        <a:effectLst/>
-                        <a:latin typeface="Calibri" panose="020F0502020204030204" pitchFamily="34" charset="0"/>
-                      </a:endParaRPr>
-                    </a:p>
-                  </a:txBody>
-                  <a:tcPr marL="7620" marR="7620" marT="7620" marB="0" anchor="ctr">
-                    <a:lnL w="12700" cap="flat" cmpd="sng" algn="ctr">
-                      <a:solidFill>
-                        <a:schemeClr val="tx1"/>
-                      </a:solidFill>
-                      <a:prstDash val="solid"/>
-                      <a:round/>
-                      <a:headEnd type="none" w="med" len="med"/>
-                      <a:tailEnd type="none" w="med" len="med"/>
-                    </a:lnL>
-                    <a:lnR w="12700" cap="flat" cmpd="sng" algn="ctr">
-                      <a:solidFill>
-                        <a:schemeClr val="tx1"/>
-                      </a:solidFill>
-                      <a:prstDash val="solid"/>
-                      <a:round/>
-                      <a:headEnd type="none" w="med" len="med"/>
-                      <a:tailEnd type="none" w="med" len="med"/>
-                    </a:lnR>
-                    <a:lnT w="12700" cap="flat" cmpd="sng" algn="ctr">
-                      <a:solidFill>
-                        <a:schemeClr val="tx1"/>
-                      </a:solidFill>
-                      <a:prstDash val="solid"/>
-                      <a:round/>
-                      <a:headEnd type="none" w="med" len="med"/>
-                      <a:tailEnd type="none" w="med" len="med"/>
-                    </a:lnT>
-                    <a:lnB w="12700" cap="flat" cmpd="sng" algn="ctr">
-                      <a:solidFill>
-                        <a:schemeClr val="tx1"/>
-                      </a:solidFill>
-                      <a:prstDash val="solid"/>
-                      <a:round/>
-                      <a:headEnd type="none" w="med" len="med"/>
-                      <a:tailEnd type="none" w="med" len="med"/>
-                    </a:lnB>
-                    <a:lnTlToBr w="12700" cmpd="sng">
-                      <a:noFill/>
-                      <a:prstDash val="solid"/>
-                    </a:lnTlToBr>
-                    <a:lnBlToTr w="12700" cmpd="sng">
-                      <a:noFill/>
-                      <a:prstDash val="solid"/>
-                    </a:lnBlToTr>
-                    <a:solidFill>
-                      <a:schemeClr val="bg1"/>
-                    </a:solidFill>
-                  </a:tcPr>
-                </a:tc>
-                <a:tc>
-                  <a:txBody>
-                    <a:bodyPr/>
-                    <a:lstStyle/>
-                    <a:p>
-                      <a:pPr algn="l" fontAlgn="ctr"/>
-                      <a:r>
-                        <a:rPr lang="pt-BR" sz="1800" u="none" strike="noStrike" dirty="0">
-                          <a:effectLst/>
-                        </a:rPr>
-                        <a:t>input</a:t>
-                      </a:r>
-                      <a:endParaRPr lang="pt-BR" sz="1800" b="0" i="0" u="none" strike="noStrike" dirty="0">
-                        <a:solidFill>
-                          <a:srgbClr val="000000"/>
-                        </a:solidFill>
-                        <a:effectLst/>
-                        <a:latin typeface="Calibri" panose="020F0502020204030204" pitchFamily="34" charset="0"/>
-                      </a:endParaRPr>
-                    </a:p>
-                  </a:txBody>
-                  <a:tcPr marL="7620" marR="7620" marT="7620" marB="0" anchor="ctr">
-                    <a:lnL w="12700" cap="flat" cmpd="sng" algn="ctr">
-                      <a:solidFill>
-                        <a:schemeClr val="tx1"/>
-                      </a:solidFill>
-                      <a:prstDash val="solid"/>
-                      <a:round/>
-                      <a:headEnd type="none" w="med" len="med"/>
-                      <a:tailEnd type="none" w="med" len="med"/>
-                    </a:lnL>
-                    <a:lnR w="12700" cap="flat" cmpd="sng" algn="ctr">
-                      <a:solidFill>
-                        <a:schemeClr val="tx1"/>
-                      </a:solidFill>
-                      <a:prstDash val="solid"/>
-                      <a:round/>
-                      <a:headEnd type="none" w="med" len="med"/>
-                      <a:tailEnd type="none" w="med" len="med"/>
-                    </a:lnR>
-                    <a:lnT w="12700" cap="flat" cmpd="sng" algn="ctr">
-                      <a:solidFill>
-                        <a:schemeClr val="tx1"/>
-                      </a:solidFill>
-                      <a:prstDash val="solid"/>
-                      <a:round/>
-                      <a:headEnd type="none" w="med" len="med"/>
-                      <a:tailEnd type="none" w="med" len="med"/>
-                    </a:lnT>
-                    <a:lnB w="12700" cap="flat" cmpd="sng" algn="ctr">
-                      <a:solidFill>
-                        <a:schemeClr val="tx1"/>
-                      </a:solidFill>
-                      <a:prstDash val="solid"/>
-                      <a:round/>
-                      <a:headEnd type="none" w="med" len="med"/>
-                      <a:tailEnd type="none" w="med" len="med"/>
-                    </a:lnB>
-                    <a:lnTlToBr w="12700" cmpd="sng">
-                      <a:noFill/>
-                      <a:prstDash val="solid"/>
-                    </a:lnTlToBr>
-                    <a:lnBlToTr w="12700" cmpd="sng">
-                      <a:noFill/>
-                      <a:prstDash val="solid"/>
-                    </a:lnBlToTr>
-                    <a:solidFill>
-                      <a:schemeClr val="bg1"/>
-                    </a:solidFill>
-                  </a:tcPr>
-                </a:tc>
-                <a:tc>
-                  <a:txBody>
-                    <a:bodyPr/>
-                    <a:lstStyle/>
-                    <a:p>
-                      <a:pPr algn="r" fontAlgn="ctr"/>
-                      <a:r>
-                        <a:rPr lang="pt-BR" sz="1800" u="none" strike="noStrike" dirty="0">
-                          <a:effectLst/>
-                        </a:rPr>
-                        <a:t>36</a:t>
-                      </a:r>
-                      <a:endParaRPr lang="pt-BR" sz="1800" b="0" i="0" u="none" strike="noStrike" dirty="0">
-                        <a:solidFill>
-                          <a:srgbClr val="000000"/>
-                        </a:solidFill>
-                        <a:effectLst/>
-                        <a:latin typeface="Calibri" panose="020F0502020204030204" pitchFamily="34" charset="0"/>
-                      </a:endParaRPr>
-                    </a:p>
-                  </a:txBody>
-                  <a:tcPr marL="7620" marR="7620" marT="7620" marB="0" anchor="ctr">
-                    <a:lnL w="12700" cap="flat" cmpd="sng" algn="ctr">
-                      <a:solidFill>
-                        <a:schemeClr val="tx1"/>
-                      </a:solidFill>
-                      <a:prstDash val="solid"/>
-                      <a:round/>
-                      <a:headEnd type="none" w="med" len="med"/>
-                      <a:tailEnd type="none" w="med" len="med"/>
-                    </a:lnL>
-                    <a:lnR w="12700" cap="flat" cmpd="sng" algn="ctr">
-                      <a:solidFill>
-                        <a:schemeClr val="tx1"/>
-                      </a:solidFill>
-                      <a:prstDash val="solid"/>
-                      <a:round/>
-                      <a:headEnd type="none" w="med" len="med"/>
-                      <a:tailEnd type="none" w="med" len="med"/>
-                    </a:lnR>
-                    <a:lnT w="12700" cap="flat" cmpd="sng" algn="ctr">
-                      <a:solidFill>
-                        <a:schemeClr val="tx1"/>
-                      </a:solidFill>
-                      <a:prstDash val="solid"/>
-                      <a:round/>
-                      <a:headEnd type="none" w="med" len="med"/>
-                      <a:tailEnd type="none" w="med" len="med"/>
-                    </a:lnT>
-                    <a:lnB w="12700" cap="flat" cmpd="sng" algn="ctr">
-                      <a:solidFill>
-                        <a:schemeClr val="tx1"/>
-                      </a:solidFill>
-                      <a:prstDash val="solid"/>
-                      <a:round/>
-                      <a:headEnd type="none" w="med" len="med"/>
-                      <a:tailEnd type="none" w="med" len="med"/>
-                    </a:lnB>
-                    <a:lnTlToBr w="12700" cmpd="sng">
-                      <a:noFill/>
-                      <a:prstDash val="solid"/>
-                    </a:lnTlToBr>
-                    <a:lnBlToTr w="12700" cmpd="sng">
-                      <a:noFill/>
-                      <a:prstDash val="solid"/>
-                    </a:lnBlToTr>
-                    <a:solidFill>
-                      <a:schemeClr val="bg1"/>
-                    </a:solidFill>
-                  </a:tcPr>
-                </a:tc>
-                <a:extLst>
-                  <a:ext uri="{0D108BD9-81ED-4DB2-BD59-A6C34878D82A}">
-                    <a16:rowId xmlns:a16="http://schemas.microsoft.com/office/drawing/2014/main" val="1251263919"/>
-                  </a:ext>
-                </a:extLst>
-              </a:tr>
-              <a:tr h="182880">
-                <a:tc vMerge="1">
-                  <a:txBody>
-                    <a:bodyPr/>
-                    <a:lstStyle/>
-                    <a:p>
-                      <a:endParaRPr lang="pt-BR"/>
-                    </a:p>
-                  </a:txBody>
-                  <a:tcPr/>
-                </a:tc>
-                <a:tc>
-                  <a:txBody>
-                    <a:bodyPr/>
-                    <a:lstStyle/>
-                    <a:p>
-                      <a:pPr algn="l" fontAlgn="ctr"/>
-                      <a:r>
-                        <a:rPr lang="pt-BR" sz="1800" u="none" strike="noStrike">
-                          <a:effectLst/>
-                        </a:rPr>
-                        <a:t>output</a:t>
-                      </a:r>
-                      <a:endParaRPr lang="pt-BR" sz="1800" b="0" i="0" u="none" strike="noStrike">
-                        <a:solidFill>
-                          <a:srgbClr val="000000"/>
-                        </a:solidFill>
-                        <a:effectLst/>
-                        <a:latin typeface="Calibri" panose="020F0502020204030204" pitchFamily="34" charset="0"/>
-                      </a:endParaRPr>
-                    </a:p>
-                  </a:txBody>
-                  <a:tcPr marL="7620" marR="7620" marT="7620" marB="0" anchor="ctr">
-                    <a:lnL w="12700" cap="flat" cmpd="sng" algn="ctr">
-                      <a:solidFill>
-                        <a:schemeClr val="tx1"/>
-                      </a:solidFill>
-                      <a:prstDash val="solid"/>
-                      <a:round/>
-                      <a:headEnd type="none" w="med" len="med"/>
-                      <a:tailEnd type="none" w="med" len="med"/>
-                    </a:lnL>
-                    <a:lnR w="12700" cap="flat" cmpd="sng" algn="ctr">
-                      <a:solidFill>
-                        <a:schemeClr val="tx1"/>
-                      </a:solidFill>
-                      <a:prstDash val="solid"/>
-                      <a:round/>
-                      <a:headEnd type="none" w="med" len="med"/>
-                      <a:tailEnd type="none" w="med" len="med"/>
-                    </a:lnR>
-                    <a:lnT w="12700" cap="flat" cmpd="sng" algn="ctr">
-                      <a:solidFill>
-                        <a:schemeClr val="tx1"/>
-                      </a:solidFill>
-                      <a:prstDash val="solid"/>
-                      <a:round/>
-                      <a:headEnd type="none" w="med" len="med"/>
-                      <a:tailEnd type="none" w="med" len="med"/>
-                    </a:lnT>
-                    <a:lnB w="12700" cap="flat" cmpd="sng" algn="ctr">
-                      <a:solidFill>
-                        <a:schemeClr val="tx1"/>
-                      </a:solidFill>
-                      <a:prstDash val="solid"/>
-                      <a:round/>
-                      <a:headEnd type="none" w="med" len="med"/>
-                      <a:tailEnd type="none" w="med" len="med"/>
-                    </a:lnB>
-                    <a:lnTlToBr w="12700" cmpd="sng">
-                      <a:noFill/>
-                      <a:prstDash val="solid"/>
-                    </a:lnTlToBr>
-                    <a:lnBlToTr w="12700" cmpd="sng">
-                      <a:noFill/>
-                      <a:prstDash val="solid"/>
-                    </a:lnBlToTr>
-                    <a:solidFill>
-                      <a:schemeClr val="bg1"/>
-                    </a:solidFill>
-                  </a:tcPr>
-                </a:tc>
-                <a:tc>
-                  <a:txBody>
-                    <a:bodyPr/>
-                    <a:lstStyle/>
-                    <a:p>
-                      <a:pPr algn="r" fontAlgn="ctr"/>
-                      <a:r>
-                        <a:rPr lang="pt-BR" sz="1800" u="none" strike="noStrike" dirty="0">
-                          <a:effectLst/>
-                        </a:rPr>
-                        <a:t>36</a:t>
-                      </a:r>
-                      <a:endParaRPr lang="pt-BR" sz="1800" b="0" i="0" u="none" strike="noStrike" dirty="0">
-                        <a:solidFill>
-                          <a:srgbClr val="000000"/>
-                        </a:solidFill>
-                        <a:effectLst/>
-                        <a:latin typeface="Calibri" panose="020F0502020204030204" pitchFamily="34" charset="0"/>
-                      </a:endParaRPr>
-                    </a:p>
-                  </a:txBody>
-                  <a:tcPr marL="7620" marR="7620" marT="7620" marB="0" anchor="ctr">
-                    <a:lnL w="12700" cap="flat" cmpd="sng" algn="ctr">
-                      <a:solidFill>
-                        <a:schemeClr val="tx1"/>
-                      </a:solidFill>
-                      <a:prstDash val="solid"/>
-                      <a:round/>
-                      <a:headEnd type="none" w="med" len="med"/>
-                      <a:tailEnd type="none" w="med" len="med"/>
-                    </a:lnL>
-                    <a:lnR w="12700" cap="flat" cmpd="sng" algn="ctr">
-                      <a:solidFill>
-                        <a:schemeClr val="tx1"/>
-                      </a:solidFill>
-                      <a:prstDash val="solid"/>
-                      <a:round/>
-                      <a:headEnd type="none" w="med" len="med"/>
-                      <a:tailEnd type="none" w="med" len="med"/>
-                    </a:lnR>
-                    <a:lnT w="12700" cap="flat" cmpd="sng" algn="ctr">
-                      <a:solidFill>
-                        <a:schemeClr val="tx1"/>
-                      </a:solidFill>
-                      <a:prstDash val="solid"/>
-                      <a:round/>
-                      <a:headEnd type="none" w="med" len="med"/>
-                      <a:tailEnd type="none" w="med" len="med"/>
-                    </a:lnT>
-                    <a:lnB w="12700" cap="flat" cmpd="sng" algn="ctr">
-                      <a:solidFill>
-                        <a:schemeClr val="tx1"/>
-                      </a:solidFill>
-                      <a:prstDash val="solid"/>
-                      <a:round/>
-                      <a:headEnd type="none" w="med" len="med"/>
-                      <a:tailEnd type="none" w="med" len="med"/>
-                    </a:lnB>
-                    <a:lnTlToBr w="12700" cmpd="sng">
-                      <a:noFill/>
-                      <a:prstDash val="solid"/>
-                    </a:lnTlToBr>
-                    <a:lnBlToTr w="12700" cmpd="sng">
-                      <a:noFill/>
-                      <a:prstDash val="solid"/>
-                    </a:lnBlToTr>
-                    <a:solidFill>
-                      <a:schemeClr val="bg1"/>
-                    </a:solidFill>
-                  </a:tcPr>
-                </a:tc>
-                <a:extLst>
-                  <a:ext uri="{0D108BD9-81ED-4DB2-BD59-A6C34878D82A}">
-                    <a16:rowId xmlns:a16="http://schemas.microsoft.com/office/drawing/2014/main" val="494127702"/>
-                  </a:ext>
-                </a:extLst>
-              </a:tr>
-            </a:tbl>
-          </a:graphicData>
-        </a:graphic>
-      </p:graphicFrame>
-      <p:graphicFrame>
-        <p:nvGraphicFramePr>
-          <p:cNvPr id="8" name="Tabela 7">
-            <a:extLst>
-              <a:ext uri="{FF2B5EF4-FFF2-40B4-BE49-F238E27FC236}">
-                <a16:creationId xmlns:a16="http://schemas.microsoft.com/office/drawing/2014/main" id="{C1D8B014-EDC5-43D2-9586-1B6F7FEE7AE4}"/>
-              </a:ext>
-            </a:extLst>
-          </p:cNvPr>
-          <p:cNvGraphicFramePr>
-            <a:graphicFrameLocks noGrp="1"/>
-          </p:cNvGraphicFramePr>
-          <p:nvPr>
-            <p:extLst>
-              <p:ext uri="{D42A27DB-BD31-4B8C-83A1-F6EECF244321}">
-                <p14:modId xmlns:p14="http://schemas.microsoft.com/office/powerpoint/2010/main" val="3811126703"/>
-              </p:ext>
-            </p:extLst>
-          </p:nvPr>
-        </p:nvGraphicFramePr>
-        <p:xfrm>
-          <a:off x="581190" y="5254927"/>
-          <a:ext cx="5092859" cy="563880"/>
-        </p:xfrm>
-        <a:graphic>
-          <a:graphicData uri="http://schemas.openxmlformats.org/drawingml/2006/table">
-            <a:tbl>
-              <a:tblPr>
-                <a:tableStyleId>{5C22544A-7EE6-4342-B048-85BDC9FD1C3A}</a:tableStyleId>
-              </a:tblPr>
-              <a:tblGrid>
-                <a:gridCol w="2056123">
-                  <a:extLst>
-                    <a:ext uri="{9D8B030D-6E8A-4147-A177-3AD203B41FA5}">
-                      <a16:colId xmlns:a16="http://schemas.microsoft.com/office/drawing/2014/main" val="2802041606"/>
-                    </a:ext>
-                  </a:extLst>
-                </a:gridCol>
-                <a:gridCol w="1518368">
-                  <a:extLst>
-                    <a:ext uri="{9D8B030D-6E8A-4147-A177-3AD203B41FA5}">
-                      <a16:colId xmlns:a16="http://schemas.microsoft.com/office/drawing/2014/main" val="4064233686"/>
-                    </a:ext>
-                  </a:extLst>
-                </a:gridCol>
-                <a:gridCol w="1518368">
-                  <a:extLst>
-                    <a:ext uri="{9D8B030D-6E8A-4147-A177-3AD203B41FA5}">
-                      <a16:colId xmlns:a16="http://schemas.microsoft.com/office/drawing/2014/main" val="3728321191"/>
-                    </a:ext>
-                  </a:extLst>
-                </a:gridCol>
-              </a:tblGrid>
-              <a:tr h="182880">
-                <a:tc rowSpan="2">
-                  <a:txBody>
-                    <a:bodyPr/>
-                    <a:lstStyle/>
-                    <a:p>
-                      <a:pPr algn="ctr" fontAlgn="ctr"/>
-                      <a:r>
-                        <a:rPr lang="pt-BR" sz="1800" u="none" strike="noStrike" dirty="0">
-                          <a:effectLst/>
-                        </a:rPr>
-                        <a:t>dense_1</a:t>
-                      </a:r>
-                      <a:endParaRPr lang="pt-BR" sz="1800" b="0" i="0" u="none" strike="noStrike" dirty="0">
-                        <a:solidFill>
-                          <a:srgbClr val="000000"/>
-                        </a:solidFill>
-                        <a:effectLst/>
-                        <a:latin typeface="Calibri" panose="020F0502020204030204" pitchFamily="34" charset="0"/>
-                      </a:endParaRPr>
-                    </a:p>
-                  </a:txBody>
-                  <a:tcPr marL="7620" marR="7620" marT="7620" marB="0" anchor="ctr">
-                    <a:lnL w="12700" cap="flat" cmpd="sng" algn="ctr">
-                      <a:solidFill>
-                        <a:schemeClr val="tx1"/>
-                      </a:solidFill>
-                      <a:prstDash val="solid"/>
-                      <a:round/>
-                      <a:headEnd type="none" w="med" len="med"/>
-                      <a:tailEnd type="none" w="med" len="med"/>
-                    </a:lnL>
-                    <a:lnR w="12700" cap="flat" cmpd="sng" algn="ctr">
-                      <a:solidFill>
-                        <a:schemeClr val="tx1"/>
-                      </a:solidFill>
-                      <a:prstDash val="solid"/>
-                      <a:round/>
-                      <a:headEnd type="none" w="med" len="med"/>
-                      <a:tailEnd type="none" w="med" len="med"/>
-                    </a:lnR>
-                    <a:lnT w="12700" cap="flat" cmpd="sng" algn="ctr">
-                      <a:solidFill>
-                        <a:schemeClr val="tx1"/>
-                      </a:solidFill>
-                      <a:prstDash val="solid"/>
-                      <a:round/>
-                      <a:headEnd type="none" w="med" len="med"/>
-                      <a:tailEnd type="none" w="med" len="med"/>
-                    </a:lnT>
-                    <a:lnB w="12700" cap="flat" cmpd="sng" algn="ctr">
-                      <a:solidFill>
-                        <a:schemeClr val="tx1"/>
-                      </a:solidFill>
-                      <a:prstDash val="solid"/>
-                      <a:round/>
-                      <a:headEnd type="none" w="med" len="med"/>
-                      <a:tailEnd type="none" w="med" len="med"/>
-                    </a:lnB>
-                    <a:solidFill>
-                      <a:schemeClr val="bg1"/>
-                    </a:solidFill>
-                  </a:tcPr>
-                </a:tc>
-                <a:tc>
-                  <a:txBody>
-                    <a:bodyPr/>
-                    <a:lstStyle/>
-                    <a:p>
-                      <a:pPr algn="l" fontAlgn="ctr"/>
-                      <a:r>
-                        <a:rPr lang="pt-BR" sz="1800" u="none" strike="noStrike" dirty="0">
-                          <a:effectLst/>
-                        </a:rPr>
-                        <a:t>input</a:t>
-                      </a:r>
-                      <a:endParaRPr lang="pt-BR" sz="1800" b="0" i="0" u="none" strike="noStrike" dirty="0">
-                        <a:solidFill>
-                          <a:srgbClr val="000000"/>
-                        </a:solidFill>
-                        <a:effectLst/>
-                        <a:latin typeface="Calibri" panose="020F0502020204030204" pitchFamily="34" charset="0"/>
-                      </a:endParaRPr>
-                    </a:p>
-                  </a:txBody>
-                  <a:tcPr marL="7620" marR="7620" marT="7620" marB="0" anchor="ctr">
-                    <a:lnL w="12700" cap="flat" cmpd="sng" algn="ctr">
-                      <a:solidFill>
-                        <a:schemeClr val="tx1"/>
-                      </a:solidFill>
-                      <a:prstDash val="solid"/>
-                      <a:round/>
-                      <a:headEnd type="none" w="med" len="med"/>
-                      <a:tailEnd type="none" w="med" len="med"/>
-                    </a:lnL>
-                    <a:lnR w="12700" cap="flat" cmpd="sng" algn="ctr">
-                      <a:solidFill>
-                        <a:schemeClr val="tx1"/>
-                      </a:solidFill>
-                      <a:prstDash val="solid"/>
-                      <a:round/>
-                      <a:headEnd type="none" w="med" len="med"/>
-                      <a:tailEnd type="none" w="med" len="med"/>
-                    </a:lnR>
-                    <a:lnT w="12700" cap="flat" cmpd="sng" algn="ctr">
-                      <a:solidFill>
-                        <a:schemeClr val="tx1"/>
-                      </a:solidFill>
-                      <a:prstDash val="solid"/>
-                      <a:round/>
-                      <a:headEnd type="none" w="med" len="med"/>
-                      <a:tailEnd type="none" w="med" len="med"/>
-                    </a:lnT>
-                    <a:lnB w="12700" cap="flat" cmpd="sng" algn="ctr">
-                      <a:solidFill>
-                        <a:schemeClr val="tx1"/>
-                      </a:solidFill>
-                      <a:prstDash val="solid"/>
-                      <a:round/>
-                      <a:headEnd type="none" w="med" len="med"/>
-                      <a:tailEnd type="none" w="med" len="med"/>
-                    </a:lnB>
-                    <a:solidFill>
-                      <a:schemeClr val="bg1"/>
-                    </a:solidFill>
-                  </a:tcPr>
-                </a:tc>
-                <a:tc>
-                  <a:txBody>
-                    <a:bodyPr/>
-                    <a:lstStyle/>
-                    <a:p>
-                      <a:pPr algn="r" fontAlgn="ctr"/>
-                      <a:r>
-                        <a:rPr lang="pt-BR" sz="1800" u="none" strike="noStrike" dirty="0">
-                          <a:effectLst/>
-                        </a:rPr>
-                        <a:t>18, 24</a:t>
-                      </a:r>
-                      <a:endParaRPr lang="pt-BR" sz="1800" b="0" i="0" u="none" strike="noStrike" dirty="0">
-                        <a:solidFill>
-                          <a:srgbClr val="000000"/>
-                        </a:solidFill>
-                        <a:effectLst/>
-                        <a:latin typeface="Calibri" panose="020F0502020204030204" pitchFamily="34" charset="0"/>
-                      </a:endParaRPr>
-                    </a:p>
-                  </a:txBody>
-                  <a:tcPr marL="7620" marR="7620" marT="7620" marB="0" anchor="ctr">
-                    <a:lnL w="12700" cap="flat" cmpd="sng" algn="ctr">
-                      <a:solidFill>
-                        <a:schemeClr val="tx1"/>
-                      </a:solidFill>
-                      <a:prstDash val="solid"/>
-                      <a:round/>
-                      <a:headEnd type="none" w="med" len="med"/>
-                      <a:tailEnd type="none" w="med" len="med"/>
-                    </a:lnL>
-                    <a:lnR w="12700" cap="flat" cmpd="sng" algn="ctr">
-                      <a:solidFill>
-                        <a:schemeClr val="tx1"/>
-                      </a:solidFill>
-                      <a:prstDash val="solid"/>
-                      <a:round/>
-                      <a:headEnd type="none" w="med" len="med"/>
-                      <a:tailEnd type="none" w="med" len="med"/>
-                    </a:lnR>
-                    <a:lnT w="12700" cap="flat" cmpd="sng" algn="ctr">
-                      <a:solidFill>
-                        <a:schemeClr val="tx1"/>
-                      </a:solidFill>
-                      <a:prstDash val="solid"/>
-                      <a:round/>
-                      <a:headEnd type="none" w="med" len="med"/>
-                      <a:tailEnd type="none" w="med" len="med"/>
-                    </a:lnT>
-                    <a:lnB w="12700" cap="flat" cmpd="sng" algn="ctr">
-                      <a:solidFill>
-                        <a:schemeClr val="tx1"/>
-                      </a:solidFill>
-                      <a:prstDash val="solid"/>
-                      <a:round/>
-                      <a:headEnd type="none" w="med" len="med"/>
-                      <a:tailEnd type="none" w="med" len="med"/>
-                    </a:lnB>
-                    <a:solidFill>
-                      <a:schemeClr val="bg1"/>
-                    </a:solidFill>
-                  </a:tcPr>
-                </a:tc>
-                <a:extLst>
-                  <a:ext uri="{0D108BD9-81ED-4DB2-BD59-A6C34878D82A}">
-                    <a16:rowId xmlns:a16="http://schemas.microsoft.com/office/drawing/2014/main" val="2437973058"/>
-                  </a:ext>
-                </a:extLst>
-              </a:tr>
-              <a:tr h="182880">
-                <a:tc vMerge="1">
-                  <a:txBody>
-                    <a:bodyPr/>
-                    <a:lstStyle/>
-                    <a:p>
-                      <a:endParaRPr lang="pt-BR"/>
-                    </a:p>
-                  </a:txBody>
-                  <a:tcPr/>
-                </a:tc>
-                <a:tc>
-                  <a:txBody>
-                    <a:bodyPr/>
-                    <a:lstStyle/>
-                    <a:p>
-                      <a:pPr algn="l" fontAlgn="ctr"/>
-                      <a:r>
-                        <a:rPr lang="pt-BR" sz="1800" u="none" strike="noStrike">
-                          <a:effectLst/>
-                        </a:rPr>
-                        <a:t>output</a:t>
-                      </a:r>
-                      <a:endParaRPr lang="pt-BR" sz="1800" b="0" i="0" u="none" strike="noStrike">
-                        <a:solidFill>
-                          <a:srgbClr val="000000"/>
-                        </a:solidFill>
-                        <a:effectLst/>
-                        <a:latin typeface="Calibri" panose="020F0502020204030204" pitchFamily="34" charset="0"/>
-                      </a:endParaRPr>
-                    </a:p>
-                  </a:txBody>
-                  <a:tcPr marL="7620" marR="7620" marT="7620" marB="0" anchor="ctr">
-                    <a:lnL w="12700" cap="flat" cmpd="sng" algn="ctr">
-                      <a:solidFill>
-                        <a:schemeClr val="tx1"/>
-                      </a:solidFill>
-                      <a:prstDash val="solid"/>
-                      <a:round/>
-                      <a:headEnd type="none" w="med" len="med"/>
-                      <a:tailEnd type="none" w="med" len="med"/>
-                    </a:lnL>
-                    <a:lnR w="12700" cap="flat" cmpd="sng" algn="ctr">
-                      <a:solidFill>
-                        <a:schemeClr val="tx1"/>
-                      </a:solidFill>
-                      <a:prstDash val="solid"/>
-                      <a:round/>
-                      <a:headEnd type="none" w="med" len="med"/>
-                      <a:tailEnd type="none" w="med" len="med"/>
-                    </a:lnR>
-                    <a:lnT w="12700" cap="flat" cmpd="sng" algn="ctr">
-                      <a:solidFill>
-                        <a:schemeClr val="tx1"/>
-                      </a:solidFill>
-                      <a:prstDash val="solid"/>
-                      <a:round/>
-                      <a:headEnd type="none" w="med" len="med"/>
-                      <a:tailEnd type="none" w="med" len="med"/>
-                    </a:lnT>
-                    <a:lnB w="12700" cap="flat" cmpd="sng" algn="ctr">
-                      <a:solidFill>
-                        <a:schemeClr val="tx1"/>
-                      </a:solidFill>
-                      <a:prstDash val="solid"/>
-                      <a:round/>
-                      <a:headEnd type="none" w="med" len="med"/>
-                      <a:tailEnd type="none" w="med" len="med"/>
-                    </a:lnB>
-                    <a:solidFill>
-                      <a:schemeClr val="bg1"/>
-                    </a:solidFill>
-                  </a:tcPr>
-                </a:tc>
-                <a:tc>
-                  <a:txBody>
-                    <a:bodyPr/>
-                    <a:lstStyle/>
-                    <a:p>
-                      <a:pPr algn="r" fontAlgn="ctr"/>
-                      <a:r>
-                        <a:rPr lang="pt-BR" sz="1800" u="none" strike="noStrike" dirty="0">
-                          <a:effectLst/>
-                        </a:rPr>
-                        <a:t>18</a:t>
-                      </a:r>
-                      <a:endParaRPr lang="pt-BR" sz="1800" b="0" i="0" u="none" strike="noStrike" dirty="0">
-                        <a:solidFill>
-                          <a:srgbClr val="000000"/>
-                        </a:solidFill>
-                        <a:effectLst/>
-                        <a:latin typeface="Calibri" panose="020F0502020204030204" pitchFamily="34" charset="0"/>
-                      </a:endParaRPr>
-                    </a:p>
-                  </a:txBody>
-                  <a:tcPr marL="7620" marR="7620" marT="7620" marB="0" anchor="ctr">
-                    <a:lnL w="12700" cap="flat" cmpd="sng" algn="ctr">
-                      <a:solidFill>
-                        <a:schemeClr val="tx1"/>
-                      </a:solidFill>
-                      <a:prstDash val="solid"/>
-                      <a:round/>
-                      <a:headEnd type="none" w="med" len="med"/>
-                      <a:tailEnd type="none" w="med" len="med"/>
-                    </a:lnL>
-                    <a:lnR w="12700" cap="flat" cmpd="sng" algn="ctr">
-                      <a:solidFill>
-                        <a:schemeClr val="tx1"/>
-                      </a:solidFill>
-                      <a:prstDash val="solid"/>
-                      <a:round/>
-                      <a:headEnd type="none" w="med" len="med"/>
-                      <a:tailEnd type="none" w="med" len="med"/>
-                    </a:lnR>
-                    <a:lnT w="12700" cap="flat" cmpd="sng" algn="ctr">
-                      <a:solidFill>
-                        <a:schemeClr val="tx1"/>
-                      </a:solidFill>
-                      <a:prstDash val="solid"/>
-                      <a:round/>
-                      <a:headEnd type="none" w="med" len="med"/>
-                      <a:tailEnd type="none" w="med" len="med"/>
-                    </a:lnT>
-                    <a:lnB w="12700" cap="flat" cmpd="sng" algn="ctr">
-                      <a:solidFill>
-                        <a:schemeClr val="tx1"/>
-                      </a:solidFill>
-                      <a:prstDash val="solid"/>
-                      <a:round/>
-                      <a:headEnd type="none" w="med" len="med"/>
-                      <a:tailEnd type="none" w="med" len="med"/>
-                    </a:lnB>
-                    <a:solidFill>
-                      <a:schemeClr val="bg1"/>
-                    </a:solidFill>
-                  </a:tcPr>
-                </a:tc>
-                <a:extLst>
-                  <a:ext uri="{0D108BD9-81ED-4DB2-BD59-A6C34878D82A}">
-                    <a16:rowId xmlns:a16="http://schemas.microsoft.com/office/drawing/2014/main" val="2716052351"/>
-                  </a:ext>
-                </a:extLst>
-              </a:tr>
-            </a:tbl>
-          </a:graphicData>
-        </a:graphic>
-      </p:graphicFrame>
-      <p:graphicFrame>
-        <p:nvGraphicFramePr>
-          <p:cNvPr id="19" name="Tabela 18">
-            <a:extLst>
-              <a:ext uri="{FF2B5EF4-FFF2-40B4-BE49-F238E27FC236}">
-                <a16:creationId xmlns:a16="http://schemas.microsoft.com/office/drawing/2014/main" id="{717933F3-1790-4397-A08F-2ED38845598B}"/>
-              </a:ext>
-            </a:extLst>
-          </p:cNvPr>
-          <p:cNvGraphicFramePr>
-            <a:graphicFrameLocks noGrp="1"/>
-          </p:cNvGraphicFramePr>
-          <p:nvPr>
-            <p:extLst>
-              <p:ext uri="{D42A27DB-BD31-4B8C-83A1-F6EECF244321}">
-                <p14:modId xmlns:p14="http://schemas.microsoft.com/office/powerpoint/2010/main" val="4144622528"/>
-              </p:ext>
-            </p:extLst>
-          </p:nvPr>
-        </p:nvGraphicFramePr>
-        <p:xfrm>
-          <a:off x="601885" y="5978066"/>
-          <a:ext cx="5092859" cy="563880"/>
-        </p:xfrm>
-        <a:graphic>
-          <a:graphicData uri="http://schemas.openxmlformats.org/drawingml/2006/table">
-            <a:tbl>
-              <a:tblPr>
-                <a:tableStyleId>{5C22544A-7EE6-4342-B048-85BDC9FD1C3A}</a:tableStyleId>
-              </a:tblPr>
-              <a:tblGrid>
-                <a:gridCol w="2056123">
-                  <a:extLst>
-                    <a:ext uri="{9D8B030D-6E8A-4147-A177-3AD203B41FA5}">
-                      <a16:colId xmlns:a16="http://schemas.microsoft.com/office/drawing/2014/main" val="601386639"/>
-                    </a:ext>
-                  </a:extLst>
-                </a:gridCol>
-                <a:gridCol w="1518368">
-                  <a:extLst>
-                    <a:ext uri="{9D8B030D-6E8A-4147-A177-3AD203B41FA5}">
-                      <a16:colId xmlns:a16="http://schemas.microsoft.com/office/drawing/2014/main" val="2528077451"/>
-                    </a:ext>
-                  </a:extLst>
-                </a:gridCol>
-                <a:gridCol w="1518368">
-                  <a:extLst>
-                    <a:ext uri="{9D8B030D-6E8A-4147-A177-3AD203B41FA5}">
-                      <a16:colId xmlns:a16="http://schemas.microsoft.com/office/drawing/2014/main" val="1606911441"/>
-                    </a:ext>
-                  </a:extLst>
-                </a:gridCol>
-              </a:tblGrid>
-              <a:tr h="182880">
-                <a:tc rowSpan="2">
-                  <a:txBody>
-                    <a:bodyPr/>
-                    <a:lstStyle/>
-                    <a:p>
-                      <a:pPr algn="ctr" fontAlgn="ctr"/>
-                      <a:r>
-                        <a:rPr lang="pt-BR" sz="1800" u="none" strike="noStrike" dirty="0">
-                          <a:effectLst/>
-                        </a:rPr>
-                        <a:t>dense_2</a:t>
-                      </a:r>
-                      <a:endParaRPr lang="pt-BR" sz="1800" b="0" i="0" u="none" strike="noStrike" dirty="0">
-                        <a:solidFill>
-                          <a:srgbClr val="000000"/>
-                        </a:solidFill>
-                        <a:effectLst/>
-                        <a:latin typeface="Calibri" panose="020F0502020204030204" pitchFamily="34" charset="0"/>
-                      </a:endParaRPr>
-                    </a:p>
-                  </a:txBody>
-                  <a:tcPr marL="7620" marR="7620" marT="7620" marB="0" anchor="ctr">
-                    <a:lnL w="12700" cap="flat" cmpd="sng" algn="ctr">
-                      <a:solidFill>
-                        <a:schemeClr val="tx1"/>
-                      </a:solidFill>
-                      <a:prstDash val="solid"/>
-                      <a:round/>
-                      <a:headEnd type="none" w="med" len="med"/>
-                      <a:tailEnd type="none" w="med" len="med"/>
-                    </a:lnL>
-                    <a:lnR w="12700" cap="flat" cmpd="sng" algn="ctr">
-                      <a:solidFill>
-                        <a:schemeClr val="tx1"/>
-                      </a:solidFill>
-                      <a:prstDash val="solid"/>
-                      <a:round/>
-                      <a:headEnd type="none" w="med" len="med"/>
-                      <a:tailEnd type="none" w="med" len="med"/>
-                    </a:lnR>
-                    <a:lnT w="12700" cap="flat" cmpd="sng" algn="ctr">
-                      <a:solidFill>
-                        <a:schemeClr val="tx1"/>
-                      </a:solidFill>
-                      <a:prstDash val="solid"/>
-                      <a:round/>
-                      <a:headEnd type="none" w="med" len="med"/>
-                      <a:tailEnd type="none" w="med" len="med"/>
-                    </a:lnT>
-                    <a:lnB w="12700" cap="flat" cmpd="sng" algn="ctr">
-                      <a:solidFill>
-                        <a:schemeClr val="tx1"/>
-                      </a:solidFill>
-                      <a:prstDash val="solid"/>
-                      <a:round/>
-                      <a:headEnd type="none" w="med" len="med"/>
-                      <a:tailEnd type="none" w="med" len="med"/>
-                    </a:lnB>
-                    <a:solidFill>
-                      <a:schemeClr val="bg1"/>
-                    </a:solidFill>
-                  </a:tcPr>
-                </a:tc>
-                <a:tc>
-                  <a:txBody>
-                    <a:bodyPr/>
-                    <a:lstStyle/>
-                    <a:p>
-                      <a:pPr algn="l" fontAlgn="ctr"/>
-                      <a:r>
-                        <a:rPr lang="pt-BR" sz="1800" u="none" strike="noStrike">
-                          <a:effectLst/>
-                        </a:rPr>
-                        <a:t>input</a:t>
-                      </a:r>
-                      <a:endParaRPr lang="pt-BR" sz="1800" b="0" i="0" u="none" strike="noStrike">
-                        <a:solidFill>
-                          <a:srgbClr val="000000"/>
-                        </a:solidFill>
-                        <a:effectLst/>
-                        <a:latin typeface="Calibri" panose="020F0502020204030204" pitchFamily="34" charset="0"/>
-                      </a:endParaRPr>
-                    </a:p>
-                  </a:txBody>
-                  <a:tcPr marL="7620" marR="7620" marT="7620" marB="0" anchor="ctr">
-                    <a:lnL w="12700" cap="flat" cmpd="sng" algn="ctr">
-                      <a:solidFill>
-                        <a:schemeClr val="tx1"/>
-                      </a:solidFill>
-                      <a:prstDash val="solid"/>
-                      <a:round/>
-                      <a:headEnd type="none" w="med" len="med"/>
-                      <a:tailEnd type="none" w="med" len="med"/>
-                    </a:lnL>
-                    <a:lnR w="12700" cap="flat" cmpd="sng" algn="ctr">
-                      <a:solidFill>
-                        <a:schemeClr val="tx1"/>
-                      </a:solidFill>
-                      <a:prstDash val="solid"/>
-                      <a:round/>
-                      <a:headEnd type="none" w="med" len="med"/>
-                      <a:tailEnd type="none" w="med" len="med"/>
-                    </a:lnR>
-                    <a:lnT w="12700" cap="flat" cmpd="sng" algn="ctr">
-                      <a:solidFill>
-                        <a:schemeClr val="tx1"/>
-                      </a:solidFill>
-                      <a:prstDash val="solid"/>
-                      <a:round/>
-                      <a:headEnd type="none" w="med" len="med"/>
-                      <a:tailEnd type="none" w="med" len="med"/>
-                    </a:lnT>
-                    <a:lnB w="12700" cap="flat" cmpd="sng" algn="ctr">
-                      <a:solidFill>
-                        <a:schemeClr val="tx1"/>
-                      </a:solidFill>
-                      <a:prstDash val="solid"/>
-                      <a:round/>
-                      <a:headEnd type="none" w="med" len="med"/>
-                      <a:tailEnd type="none" w="med" len="med"/>
-                    </a:lnB>
-                    <a:solidFill>
-                      <a:schemeClr val="bg1"/>
-                    </a:solidFill>
-                  </a:tcPr>
-                </a:tc>
-                <a:tc>
-                  <a:txBody>
-                    <a:bodyPr/>
-                    <a:lstStyle/>
-                    <a:p>
-                      <a:pPr algn="r" fontAlgn="ctr"/>
-                      <a:r>
-                        <a:rPr lang="pt-BR" sz="1800" u="none" strike="noStrike" dirty="0">
-                          <a:effectLst/>
-                        </a:rPr>
-                        <a:t>36</a:t>
-                      </a:r>
-                      <a:endParaRPr lang="pt-BR" sz="1800" b="0" i="0" u="none" strike="noStrike" dirty="0">
-                        <a:solidFill>
-                          <a:srgbClr val="000000"/>
-                        </a:solidFill>
-                        <a:effectLst/>
-                        <a:latin typeface="Calibri" panose="020F0502020204030204" pitchFamily="34" charset="0"/>
-                      </a:endParaRPr>
-                    </a:p>
-                  </a:txBody>
-                  <a:tcPr marL="7620" marR="7620" marT="7620" marB="0" anchor="ctr">
-                    <a:lnL w="12700" cap="flat" cmpd="sng" algn="ctr">
-                      <a:solidFill>
-                        <a:schemeClr val="tx1"/>
-                      </a:solidFill>
-                      <a:prstDash val="solid"/>
-                      <a:round/>
-                      <a:headEnd type="none" w="med" len="med"/>
-                      <a:tailEnd type="none" w="med" len="med"/>
-                    </a:lnL>
-                    <a:lnR w="12700" cap="flat" cmpd="sng" algn="ctr">
-                      <a:solidFill>
-                        <a:schemeClr val="tx1"/>
-                      </a:solidFill>
-                      <a:prstDash val="solid"/>
-                      <a:round/>
-                      <a:headEnd type="none" w="med" len="med"/>
-                      <a:tailEnd type="none" w="med" len="med"/>
-                    </a:lnR>
-                    <a:lnT w="12700" cap="flat" cmpd="sng" algn="ctr">
-                      <a:solidFill>
-                        <a:schemeClr val="tx1"/>
-                      </a:solidFill>
-                      <a:prstDash val="solid"/>
-                      <a:round/>
-                      <a:headEnd type="none" w="med" len="med"/>
-                      <a:tailEnd type="none" w="med" len="med"/>
-                    </a:lnT>
-                    <a:lnB w="12700" cap="flat" cmpd="sng" algn="ctr">
-                      <a:solidFill>
-                        <a:schemeClr val="tx1"/>
-                      </a:solidFill>
-                      <a:prstDash val="solid"/>
-                      <a:round/>
-                      <a:headEnd type="none" w="med" len="med"/>
-                      <a:tailEnd type="none" w="med" len="med"/>
-                    </a:lnB>
-                    <a:solidFill>
-                      <a:schemeClr val="bg1"/>
-                    </a:solidFill>
-                  </a:tcPr>
-                </a:tc>
-                <a:extLst>
-                  <a:ext uri="{0D108BD9-81ED-4DB2-BD59-A6C34878D82A}">
-                    <a16:rowId xmlns:a16="http://schemas.microsoft.com/office/drawing/2014/main" val="3639237385"/>
-                  </a:ext>
-                </a:extLst>
-              </a:tr>
-              <a:tr h="182880">
-                <a:tc vMerge="1">
-                  <a:txBody>
-                    <a:bodyPr/>
-                    <a:lstStyle/>
-                    <a:p>
-                      <a:endParaRPr lang="pt-BR"/>
-                    </a:p>
-                  </a:txBody>
-                  <a:tcPr/>
-                </a:tc>
-                <a:tc>
-                  <a:txBody>
-                    <a:bodyPr/>
-                    <a:lstStyle/>
-                    <a:p>
-                      <a:pPr algn="l" fontAlgn="ctr"/>
-                      <a:r>
-                        <a:rPr lang="pt-BR" sz="1800" u="none" strike="noStrike">
-                          <a:effectLst/>
-                        </a:rPr>
-                        <a:t>output</a:t>
-                      </a:r>
-                      <a:endParaRPr lang="pt-BR" sz="1800" b="0" i="0" u="none" strike="noStrike">
-                        <a:solidFill>
-                          <a:srgbClr val="000000"/>
-                        </a:solidFill>
-                        <a:effectLst/>
-                        <a:latin typeface="Calibri" panose="020F0502020204030204" pitchFamily="34" charset="0"/>
-                      </a:endParaRPr>
-                    </a:p>
-                  </a:txBody>
-                  <a:tcPr marL="7620" marR="7620" marT="7620" marB="0" anchor="ctr">
-                    <a:lnL w="12700" cap="flat" cmpd="sng" algn="ctr">
-                      <a:solidFill>
-                        <a:schemeClr val="tx1"/>
-                      </a:solidFill>
-                      <a:prstDash val="solid"/>
-                      <a:round/>
-                      <a:headEnd type="none" w="med" len="med"/>
-                      <a:tailEnd type="none" w="med" len="med"/>
-                    </a:lnL>
-                    <a:lnR w="12700" cap="flat" cmpd="sng" algn="ctr">
-                      <a:solidFill>
-                        <a:schemeClr val="tx1"/>
-                      </a:solidFill>
-                      <a:prstDash val="solid"/>
-                      <a:round/>
-                      <a:headEnd type="none" w="med" len="med"/>
-                      <a:tailEnd type="none" w="med" len="med"/>
-                    </a:lnR>
-                    <a:lnT w="12700" cap="flat" cmpd="sng" algn="ctr">
-                      <a:solidFill>
-                        <a:schemeClr val="tx1"/>
-                      </a:solidFill>
-                      <a:prstDash val="solid"/>
-                      <a:round/>
-                      <a:headEnd type="none" w="med" len="med"/>
-                      <a:tailEnd type="none" w="med" len="med"/>
-                    </a:lnT>
-                    <a:lnB w="12700" cap="flat" cmpd="sng" algn="ctr">
-                      <a:solidFill>
-                        <a:schemeClr val="tx1"/>
-                      </a:solidFill>
-                      <a:prstDash val="solid"/>
-                      <a:round/>
-                      <a:headEnd type="none" w="med" len="med"/>
-                      <a:tailEnd type="none" w="med" len="med"/>
-                    </a:lnB>
-                    <a:solidFill>
-                      <a:schemeClr val="bg1"/>
-                    </a:solidFill>
-                  </a:tcPr>
-                </a:tc>
-                <a:tc>
-                  <a:txBody>
-                    <a:bodyPr/>
-                    <a:lstStyle/>
-                    <a:p>
-                      <a:pPr algn="r" fontAlgn="ctr"/>
-                      <a:r>
-                        <a:rPr lang="pt-BR" sz="1800" u="none" strike="noStrike" dirty="0">
-                          <a:effectLst/>
-                        </a:rPr>
-                        <a:t>1</a:t>
-                      </a:r>
-                      <a:endParaRPr lang="pt-BR" sz="1800" b="0" i="0" u="none" strike="noStrike" dirty="0">
-                        <a:solidFill>
-                          <a:srgbClr val="000000"/>
-                        </a:solidFill>
-                        <a:effectLst/>
-                        <a:latin typeface="Calibri" panose="020F0502020204030204" pitchFamily="34" charset="0"/>
-                      </a:endParaRPr>
-                    </a:p>
-                  </a:txBody>
-                  <a:tcPr marL="7620" marR="7620" marT="7620" marB="0" anchor="ctr">
-                    <a:lnL w="12700" cap="flat" cmpd="sng" algn="ctr">
-                      <a:solidFill>
-                        <a:schemeClr val="tx1"/>
-                      </a:solidFill>
-                      <a:prstDash val="solid"/>
-                      <a:round/>
-                      <a:headEnd type="none" w="med" len="med"/>
-                      <a:tailEnd type="none" w="med" len="med"/>
-                    </a:lnL>
-                    <a:lnR w="12700" cap="flat" cmpd="sng" algn="ctr">
-                      <a:solidFill>
-                        <a:schemeClr val="tx1"/>
-                      </a:solidFill>
-                      <a:prstDash val="solid"/>
-                      <a:round/>
-                      <a:headEnd type="none" w="med" len="med"/>
-                      <a:tailEnd type="none" w="med" len="med"/>
-                    </a:lnR>
-                    <a:lnT w="12700" cap="flat" cmpd="sng" algn="ctr">
-                      <a:solidFill>
-                        <a:schemeClr val="tx1"/>
-                      </a:solidFill>
-                      <a:prstDash val="solid"/>
-                      <a:round/>
-                      <a:headEnd type="none" w="med" len="med"/>
-                      <a:tailEnd type="none" w="med" len="med"/>
-                    </a:lnT>
-                    <a:lnB w="12700" cap="flat" cmpd="sng" algn="ctr">
-                      <a:solidFill>
-                        <a:schemeClr val="tx1"/>
-                      </a:solidFill>
-                      <a:prstDash val="solid"/>
-                      <a:round/>
-                      <a:headEnd type="none" w="med" len="med"/>
-                      <a:tailEnd type="none" w="med" len="med"/>
-                    </a:lnB>
-                    <a:solidFill>
-                      <a:schemeClr val="bg1"/>
-                    </a:solidFill>
-                  </a:tcPr>
-                </a:tc>
-                <a:extLst>
-                  <a:ext uri="{0D108BD9-81ED-4DB2-BD59-A6C34878D82A}">
-                    <a16:rowId xmlns:a16="http://schemas.microsoft.com/office/drawing/2014/main" val="1347425560"/>
-                  </a:ext>
-                </a:extLst>
-              </a:tr>
-            </a:tbl>
-          </a:graphicData>
-        </a:graphic>
-      </p:graphicFrame>
-      <p:sp>
-        <p:nvSpPr>
-          <p:cNvPr id="20" name="Espaço Reservado para Conteúdo 3">
-            <a:extLst>
-              <a:ext uri="{FF2B5EF4-FFF2-40B4-BE49-F238E27FC236}">
-                <a16:creationId xmlns:a16="http://schemas.microsoft.com/office/drawing/2014/main" id="{40EB15B5-83D7-473E-8C4C-099C28ED2694}"/>
-              </a:ext>
-            </a:extLst>
-          </p:cNvPr>
-          <p:cNvSpPr txBox="1">
-            <a:spLocks/>
-          </p:cNvSpPr>
-          <p:nvPr/>
-        </p:nvSpPr>
-        <p:spPr>
-          <a:xfrm>
-            <a:off x="7047773" y="2863434"/>
-            <a:ext cx="5422392" cy="3633047"/>
-          </a:xfrm>
-          <a:prstGeom prst="rect">
-            <a:avLst/>
-          </a:prstGeom>
-        </p:spPr>
-        <p:txBody>
-          <a:bodyPr vert="horz" lIns="91440" tIns="45720" rIns="91440" bIns="45720" rtlCol="0" anchor="ctr">
-            <a:normAutofit/>
-          </a:bodyPr>
-          <a:lstStyle>
-            <a:lvl1pPr marL="306000" indent="-306000" algn="l" defTabSz="457200" rtl="0" eaLnBrk="1" latinLnBrk="0" hangingPunct="1">
-              <a:spcBef>
-                <a:spcPct val="20000"/>
-              </a:spcBef>
-              <a:spcAft>
-                <a:spcPts val="600"/>
-              </a:spcAft>
-              <a:buClr>
-                <a:schemeClr val="accent2"/>
-              </a:buClr>
-              <a:buSzPct val="92000"/>
-              <a:buFont typeface="Wingdings 2" panose="05020102010507070707" pitchFamily="18" charset="2"/>
-              <a:buChar char=""/>
-              <a:defRPr sz="1800" kern="1200">
-                <a:solidFill>
-                  <a:schemeClr val="tx2"/>
-                </a:solidFill>
-                <a:latin typeface="+mn-lt"/>
-                <a:ea typeface="+mn-ea"/>
-                <a:cs typeface="+mn-cs"/>
-              </a:defRPr>
-            </a:lvl1pPr>
-            <a:lvl2pPr marL="630000" indent="-306000" algn="l" defTabSz="457200" rtl="0" eaLnBrk="1" latinLnBrk="0" hangingPunct="1">
-              <a:spcBef>
-                <a:spcPct val="20000"/>
-              </a:spcBef>
-              <a:spcAft>
-                <a:spcPts val="600"/>
-              </a:spcAft>
-              <a:buClr>
-                <a:schemeClr val="accent2"/>
-              </a:buClr>
-              <a:buSzPct val="92000"/>
-              <a:buFont typeface="Wingdings 2" panose="05020102010507070707" pitchFamily="18" charset="2"/>
-              <a:buChar char=""/>
-              <a:defRPr sz="1600" kern="1200">
-                <a:solidFill>
-                  <a:schemeClr val="tx2"/>
-                </a:solidFill>
-                <a:latin typeface="+mn-lt"/>
-                <a:ea typeface="+mn-ea"/>
-                <a:cs typeface="+mn-cs"/>
-              </a:defRPr>
-            </a:lvl2pPr>
-            <a:lvl3pPr marL="900000" indent="-270000" algn="l" defTabSz="457200" rtl="0" eaLnBrk="1" latinLnBrk="0" hangingPunct="1">
-              <a:spcBef>
-                <a:spcPct val="20000"/>
-              </a:spcBef>
-              <a:spcAft>
-                <a:spcPts val="600"/>
-              </a:spcAft>
-              <a:buClr>
-                <a:schemeClr val="accent2"/>
-              </a:buClr>
-              <a:buSzPct val="92000"/>
-              <a:buFont typeface="Wingdings 2" panose="05020102010507070707" pitchFamily="18" charset="2"/>
-              <a:buChar char=""/>
-              <a:defRPr sz="1400" kern="1200">
-                <a:solidFill>
-                  <a:schemeClr val="tx2"/>
-                </a:solidFill>
-                <a:latin typeface="+mn-lt"/>
-                <a:ea typeface="+mn-ea"/>
-                <a:cs typeface="+mn-cs"/>
-              </a:defRPr>
-            </a:lvl3pPr>
-            <a:lvl4pPr marL="1242000" indent="-234000" algn="l" defTabSz="457200" rtl="0" eaLnBrk="1" latinLnBrk="0" hangingPunct="1">
-              <a:spcBef>
-                <a:spcPct val="20000"/>
-              </a:spcBef>
-              <a:spcAft>
-                <a:spcPts val="600"/>
-              </a:spcAft>
-              <a:buClr>
-                <a:schemeClr val="accent2"/>
-              </a:buClr>
-              <a:buSzPct val="92000"/>
-              <a:buFont typeface="Wingdings 2" panose="05020102010507070707" pitchFamily="18" charset="2"/>
-              <a:buChar char=""/>
-              <a:defRPr sz="1200" kern="1200">
-                <a:solidFill>
-                  <a:schemeClr val="tx2"/>
-                </a:solidFill>
-                <a:latin typeface="+mn-lt"/>
-                <a:ea typeface="+mn-ea"/>
-                <a:cs typeface="+mn-cs"/>
-              </a:defRPr>
-            </a:lvl4pPr>
-            <a:lvl5pPr marL="1602000" indent="-234000" algn="l" defTabSz="457200" rtl="0" eaLnBrk="1" latinLnBrk="0" hangingPunct="1">
-              <a:spcBef>
-                <a:spcPct val="20000"/>
-              </a:spcBef>
-              <a:spcAft>
-                <a:spcPts val="600"/>
-              </a:spcAft>
-              <a:buClr>
-                <a:schemeClr val="accent2"/>
-              </a:buClr>
-              <a:buSzPct val="92000"/>
-              <a:buFont typeface="Wingdings 2" panose="05020102010507070707" pitchFamily="18" charset="2"/>
-              <a:buChar char=""/>
-              <a:defRPr sz="1200" kern="1200">
-                <a:solidFill>
-                  <a:schemeClr val="tx2"/>
-                </a:solidFill>
-                <a:latin typeface="+mn-lt"/>
-                <a:ea typeface="+mn-ea"/>
-                <a:cs typeface="+mn-cs"/>
-              </a:defRPr>
-            </a:lvl5pPr>
-            <a:lvl6pPr marL="1900000" indent="-228600" algn="l" defTabSz="457200" rtl="0" eaLnBrk="1" latinLnBrk="0" hangingPunct="1">
-              <a:spcBef>
-                <a:spcPct val="20000"/>
-              </a:spcBef>
-              <a:spcAft>
-                <a:spcPts val="600"/>
-              </a:spcAft>
-              <a:buClr>
-                <a:schemeClr val="accent2"/>
-              </a:buClr>
-              <a:buSzPct val="92000"/>
-              <a:buFont typeface="Wingdings 2" panose="05020102010507070707" pitchFamily="18" charset="2"/>
-              <a:buChar char=""/>
-              <a:defRPr sz="1200" kern="1200">
-                <a:solidFill>
-                  <a:schemeClr val="tx2"/>
-                </a:solidFill>
-                <a:latin typeface="+mn-lt"/>
-                <a:ea typeface="+mn-ea"/>
-                <a:cs typeface="+mn-cs"/>
-              </a:defRPr>
-            </a:lvl6pPr>
-            <a:lvl7pPr marL="2200000" indent="-228600" algn="l" defTabSz="457200" rtl="0" eaLnBrk="1" latinLnBrk="0" hangingPunct="1">
-              <a:spcBef>
-                <a:spcPct val="20000"/>
-              </a:spcBef>
-              <a:spcAft>
-                <a:spcPts val="600"/>
-              </a:spcAft>
-              <a:buClr>
-                <a:schemeClr val="accent2"/>
-              </a:buClr>
-              <a:buSzPct val="92000"/>
-              <a:buFont typeface="Wingdings 2" panose="05020102010507070707" pitchFamily="18" charset="2"/>
-              <a:buChar char=""/>
-              <a:defRPr sz="1200" kern="1200">
-                <a:solidFill>
-                  <a:schemeClr val="tx2"/>
-                </a:solidFill>
-                <a:latin typeface="+mn-lt"/>
-                <a:ea typeface="+mn-ea"/>
-                <a:cs typeface="+mn-cs"/>
-              </a:defRPr>
-            </a:lvl7pPr>
-            <a:lvl8pPr marL="2500000" indent="-228600" algn="l" defTabSz="457200" rtl="0" eaLnBrk="1" latinLnBrk="0" hangingPunct="1">
-              <a:spcBef>
-                <a:spcPct val="20000"/>
-              </a:spcBef>
-              <a:spcAft>
-                <a:spcPts val="600"/>
-              </a:spcAft>
-              <a:buClr>
-                <a:schemeClr val="accent2"/>
-              </a:buClr>
-              <a:buSzPct val="92000"/>
-              <a:buFont typeface="Wingdings 2" panose="05020102010507070707" pitchFamily="18" charset="2"/>
-              <a:buChar char=""/>
-              <a:defRPr sz="1200" kern="1200">
-                <a:solidFill>
-                  <a:schemeClr val="tx2"/>
-                </a:solidFill>
-                <a:latin typeface="+mn-lt"/>
-                <a:ea typeface="+mn-ea"/>
-                <a:cs typeface="+mn-cs"/>
-              </a:defRPr>
-            </a:lvl8pPr>
-            <a:lvl9pPr marL="2800000" indent="-228600" algn="l" defTabSz="457200" rtl="0" eaLnBrk="1" latinLnBrk="0" hangingPunct="1">
-              <a:spcBef>
-                <a:spcPct val="20000"/>
-              </a:spcBef>
-              <a:spcAft>
-                <a:spcPts val="600"/>
-              </a:spcAft>
-              <a:buClr>
-                <a:schemeClr val="accent2"/>
-              </a:buClr>
-              <a:buSzPct val="92000"/>
-              <a:buFont typeface="Wingdings 2" panose="05020102010507070707" pitchFamily="18" charset="2"/>
-              <a:buChar char=""/>
-              <a:defRPr sz="1200" kern="1200">
-                <a:solidFill>
-                  <a:schemeClr val="tx2"/>
-                </a:solidFill>
-                <a:latin typeface="+mn-lt"/>
-                <a:ea typeface="+mn-ea"/>
-                <a:cs typeface="+mn-cs"/>
-              </a:defRPr>
-            </a:lvl9pPr>
-          </a:lstStyle>
-          <a:p>
-            <a:r>
-              <a:rPr lang="pt-BR" b="1" dirty="0"/>
-              <a:t>Parâmetros otimizados</a:t>
-            </a:r>
-          </a:p>
-          <a:p>
-            <a:pPr lvl="1"/>
-            <a:r>
-              <a:rPr lang="en-US" sz="1800" dirty="0" err="1"/>
-              <a:t>dropout_rate</a:t>
-            </a:r>
-            <a:r>
-              <a:rPr lang="en-US" sz="1800" dirty="0"/>
-              <a:t> = [0.4]</a:t>
-            </a:r>
-            <a:endParaRPr lang="pt-BR" sz="1800" dirty="0"/>
-          </a:p>
-          <a:p>
-            <a:pPr lvl="1"/>
-            <a:r>
-              <a:rPr lang="pt-BR" sz="1800" dirty="0" err="1"/>
-              <a:t>optimizer</a:t>
-            </a:r>
-            <a:r>
-              <a:rPr lang="pt-BR" sz="1800" dirty="0"/>
-              <a:t> = [ SGD]</a:t>
-            </a:r>
-          </a:p>
-          <a:p>
-            <a:pPr lvl="1"/>
-            <a:r>
-              <a:rPr lang="pt-BR" sz="1800" dirty="0" err="1"/>
-              <a:t>activation</a:t>
-            </a:r>
-            <a:r>
-              <a:rPr lang="pt-BR" sz="1800" dirty="0"/>
-              <a:t> =  [‘linear']</a:t>
-            </a:r>
-          </a:p>
-          <a:p>
-            <a:pPr lvl="1"/>
-            <a:r>
-              <a:rPr lang="pt-BR" sz="1800" dirty="0"/>
-              <a:t>neurônios = [36]</a:t>
-            </a:r>
-          </a:p>
-          <a:p>
-            <a:pPr lvl="1"/>
-            <a:r>
-              <a:rPr lang="pt-BR" sz="1800" dirty="0" err="1"/>
-              <a:t>filters</a:t>
-            </a:r>
-            <a:r>
-              <a:rPr lang="pt-BR" sz="1800" dirty="0"/>
-              <a:t> = [24]</a:t>
-            </a:r>
-          </a:p>
-          <a:p>
-            <a:pPr lvl="1"/>
-            <a:r>
-              <a:rPr lang="pt-BR" sz="1800" dirty="0" err="1">
-                <a:solidFill>
-                  <a:srgbClr val="FF0000"/>
-                </a:solidFill>
-              </a:rPr>
-              <a:t>pool_size</a:t>
-            </a:r>
-            <a:r>
-              <a:rPr lang="pt-BR" sz="1800" dirty="0">
-                <a:solidFill>
-                  <a:srgbClr val="FF0000"/>
-                </a:solidFill>
-              </a:rPr>
-              <a:t> = 2</a:t>
-            </a:r>
-          </a:p>
-          <a:p>
-            <a:pPr marL="0" indent="0">
-              <a:buNone/>
-            </a:pPr>
-            <a:endParaRPr lang="pt-BR" dirty="0"/>
-          </a:p>
-          <a:p>
-            <a:endParaRPr lang="pt-BR" dirty="0"/>
-          </a:p>
-          <a:p>
-            <a:endParaRPr lang="pt-BR" dirty="0"/>
-          </a:p>
-        </p:txBody>
-      </p:sp>
-      <p:sp>
-        <p:nvSpPr>
-          <p:cNvPr id="22" name="Espaço Reservado para Conteúdo 3">
-            <a:extLst>
-              <a:ext uri="{FF2B5EF4-FFF2-40B4-BE49-F238E27FC236}">
-                <a16:creationId xmlns:a16="http://schemas.microsoft.com/office/drawing/2014/main" id="{2F9F4166-008C-494E-A5E9-2389DC3A6B1A}"/>
-              </a:ext>
-            </a:extLst>
-          </p:cNvPr>
-          <p:cNvSpPr txBox="1">
-            <a:spLocks/>
-          </p:cNvSpPr>
-          <p:nvPr/>
-        </p:nvSpPr>
-        <p:spPr>
-          <a:xfrm>
-            <a:off x="581193" y="2091036"/>
-            <a:ext cx="5422392" cy="663739"/>
-          </a:xfrm>
-          <a:prstGeom prst="rect">
-            <a:avLst/>
-          </a:prstGeom>
-        </p:spPr>
-        <p:txBody>
-          <a:bodyPr vert="horz" lIns="91440" tIns="45720" rIns="91440" bIns="45720" rtlCol="0" anchor="ctr">
-            <a:normAutofit/>
-          </a:bodyPr>
-          <a:lstStyle>
-            <a:lvl1pPr marL="306000" indent="-306000" algn="l" defTabSz="457200" rtl="0" eaLnBrk="1" latinLnBrk="0" hangingPunct="1">
-              <a:spcBef>
-                <a:spcPct val="20000"/>
-              </a:spcBef>
-              <a:spcAft>
-                <a:spcPts val="600"/>
-              </a:spcAft>
-              <a:buClr>
-                <a:schemeClr val="accent2"/>
-              </a:buClr>
-              <a:buSzPct val="92000"/>
-              <a:buFont typeface="Wingdings 2" panose="05020102010507070707" pitchFamily="18" charset="2"/>
-              <a:buChar char=""/>
-              <a:defRPr sz="1800" kern="1200">
-                <a:solidFill>
-                  <a:schemeClr val="tx2"/>
-                </a:solidFill>
-                <a:latin typeface="+mn-lt"/>
-                <a:ea typeface="+mn-ea"/>
-                <a:cs typeface="+mn-cs"/>
-              </a:defRPr>
-            </a:lvl1pPr>
-            <a:lvl2pPr marL="630000" indent="-306000" algn="l" defTabSz="457200" rtl="0" eaLnBrk="1" latinLnBrk="0" hangingPunct="1">
-              <a:spcBef>
-                <a:spcPct val="20000"/>
-              </a:spcBef>
-              <a:spcAft>
-                <a:spcPts val="600"/>
-              </a:spcAft>
-              <a:buClr>
-                <a:schemeClr val="accent2"/>
-              </a:buClr>
-              <a:buSzPct val="92000"/>
-              <a:buFont typeface="Wingdings 2" panose="05020102010507070707" pitchFamily="18" charset="2"/>
-              <a:buChar char=""/>
-              <a:defRPr sz="1600" kern="1200">
-                <a:solidFill>
-                  <a:schemeClr val="tx2"/>
-                </a:solidFill>
-                <a:latin typeface="+mn-lt"/>
-                <a:ea typeface="+mn-ea"/>
-                <a:cs typeface="+mn-cs"/>
-              </a:defRPr>
-            </a:lvl2pPr>
-            <a:lvl3pPr marL="900000" indent="-270000" algn="l" defTabSz="457200" rtl="0" eaLnBrk="1" latinLnBrk="0" hangingPunct="1">
-              <a:spcBef>
-                <a:spcPct val="20000"/>
-              </a:spcBef>
-              <a:spcAft>
-                <a:spcPts val="600"/>
-              </a:spcAft>
-              <a:buClr>
-                <a:schemeClr val="accent2"/>
-              </a:buClr>
-              <a:buSzPct val="92000"/>
-              <a:buFont typeface="Wingdings 2" panose="05020102010507070707" pitchFamily="18" charset="2"/>
-              <a:buChar char=""/>
-              <a:defRPr sz="1400" kern="1200">
-                <a:solidFill>
-                  <a:schemeClr val="tx2"/>
-                </a:solidFill>
-                <a:latin typeface="+mn-lt"/>
-                <a:ea typeface="+mn-ea"/>
-                <a:cs typeface="+mn-cs"/>
-              </a:defRPr>
-            </a:lvl3pPr>
-            <a:lvl4pPr marL="1242000" indent="-234000" algn="l" defTabSz="457200" rtl="0" eaLnBrk="1" latinLnBrk="0" hangingPunct="1">
-              <a:spcBef>
-                <a:spcPct val="20000"/>
-              </a:spcBef>
-              <a:spcAft>
-                <a:spcPts val="600"/>
-              </a:spcAft>
-              <a:buClr>
-                <a:schemeClr val="accent2"/>
-              </a:buClr>
-              <a:buSzPct val="92000"/>
-              <a:buFont typeface="Wingdings 2" panose="05020102010507070707" pitchFamily="18" charset="2"/>
-              <a:buChar char=""/>
-              <a:defRPr sz="1200" kern="1200">
-                <a:solidFill>
-                  <a:schemeClr val="tx2"/>
-                </a:solidFill>
-                <a:latin typeface="+mn-lt"/>
-                <a:ea typeface="+mn-ea"/>
-                <a:cs typeface="+mn-cs"/>
-              </a:defRPr>
-            </a:lvl4pPr>
-            <a:lvl5pPr marL="1602000" indent="-234000" algn="l" defTabSz="457200" rtl="0" eaLnBrk="1" latinLnBrk="0" hangingPunct="1">
-              <a:spcBef>
-                <a:spcPct val="20000"/>
-              </a:spcBef>
-              <a:spcAft>
-                <a:spcPts val="600"/>
-              </a:spcAft>
-              <a:buClr>
-                <a:schemeClr val="accent2"/>
-              </a:buClr>
-              <a:buSzPct val="92000"/>
-              <a:buFont typeface="Wingdings 2" panose="05020102010507070707" pitchFamily="18" charset="2"/>
-              <a:buChar char=""/>
-              <a:defRPr sz="1200" kern="1200">
-                <a:solidFill>
-                  <a:schemeClr val="tx2"/>
-                </a:solidFill>
-                <a:latin typeface="+mn-lt"/>
-                <a:ea typeface="+mn-ea"/>
-                <a:cs typeface="+mn-cs"/>
-              </a:defRPr>
-            </a:lvl5pPr>
-            <a:lvl6pPr marL="1900000" indent="-228600" algn="l" defTabSz="457200" rtl="0" eaLnBrk="1" latinLnBrk="0" hangingPunct="1">
-              <a:spcBef>
-                <a:spcPct val="20000"/>
-              </a:spcBef>
-              <a:spcAft>
-                <a:spcPts val="600"/>
-              </a:spcAft>
-              <a:buClr>
-                <a:schemeClr val="accent2"/>
-              </a:buClr>
-              <a:buSzPct val="92000"/>
-              <a:buFont typeface="Wingdings 2" panose="05020102010507070707" pitchFamily="18" charset="2"/>
-              <a:buChar char=""/>
-              <a:defRPr sz="1200" kern="1200">
-                <a:solidFill>
-                  <a:schemeClr val="tx2"/>
-                </a:solidFill>
-                <a:latin typeface="+mn-lt"/>
-                <a:ea typeface="+mn-ea"/>
-                <a:cs typeface="+mn-cs"/>
-              </a:defRPr>
-            </a:lvl6pPr>
-            <a:lvl7pPr marL="2200000" indent="-228600" algn="l" defTabSz="457200" rtl="0" eaLnBrk="1" latinLnBrk="0" hangingPunct="1">
-              <a:spcBef>
-                <a:spcPct val="20000"/>
-              </a:spcBef>
-              <a:spcAft>
-                <a:spcPts val="600"/>
-              </a:spcAft>
-              <a:buClr>
-                <a:schemeClr val="accent2"/>
-              </a:buClr>
-              <a:buSzPct val="92000"/>
-              <a:buFont typeface="Wingdings 2" panose="05020102010507070707" pitchFamily="18" charset="2"/>
-              <a:buChar char=""/>
-              <a:defRPr sz="1200" kern="1200">
-                <a:solidFill>
-                  <a:schemeClr val="tx2"/>
-                </a:solidFill>
-                <a:latin typeface="+mn-lt"/>
-                <a:ea typeface="+mn-ea"/>
-                <a:cs typeface="+mn-cs"/>
-              </a:defRPr>
-            </a:lvl7pPr>
-            <a:lvl8pPr marL="2500000" indent="-228600" algn="l" defTabSz="457200" rtl="0" eaLnBrk="1" latinLnBrk="0" hangingPunct="1">
-              <a:spcBef>
-                <a:spcPct val="20000"/>
-              </a:spcBef>
-              <a:spcAft>
-                <a:spcPts val="600"/>
-              </a:spcAft>
-              <a:buClr>
-                <a:schemeClr val="accent2"/>
-              </a:buClr>
-              <a:buSzPct val="92000"/>
-              <a:buFont typeface="Wingdings 2" panose="05020102010507070707" pitchFamily="18" charset="2"/>
-              <a:buChar char=""/>
-              <a:defRPr sz="1200" kern="1200">
-                <a:solidFill>
-                  <a:schemeClr val="tx2"/>
-                </a:solidFill>
-                <a:latin typeface="+mn-lt"/>
-                <a:ea typeface="+mn-ea"/>
-                <a:cs typeface="+mn-cs"/>
-              </a:defRPr>
-            </a:lvl8pPr>
-            <a:lvl9pPr marL="2800000" indent="-228600" algn="l" defTabSz="457200" rtl="0" eaLnBrk="1" latinLnBrk="0" hangingPunct="1">
-              <a:spcBef>
-                <a:spcPct val="20000"/>
-              </a:spcBef>
-              <a:spcAft>
-                <a:spcPts val="600"/>
-              </a:spcAft>
-              <a:buClr>
-                <a:schemeClr val="accent2"/>
-              </a:buClr>
-              <a:buSzPct val="92000"/>
-              <a:buFont typeface="Wingdings 2" panose="05020102010507070707" pitchFamily="18" charset="2"/>
-              <a:buChar char=""/>
-              <a:defRPr sz="1200" kern="1200">
-                <a:solidFill>
-                  <a:schemeClr val="tx2"/>
-                </a:solidFill>
-                <a:latin typeface="+mn-lt"/>
-                <a:ea typeface="+mn-ea"/>
-                <a:cs typeface="+mn-cs"/>
-              </a:defRPr>
-            </a:lvl9pPr>
-          </a:lstStyle>
-          <a:p>
-            <a:r>
-              <a:rPr lang="pt-BR" sz="2200" dirty="0"/>
-              <a:t>Arquitetura da rede neural</a:t>
-            </a:r>
-          </a:p>
-        </p:txBody>
-      </p:sp>
-      <p:graphicFrame>
-        <p:nvGraphicFramePr>
-          <p:cNvPr id="9" name="Tabela 8">
-            <a:extLst>
-              <a:ext uri="{FF2B5EF4-FFF2-40B4-BE49-F238E27FC236}">
-                <a16:creationId xmlns:a16="http://schemas.microsoft.com/office/drawing/2014/main" id="{89AA3C16-A023-420D-883F-BA5DA2E9D04C}"/>
-              </a:ext>
-            </a:extLst>
-          </p:cNvPr>
-          <p:cNvGraphicFramePr>
-            <a:graphicFrameLocks noGrp="1"/>
-          </p:cNvGraphicFramePr>
-          <p:nvPr>
-            <p:extLst>
-              <p:ext uri="{D42A27DB-BD31-4B8C-83A1-F6EECF244321}">
-                <p14:modId xmlns:p14="http://schemas.microsoft.com/office/powerpoint/2010/main" val="1694576798"/>
-              </p:ext>
-            </p:extLst>
-          </p:nvPr>
-        </p:nvGraphicFramePr>
-        <p:xfrm>
-          <a:off x="581192" y="3641403"/>
+          <a:off x="581189" y="4014866"/>
           <a:ext cx="5092859" cy="603785"/>
         </p:xfrm>
         <a:graphic>
@@ -17335,16 +17409,34 @@
                     <a:bodyPr/>
                     <a:lstStyle/>
                     <a:p>
-                      <a:pPr algn="ctr" fontAlgn="ctr"/>
+                      <a:pPr marL="0" marR="0" lvl="0" indent="0" algn="ctr" defTabSz="457200" rtl="0" eaLnBrk="1" fontAlgn="ctr" latinLnBrk="0" hangingPunct="1">
+                        <a:lnSpc>
+                          <a:spcPct val="100000"/>
+                        </a:lnSpc>
+                        <a:spcBef>
+                          <a:spcPts val="0"/>
+                        </a:spcBef>
+                        <a:spcAft>
+                          <a:spcPts val="0"/>
+                        </a:spcAft>
+                        <a:buClrTx/>
+                        <a:buSzTx/>
+                        <a:buFontTx/>
+                        <a:buNone/>
+                        <a:tabLst/>
+                        <a:defRPr/>
+                      </a:pPr>
                       <a:r>
-                        <a:rPr lang="pt-BR" sz="1800" b="0" i="0" u="none" strike="noStrike" dirty="0">
+                        <a:rPr lang="pt-BR" sz="1800" u="none" strike="noStrike" kern="1200" dirty="0">
                           <a:solidFill>
-                            <a:srgbClr val="000000"/>
+                            <a:srgbClr val="FF0000"/>
                           </a:solidFill>
                           <a:effectLst/>
-                          <a:latin typeface="Calibri" panose="020F0502020204030204" pitchFamily="34" charset="0"/>
+                          <a:latin typeface="+mn-lt"/>
+                          <a:ea typeface="+mn-ea"/>
+                          <a:cs typeface="+mn-cs"/>
                         </a:rPr>
-                        <a:t>conv1D</a:t>
+                        <a:t>Pooling1D</a:t>
                       </a:r>
                     </a:p>
                   </a:txBody>
@@ -17479,7 +17571,7 @@
                         <a:rPr lang="pt-BR" sz="1800" u="none" strike="noStrike" dirty="0">
                           <a:effectLst/>
                         </a:rPr>
-                        <a:t>36, 1</a:t>
+                        <a:t>24</a:t>
                       </a:r>
                       <a:endParaRPr lang="pt-BR" sz="1800" b="0" i="0" u="none" strike="noStrike" dirty="0">
                         <a:solidFill>
@@ -17638,440 +17730,7 @@
                         <a:rPr lang="pt-BR" sz="1800" u="none" strike="noStrike" dirty="0">
                           <a:effectLst/>
                         </a:rPr>
-                        <a:t>36, 24</a:t>
-                      </a:r>
-                      <a:endParaRPr lang="pt-BR" sz="1800" b="0" i="0" u="none" strike="noStrike" dirty="0">
-                        <a:solidFill>
-                          <a:srgbClr val="000000"/>
-                        </a:solidFill>
-                        <a:effectLst/>
-                        <a:latin typeface="Calibri" panose="020F0502020204030204" pitchFamily="34" charset="0"/>
-                      </a:endParaRPr>
-                    </a:p>
-                  </a:txBody>
-                  <a:tcPr marL="7620" marR="7620" marT="7620" marB="0" anchor="ctr">
-                    <a:lnL w="12700" cap="flat" cmpd="sng" algn="ctr">
-                      <a:solidFill>
-                        <a:schemeClr val="tx1"/>
-                      </a:solidFill>
-                      <a:prstDash val="solid"/>
-                      <a:round/>
-                      <a:headEnd type="none" w="med" len="med"/>
-                      <a:tailEnd type="none" w="med" len="med"/>
-                    </a:lnL>
-                    <a:lnR w="12700" cap="flat" cmpd="sng" algn="ctr">
-                      <a:solidFill>
-                        <a:schemeClr val="tx1"/>
-                      </a:solidFill>
-                      <a:prstDash val="solid"/>
-                      <a:round/>
-                      <a:headEnd type="none" w="med" len="med"/>
-                      <a:tailEnd type="none" w="med" len="med"/>
-                    </a:lnR>
-                    <a:lnT w="12700" cap="flat" cmpd="sng" algn="ctr">
-                      <a:solidFill>
-                        <a:schemeClr val="tx1"/>
-                      </a:solidFill>
-                      <a:prstDash val="solid"/>
-                      <a:round/>
-                      <a:headEnd type="none" w="med" len="med"/>
-                      <a:tailEnd type="none" w="med" len="med"/>
-                    </a:lnT>
-                    <a:lnB w="12700" cap="flat" cmpd="sng" algn="ctr">
-                      <a:solidFill>
-                        <a:schemeClr val="tx1"/>
-                      </a:solidFill>
-                      <a:prstDash val="solid"/>
-                      <a:round/>
-                      <a:headEnd type="none" w="med" len="med"/>
-                      <a:tailEnd type="none" w="med" len="med"/>
-                    </a:lnB>
-                    <a:lnTlToBr w="12700" cmpd="sng">
-                      <a:noFill/>
-                      <a:prstDash val="solid"/>
-                    </a:lnTlToBr>
-                    <a:lnBlToTr w="12700" cmpd="sng">
-                      <a:noFill/>
-                      <a:prstDash val="solid"/>
-                    </a:lnBlToTr>
-                    <a:solidFill>
-                      <a:schemeClr val="bg1"/>
-                    </a:solidFill>
-                  </a:tcPr>
-                </a:tc>
-                <a:extLst>
-                  <a:ext uri="{0D108BD9-81ED-4DB2-BD59-A6C34878D82A}">
-                    <a16:rowId xmlns:a16="http://schemas.microsoft.com/office/drawing/2014/main" val="494127702"/>
-                  </a:ext>
-                </a:extLst>
-              </a:tr>
-            </a:tbl>
-          </a:graphicData>
-        </a:graphic>
-      </p:graphicFrame>
-      <p:graphicFrame>
-        <p:nvGraphicFramePr>
-          <p:cNvPr id="10" name="Tabela 9">
-            <a:extLst>
-              <a:ext uri="{FF2B5EF4-FFF2-40B4-BE49-F238E27FC236}">
-                <a16:creationId xmlns:a16="http://schemas.microsoft.com/office/drawing/2014/main" id="{1F622ECD-561B-41EC-BF6E-39F53EE8A691}"/>
-              </a:ext>
-            </a:extLst>
-          </p:cNvPr>
-          <p:cNvGraphicFramePr>
-            <a:graphicFrameLocks noGrp="1"/>
-          </p:cNvGraphicFramePr>
-          <p:nvPr>
-            <p:extLst>
-              <p:ext uri="{D42A27DB-BD31-4B8C-83A1-F6EECF244321}">
-                <p14:modId xmlns:p14="http://schemas.microsoft.com/office/powerpoint/2010/main" val="3801274366"/>
-              </p:ext>
-            </p:extLst>
-          </p:nvPr>
-        </p:nvGraphicFramePr>
-        <p:xfrm>
-          <a:off x="581189" y="4472066"/>
-          <a:ext cx="5092859" cy="603785"/>
-        </p:xfrm>
-        <a:graphic>
-          <a:graphicData uri="http://schemas.openxmlformats.org/drawingml/2006/table">
-            <a:tbl>
-              <a:tblPr>
-                <a:tableStyleId>{5C22544A-7EE6-4342-B048-85BDC9FD1C3A}</a:tableStyleId>
-              </a:tblPr>
-              <a:tblGrid>
-                <a:gridCol w="2056123">
-                  <a:extLst>
-                    <a:ext uri="{9D8B030D-6E8A-4147-A177-3AD203B41FA5}">
-                      <a16:colId xmlns:a16="http://schemas.microsoft.com/office/drawing/2014/main" val="378260509"/>
-                    </a:ext>
-                  </a:extLst>
-                </a:gridCol>
-                <a:gridCol w="1518368">
-                  <a:extLst>
-                    <a:ext uri="{9D8B030D-6E8A-4147-A177-3AD203B41FA5}">
-                      <a16:colId xmlns:a16="http://schemas.microsoft.com/office/drawing/2014/main" val="2475124851"/>
-                    </a:ext>
-                  </a:extLst>
-                </a:gridCol>
-                <a:gridCol w="1518368">
-                  <a:extLst>
-                    <a:ext uri="{9D8B030D-6E8A-4147-A177-3AD203B41FA5}">
-                      <a16:colId xmlns:a16="http://schemas.microsoft.com/office/drawing/2014/main" val="311985919"/>
-                    </a:ext>
-                  </a:extLst>
-                </a:gridCol>
-              </a:tblGrid>
-              <a:tr h="321845">
-                <a:tc rowSpan="2">
-                  <a:txBody>
-                    <a:bodyPr/>
-                    <a:lstStyle/>
-                    <a:p>
-                      <a:pPr algn="ctr" fontAlgn="ctr"/>
-                      <a:r>
-                        <a:rPr lang="pt-BR" sz="1800" b="0" i="0" u="none" strike="noStrike" dirty="0">
-                          <a:solidFill>
-                            <a:srgbClr val="FF0000"/>
-                          </a:solidFill>
-                          <a:effectLst/>
-                          <a:latin typeface="Calibri" panose="020F0502020204030204" pitchFamily="34" charset="0"/>
-                        </a:rPr>
-                        <a:t>Pooling1D</a:t>
-                      </a:r>
-                    </a:p>
-                  </a:txBody>
-                  <a:tcPr marL="7620" marR="7620" marT="7620" marB="0" anchor="ctr">
-                    <a:lnL w="12700" cap="flat" cmpd="sng" algn="ctr">
-                      <a:solidFill>
-                        <a:schemeClr val="tx1"/>
-                      </a:solidFill>
-                      <a:prstDash val="solid"/>
-                      <a:round/>
-                      <a:headEnd type="none" w="med" len="med"/>
-                      <a:tailEnd type="none" w="med" len="med"/>
-                    </a:lnL>
-                    <a:lnR w="12700" cap="flat" cmpd="sng" algn="ctr">
-                      <a:solidFill>
-                        <a:schemeClr val="tx1"/>
-                      </a:solidFill>
-                      <a:prstDash val="solid"/>
-                      <a:round/>
-                      <a:headEnd type="none" w="med" len="med"/>
-                      <a:tailEnd type="none" w="med" len="med"/>
-                    </a:lnR>
-                    <a:lnT w="12700" cap="flat" cmpd="sng" algn="ctr">
-                      <a:solidFill>
-                        <a:schemeClr val="tx1"/>
-                      </a:solidFill>
-                      <a:prstDash val="solid"/>
-                      <a:round/>
-                      <a:headEnd type="none" w="med" len="med"/>
-                      <a:tailEnd type="none" w="med" len="med"/>
-                    </a:lnT>
-                    <a:lnB w="12700" cap="flat" cmpd="sng" algn="ctr">
-                      <a:solidFill>
-                        <a:schemeClr val="tx1"/>
-                      </a:solidFill>
-                      <a:prstDash val="solid"/>
-                      <a:round/>
-                      <a:headEnd type="none" w="med" len="med"/>
-                      <a:tailEnd type="none" w="med" len="med"/>
-                    </a:lnB>
-                    <a:lnTlToBr w="12700" cmpd="sng">
-                      <a:noFill/>
-                      <a:prstDash val="solid"/>
-                    </a:lnTlToBr>
-                    <a:lnBlToTr w="12700" cmpd="sng">
-                      <a:noFill/>
-                      <a:prstDash val="solid"/>
-                    </a:lnBlToTr>
-                    <a:solidFill>
-                      <a:schemeClr val="bg1"/>
-                    </a:solidFill>
-                  </a:tcPr>
-                </a:tc>
-                <a:tc>
-                  <a:txBody>
-                    <a:bodyPr/>
-                    <a:lstStyle/>
-                    <a:p>
-                      <a:pPr algn="l" fontAlgn="ctr"/>
-                      <a:r>
-                        <a:rPr lang="pt-BR" sz="1800" u="none" strike="noStrike" dirty="0">
-                          <a:effectLst/>
-                        </a:rPr>
-                        <a:t>input</a:t>
-                      </a:r>
-                      <a:endParaRPr lang="pt-BR" sz="1800" b="0" i="0" u="none" strike="noStrike" dirty="0">
-                        <a:solidFill>
-                          <a:srgbClr val="000000"/>
-                        </a:solidFill>
-                        <a:effectLst/>
-                        <a:latin typeface="Calibri" panose="020F0502020204030204" pitchFamily="34" charset="0"/>
-                      </a:endParaRPr>
-                    </a:p>
-                  </a:txBody>
-                  <a:tcPr marL="7620" marR="7620" marT="7620" marB="0" anchor="ctr">
-                    <a:lnL w="12700" cap="flat" cmpd="sng" algn="ctr">
-                      <a:solidFill>
-                        <a:schemeClr val="tx1"/>
-                      </a:solidFill>
-                      <a:prstDash val="solid"/>
-                      <a:round/>
-                      <a:headEnd type="none" w="med" len="med"/>
-                      <a:tailEnd type="none" w="med" len="med"/>
-                    </a:lnL>
-                    <a:lnR w="12700" cap="flat" cmpd="sng" algn="ctr">
-                      <a:solidFill>
-                        <a:schemeClr val="tx1"/>
-                      </a:solidFill>
-                      <a:prstDash val="solid"/>
-                      <a:round/>
-                      <a:headEnd type="none" w="med" len="med"/>
-                      <a:tailEnd type="none" w="med" len="med"/>
-                    </a:lnR>
-                    <a:lnT w="12700" cap="flat" cmpd="sng" algn="ctr">
-                      <a:solidFill>
-                        <a:schemeClr val="tx1"/>
-                      </a:solidFill>
-                      <a:prstDash val="solid"/>
-                      <a:round/>
-                      <a:headEnd type="none" w="med" len="med"/>
-                      <a:tailEnd type="none" w="med" len="med"/>
-                    </a:lnT>
-                    <a:lnB w="12700" cap="flat" cmpd="sng" algn="ctr">
-                      <a:solidFill>
-                        <a:schemeClr val="tx1"/>
-                      </a:solidFill>
-                      <a:prstDash val="solid"/>
-                      <a:round/>
-                      <a:headEnd type="none" w="med" len="med"/>
-                      <a:tailEnd type="none" w="med" len="med"/>
-                    </a:lnB>
-                    <a:lnTlToBr w="12700" cmpd="sng">
-                      <a:noFill/>
-                      <a:prstDash val="solid"/>
-                    </a:lnTlToBr>
-                    <a:lnBlToTr w="12700" cmpd="sng">
-                      <a:noFill/>
-                      <a:prstDash val="solid"/>
-                    </a:lnBlToTr>
-                    <a:solidFill>
-                      <a:schemeClr val="bg1"/>
-                    </a:solidFill>
-                  </a:tcPr>
-                </a:tc>
-                <a:tc>
-                  <a:txBody>
-                    <a:bodyPr/>
-                    <a:lstStyle/>
-                    <a:p>
-                      <a:pPr algn="r" fontAlgn="ctr"/>
-                      <a:r>
-                        <a:rPr lang="pt-BR" sz="1800" u="none" strike="noStrike" dirty="0">
-                          <a:effectLst/>
-                        </a:rPr>
-                        <a:t>36, 24</a:t>
-                      </a:r>
-                      <a:endParaRPr lang="pt-BR" sz="1800" b="0" i="0" u="none" strike="noStrike" dirty="0">
-                        <a:solidFill>
-                          <a:srgbClr val="000000"/>
-                        </a:solidFill>
-                        <a:effectLst/>
-                        <a:latin typeface="Calibri" panose="020F0502020204030204" pitchFamily="34" charset="0"/>
-                      </a:endParaRPr>
-                    </a:p>
-                  </a:txBody>
-                  <a:tcPr marL="7620" marR="7620" marT="7620" marB="0" anchor="ctr">
-                    <a:lnL w="12700" cap="flat" cmpd="sng" algn="ctr">
-                      <a:solidFill>
-                        <a:schemeClr val="tx1"/>
-                      </a:solidFill>
-                      <a:prstDash val="solid"/>
-                      <a:round/>
-                      <a:headEnd type="none" w="med" len="med"/>
-                      <a:tailEnd type="none" w="med" len="med"/>
-                    </a:lnL>
-                    <a:lnR w="12700" cap="flat" cmpd="sng" algn="ctr">
-                      <a:solidFill>
-                        <a:schemeClr val="tx1"/>
-                      </a:solidFill>
-                      <a:prstDash val="solid"/>
-                      <a:round/>
-                      <a:headEnd type="none" w="med" len="med"/>
-                      <a:tailEnd type="none" w="med" len="med"/>
-                    </a:lnR>
-                    <a:lnT w="12700" cap="flat" cmpd="sng" algn="ctr">
-                      <a:solidFill>
-                        <a:schemeClr val="tx1"/>
-                      </a:solidFill>
-                      <a:prstDash val="solid"/>
-                      <a:round/>
-                      <a:headEnd type="none" w="med" len="med"/>
-                      <a:tailEnd type="none" w="med" len="med"/>
-                    </a:lnT>
-                    <a:lnB w="12700" cap="flat" cmpd="sng" algn="ctr">
-                      <a:solidFill>
-                        <a:schemeClr val="tx1"/>
-                      </a:solidFill>
-                      <a:prstDash val="solid"/>
-                      <a:round/>
-                      <a:headEnd type="none" w="med" len="med"/>
-                      <a:tailEnd type="none" w="med" len="med"/>
-                    </a:lnB>
-                    <a:lnTlToBr w="12700" cmpd="sng">
-                      <a:noFill/>
-                      <a:prstDash val="solid"/>
-                    </a:lnTlToBr>
-                    <a:lnBlToTr w="12700" cmpd="sng">
-                      <a:noFill/>
-                      <a:prstDash val="solid"/>
-                    </a:lnBlToTr>
-                    <a:solidFill>
-                      <a:schemeClr val="bg1"/>
-                    </a:solidFill>
-                  </a:tcPr>
-                </a:tc>
-                <a:extLst>
-                  <a:ext uri="{0D108BD9-81ED-4DB2-BD59-A6C34878D82A}">
-                    <a16:rowId xmlns:a16="http://schemas.microsoft.com/office/drawing/2014/main" val="1251263919"/>
-                  </a:ext>
-                </a:extLst>
-              </a:tr>
-              <a:tr h="182880">
-                <a:tc vMerge="1">
-                  <a:txBody>
-                    <a:bodyPr/>
-                    <a:lstStyle/>
-                    <a:p>
-                      <a:endParaRPr lang="pt-BR"/>
-                    </a:p>
-                  </a:txBody>
-                  <a:tcPr/>
-                </a:tc>
-                <a:tc>
-                  <a:txBody>
-                    <a:bodyPr/>
-                    <a:lstStyle/>
-                    <a:p>
-                      <a:pPr algn="l" fontAlgn="ctr"/>
-                      <a:r>
-                        <a:rPr lang="pt-BR" sz="1800" u="none" strike="noStrike" dirty="0">
-                          <a:effectLst/>
-                        </a:rPr>
-                        <a:t>output</a:t>
-                      </a:r>
-                      <a:endParaRPr lang="pt-BR" sz="1800" b="0" i="0" u="none" strike="noStrike" dirty="0">
-                        <a:solidFill>
-                          <a:srgbClr val="000000"/>
-                        </a:solidFill>
-                        <a:effectLst/>
-                        <a:latin typeface="Calibri" panose="020F0502020204030204" pitchFamily="34" charset="0"/>
-                      </a:endParaRPr>
-                    </a:p>
-                  </a:txBody>
-                  <a:tcPr marL="7620" marR="7620" marT="7620" marB="0" anchor="ctr">
-                    <a:lnL w="12700" cap="flat" cmpd="sng" algn="ctr">
-                      <a:solidFill>
-                        <a:schemeClr val="tx1"/>
-                      </a:solidFill>
-                      <a:prstDash val="solid"/>
-                      <a:round/>
-                      <a:headEnd type="none" w="med" len="med"/>
-                      <a:tailEnd type="none" w="med" len="med"/>
-                    </a:lnL>
-                    <a:lnR w="12700" cap="flat" cmpd="sng" algn="ctr">
-                      <a:solidFill>
-                        <a:schemeClr val="tx1"/>
-                      </a:solidFill>
-                      <a:prstDash val="solid"/>
-                      <a:round/>
-                      <a:headEnd type="none" w="med" len="med"/>
-                      <a:tailEnd type="none" w="med" len="med"/>
-                    </a:lnR>
-                    <a:lnT w="12700" cap="flat" cmpd="sng" algn="ctr">
-                      <a:solidFill>
-                        <a:schemeClr val="tx1"/>
-                      </a:solidFill>
-                      <a:prstDash val="solid"/>
-                      <a:round/>
-                      <a:headEnd type="none" w="med" len="med"/>
-                      <a:tailEnd type="none" w="med" len="med"/>
-                    </a:lnT>
-                    <a:lnB w="12700" cap="flat" cmpd="sng" algn="ctr">
-                      <a:solidFill>
-                        <a:schemeClr val="tx1"/>
-                      </a:solidFill>
-                      <a:prstDash val="solid"/>
-                      <a:round/>
-                      <a:headEnd type="none" w="med" len="med"/>
-                      <a:tailEnd type="none" w="med" len="med"/>
-                    </a:lnB>
-                    <a:lnTlToBr w="12700" cmpd="sng">
-                      <a:noFill/>
-                      <a:prstDash val="solid"/>
-                    </a:lnTlToBr>
-                    <a:lnBlToTr w="12700" cmpd="sng">
-                      <a:noFill/>
-                      <a:prstDash val="solid"/>
-                    </a:lnBlToTr>
-                    <a:solidFill>
-                      <a:schemeClr val="bg1"/>
-                    </a:solidFill>
-                  </a:tcPr>
-                </a:tc>
-                <a:tc>
-                  <a:txBody>
-                    <a:bodyPr/>
-                    <a:lstStyle/>
-                    <a:p>
-                      <a:pPr algn="r" fontAlgn="ctr"/>
-                      <a:r>
-                        <a:rPr lang="pt-BR" sz="1800" u="none" strike="noStrike" dirty="0">
-                          <a:effectLst/>
-                        </a:rPr>
-                        <a:t>18, 24</a:t>
+                        <a:t>24</a:t>
                       </a:r>
                       <a:endParaRPr lang="pt-BR" sz="1800" b="0" i="0" u="none" strike="noStrike" dirty="0">
                         <a:solidFill>
@@ -21628,7 +21287,7 @@
                 <a:effectLst/>
                 <a:latin typeface="inherit"/>
               </a:rPr>
-              <a:t>Este conjunto de dados reporta o número de incêndios florestais no Brasil dividido por estados. A série compreende o período de aproximadamente 10 anos (1998 a 2017). Os dados foram obtidos no site oficial do governo brasileiro</a:t>
+              <a:t>Este conjunto de dados reporta o número de incêndios florestais no Brasil dividido por estados. A série compreende o período de aproximadamente 20 anos (1998 a 2017). Os dados foram obtidos no site oficial do governo brasileiro</a:t>
             </a:r>
           </a:p>
           <a:p>
@@ -22750,14 +22409,6 @@
 </file>
 
 <file path=customXml/item1.xml><?xml version="1.0" encoding="utf-8"?>
-<p:properties xmlns:p="http://schemas.microsoft.com/office/2006/metadata/properties" xmlns:xsi="http://www.w3.org/2001/XMLSchema-instance" xmlns:pc="http://schemas.microsoft.com/office/infopath/2007/PartnerControls">
-  <documentManagement>
-    <MediaServiceKeyPoints xmlns="71af3243-3dd4-4a8d-8c0d-dd76da1f02a5" xsi:nil="true"/>
-  </documentManagement>
-</p:properties>
-</file>
-
-<file path=customXml/item2.xml><?xml version="1.0" encoding="utf-8"?>
 <ct:contentTypeSchema xmlns:ct="http://schemas.microsoft.com/office/2006/metadata/contentType" xmlns:ma="http://schemas.microsoft.com/office/2006/metadata/properties/metaAttributes" ct:_="" ma:_="" ma:contentTypeName="Document" ma:contentTypeID="0x01010079F111ED35F8CC479449609E8A0923A6" ma:contentTypeVersion="11" ma:contentTypeDescription="Create a new document." ma:contentTypeScope="" ma:versionID="1c2eb7a32e66fb6e4260f3771546a5e2">
   <xsd:schema xmlns:xsd="http://www.w3.org/2001/XMLSchema" xmlns:xs="http://www.w3.org/2001/XMLSchema" xmlns:p="http://schemas.microsoft.com/office/2006/metadata/properties" xmlns:ns2="71af3243-3dd4-4a8d-8c0d-dd76da1f02a5" xmlns:ns3="16c05727-aa75-4e4a-9b5f-8a80a1165891" targetNamespace="http://schemas.microsoft.com/office/2006/metadata/properties" ma:root="true" ma:fieldsID="04e1f6479c48b08974ba73b5ca973489" ns2:_="" ns3:_="">
     <xsd:import namespace="71af3243-3dd4-4a8d-8c0d-dd76da1f02a5"/>
@@ -22968,6 +22619,14 @@
 </ct:contentTypeSchema>
 </file>
 
+<file path=customXml/item2.xml><?xml version="1.0" encoding="utf-8"?>
+<p:properties xmlns:p="http://schemas.microsoft.com/office/2006/metadata/properties" xmlns:xsi="http://www.w3.org/2001/XMLSchema-instance" xmlns:pc="http://schemas.microsoft.com/office/infopath/2007/PartnerControls">
+  <documentManagement>
+    <MediaServiceKeyPoints xmlns="71af3243-3dd4-4a8d-8c0d-dd76da1f02a5" xsi:nil="true"/>
+  </documentManagement>
+</p:properties>
+</file>
+
 <file path=customXml/item3.xml><?xml version="1.0" encoding="utf-8"?>
 <?mso-contentType ?>
 <FormTemplates xmlns="http://schemas.microsoft.com/sharepoint/v3/contenttype/forms">
@@ -22978,16 +22637,6 @@
 </file>
 
 <file path=customXml/itemProps1.xml><?xml version="1.0" encoding="utf-8"?>
-<ds:datastoreItem xmlns:ds="http://schemas.openxmlformats.org/officeDocument/2006/customXml" ds:itemID="{1EBC12AA-1C15-4500-BC9C-8EE83A441DE9}">
-  <ds:schemaRefs>
-    <ds:schemaRef ds:uri="http://schemas.microsoft.com/office/2006/metadata/properties"/>
-    <ds:schemaRef ds:uri="http://schemas.microsoft.com/office/infopath/2007/PartnerControls"/>
-    <ds:schemaRef ds:uri="71af3243-3dd4-4a8d-8c0d-dd76da1f02a5"/>
-  </ds:schemaRefs>
-</ds:datastoreItem>
-</file>
-
-<file path=customXml/itemProps2.xml><?xml version="1.0" encoding="utf-8"?>
 <ds:datastoreItem xmlns:ds="http://schemas.openxmlformats.org/officeDocument/2006/customXml" ds:itemID="{1F69AFF4-BB30-4BA0-AD22-82CC3C43276B}">
   <ds:schemaRefs>
     <ds:schemaRef ds:uri="http://schemas.microsoft.com/office/2006/metadata/contentType"/>
@@ -23006,6 +22655,16 @@
 </ds:datastoreItem>
 </file>
 
+<file path=customXml/itemProps2.xml><?xml version="1.0" encoding="utf-8"?>
+<ds:datastoreItem xmlns:ds="http://schemas.openxmlformats.org/officeDocument/2006/customXml" ds:itemID="{1EBC12AA-1C15-4500-BC9C-8EE83A441DE9}">
+  <ds:schemaRefs>
+    <ds:schemaRef ds:uri="http://schemas.microsoft.com/office/2006/metadata/properties"/>
+    <ds:schemaRef ds:uri="http://schemas.microsoft.com/office/infopath/2007/PartnerControls"/>
+    <ds:schemaRef ds:uri="71af3243-3dd4-4a8d-8c0d-dd76da1f02a5"/>
+  </ds:schemaRefs>
+</ds:datastoreItem>
+</file>
+
 <file path=customXml/itemProps3.xml><?xml version="1.0" encoding="utf-8"?>
 <ds:datastoreItem xmlns:ds="http://schemas.openxmlformats.org/officeDocument/2006/customXml" ds:itemID="{BA0CF3B2-1F0F-4FC5-8002-3E4869ABAD55}">
   <ds:schemaRefs>
